--- a/Presentazione/Esempio/Presentazione CBunisa_Esempio.pptx
+++ b/Presentazione/Esempio/Presentazione CBunisa_Esempio.pptx
@@ -9516,6 +9516,64 @@
           </a:fontRef>
         </p:style>
       </p:pic>
+      <p:sp>
+        <p:nvSpPr>
+          <p:cNvPr id="4" name="CasellaDiTesto 3"/>
+          <p:cNvSpPr txBox="1"/>
+          <p:nvPr/>
+        </p:nvSpPr>
+        <p:spPr>
+          <a:xfrm>
+            <a:off x="-15776" y="5492948"/>
+            <a:ext cx="8191666" cy="830997"/>
+          </a:xfrm>
+          <a:prstGeom prst="rect">
+            <a:avLst/>
+          </a:prstGeom>
+          <a:noFill/>
+        </p:spPr>
+        <p:txBody>
+          <a:bodyPr wrap="none" rtlCol="0">
+            <a:spAutoFit/>
+          </a:bodyPr>
+          <a:lstStyle/>
+          <a:p>
+            <a:r>
+              <a:rPr lang="it-IT" dirty="0" smtClean="0"/>
+              <a:t> </a:t>
+            </a:r>
+            <a:r>
+              <a:rPr lang="it-IT" sz="2400" b="1" dirty="0" smtClean="0">
+                <a:solidFill>
+                  <a:srgbClr val="FF0000"/>
+                </a:solidFill>
+                <a:latin typeface="Arial" pitchFamily="34" charset="0"/>
+                <a:cs typeface="Arial" pitchFamily="34" charset="0"/>
+              </a:rPr>
+              <a:t>Sottolineate gli attori protagonisti della presentazione.</a:t>
+            </a:r>
+          </a:p>
+          <a:p>
+            <a:r>
+              <a:rPr lang="it-IT" sz="2400" b="1" dirty="0" smtClean="0">
+                <a:solidFill>
+                  <a:srgbClr val="FF0000"/>
+                </a:solidFill>
+                <a:latin typeface="Arial" pitchFamily="34" charset="0"/>
+                <a:cs typeface="Arial" pitchFamily="34" charset="0"/>
+              </a:rPr>
+              <a:t>Spiegate le generalizzazioni usate</a:t>
+            </a:r>
+            <a:endParaRPr lang="it-IT" sz="2400" b="1" dirty="0">
+              <a:solidFill>
+                <a:srgbClr val="FF0000"/>
+              </a:solidFill>
+              <a:latin typeface="Arial" pitchFamily="34" charset="0"/>
+              <a:cs typeface="Arial" pitchFamily="34" charset="0"/>
+            </a:endParaRPr>
+          </a:p>
+        </p:txBody>
+      </p:sp>
     </p:spTree>
   </p:cSld>
   <p:clrMapOvr>

--- a/Presentazione/Esempio/Presentazione CBunisa_Esempio.pptx
+++ b/Presentazione/Esempio/Presentazione CBunisa_Esempio.pptx
@@ -5,7 +5,7 @@
     <p:sldMasterId id="2147483672" r:id="rId1"/>
   </p:sldMasterIdLst>
   <p:notesMasterIdLst>
-    <p:notesMasterId r:id="rId36"/>
+    <p:notesMasterId r:id="rId37"/>
   </p:notesMasterIdLst>
   <p:sldIdLst>
     <p:sldId id="256" r:id="rId2"/>
@@ -32,16 +32,17 @@
     <p:sldId id="294" r:id="rId23"/>
     <p:sldId id="279" r:id="rId24"/>
     <p:sldId id="295" r:id="rId25"/>
-    <p:sldId id="286" r:id="rId26"/>
-    <p:sldId id="290" r:id="rId27"/>
-    <p:sldId id="292" r:id="rId28"/>
-    <p:sldId id="296" r:id="rId29"/>
-    <p:sldId id="288" r:id="rId30"/>
-    <p:sldId id="303" r:id="rId31"/>
-    <p:sldId id="304" r:id="rId32"/>
-    <p:sldId id="301" r:id="rId33"/>
-    <p:sldId id="302" r:id="rId34"/>
-    <p:sldId id="306" r:id="rId35"/>
+    <p:sldId id="307" r:id="rId26"/>
+    <p:sldId id="286" r:id="rId27"/>
+    <p:sldId id="290" r:id="rId28"/>
+    <p:sldId id="292" r:id="rId29"/>
+    <p:sldId id="296" r:id="rId30"/>
+    <p:sldId id="288" r:id="rId31"/>
+    <p:sldId id="303" r:id="rId32"/>
+    <p:sldId id="304" r:id="rId33"/>
+    <p:sldId id="301" r:id="rId34"/>
+    <p:sldId id="302" r:id="rId35"/>
+    <p:sldId id="306" r:id="rId36"/>
   </p:sldIdLst>
   <p:sldSz cx="9144000" cy="6858000" type="screen4x3"/>
   <p:notesSz cx="6858000" cy="9144000"/>
@@ -11150,8 +11151,8 @@
         </p:nvSpPr>
         <p:spPr>
           <a:xfrm>
-            <a:off x="2214546" y="214290"/>
-            <a:ext cx="4741363" cy="369332"/>
+            <a:off x="179512" y="620688"/>
+            <a:ext cx="8424936" cy="1938992"/>
           </a:xfrm>
           <a:prstGeom prst="rect">
             <a:avLst/>
@@ -11159,197 +11160,7 @@
           <a:noFill/>
         </p:spPr>
         <p:txBody>
-          <a:bodyPr wrap="none" rtlCol="0">
-            <a:spAutoFit/>
-          </a:bodyPr>
-          <a:lstStyle/>
-          <a:p>
-            <a:r>
-              <a:rPr lang="it-IT" b="1" dirty="0" smtClean="0">
-                <a:latin typeface="Arial" pitchFamily="34" charset="0"/>
-                <a:cs typeface="Arial" pitchFamily="34" charset="0"/>
-              </a:rPr>
-              <a:t>MAPPING DA CONTRATTI </a:t>
-            </a:r>
-            <a:r>
-              <a:rPr lang="it-IT" b="1" dirty="0">
-                <a:latin typeface="Arial" pitchFamily="34" charset="0"/>
-                <a:cs typeface="Arial" pitchFamily="34" charset="0"/>
-              </a:rPr>
-              <a:t>A</a:t>
-            </a:r>
-            <a:r>
-              <a:rPr lang="it-IT" b="1" dirty="0" smtClean="0">
-                <a:latin typeface="Arial" pitchFamily="34" charset="0"/>
-                <a:cs typeface="Arial" pitchFamily="34" charset="0"/>
-              </a:rPr>
-              <a:t>D ECCEZIONI</a:t>
-            </a:r>
-            <a:endParaRPr lang="it-IT" b="1" dirty="0">
-              <a:latin typeface="Arial" pitchFamily="34" charset="0"/>
-              <a:cs typeface="Arial" pitchFamily="34" charset="0"/>
-            </a:endParaRPr>
-          </a:p>
-        </p:txBody>
-      </p:sp>
-      <p:sp>
-        <p:nvSpPr>
-          <p:cNvPr id="3" name="CasellaDiTesto 2"/>
-          <p:cNvSpPr txBox="1"/>
-          <p:nvPr/>
-        </p:nvSpPr>
-        <p:spPr>
-          <a:xfrm>
-            <a:off x="214282" y="1071546"/>
-            <a:ext cx="8358246" cy="1477328"/>
-          </a:xfrm>
-          <a:prstGeom prst="rect">
-            <a:avLst/>
-          </a:prstGeom>
-          <a:noFill/>
-        </p:spPr>
-        <p:txBody>
           <a:bodyPr wrap="square" rtlCol="0">
-            <a:spAutoFit/>
-          </a:bodyPr>
-          <a:lstStyle/>
-          <a:p>
-            <a:r>
-              <a:rPr lang="it-IT" dirty="0" smtClean="0">
-                <a:latin typeface="Arial" pitchFamily="34" charset="0"/>
-                <a:cs typeface="Arial" pitchFamily="34" charset="0"/>
-              </a:rPr>
-              <a:t>Per il </a:t>
-            </a:r>
-            <a:r>
-              <a:rPr lang="it-IT" dirty="0" err="1" smtClean="0">
-                <a:latin typeface="Arial" pitchFamily="34" charset="0"/>
-                <a:cs typeface="Arial" pitchFamily="34" charset="0"/>
-              </a:rPr>
-              <a:t>mapping</a:t>
-            </a:r>
-            <a:r>
-              <a:rPr lang="it-IT" dirty="0" smtClean="0">
-                <a:latin typeface="Arial" pitchFamily="34" charset="0"/>
-                <a:cs typeface="Arial" pitchFamily="34" charset="0"/>
-              </a:rPr>
-              <a:t> dai contratti alle eccezioni sono state scelte le seguenti strategie:</a:t>
-            </a:r>
-          </a:p>
-          <a:p>
-            <a:pPr>
-              <a:buFontTx/>
-              <a:buChar char="-"/>
-            </a:pPr>
-            <a:r>
-              <a:rPr lang="it-IT" dirty="0" smtClean="0">
-                <a:latin typeface="Arial" pitchFamily="34" charset="0"/>
-                <a:cs typeface="Arial" pitchFamily="34" charset="0"/>
-              </a:rPr>
-              <a:t>Non sono state controllate le </a:t>
-            </a:r>
-            <a:r>
-              <a:rPr lang="it-IT" dirty="0" err="1" smtClean="0">
-                <a:latin typeface="Arial" pitchFamily="34" charset="0"/>
-                <a:cs typeface="Arial" pitchFamily="34" charset="0"/>
-              </a:rPr>
-              <a:t>postcondizioni</a:t>
-            </a:r>
-            <a:r>
-              <a:rPr lang="it-IT" dirty="0" smtClean="0">
-                <a:latin typeface="Arial" pitchFamily="34" charset="0"/>
-                <a:cs typeface="Arial" pitchFamily="34" charset="0"/>
-              </a:rPr>
-              <a:t> e le </a:t>
-            </a:r>
-            <a:r>
-              <a:rPr lang="it-IT" dirty="0" err="1" smtClean="0">
-                <a:latin typeface="Arial" pitchFamily="34" charset="0"/>
-                <a:cs typeface="Arial" pitchFamily="34" charset="0"/>
-              </a:rPr>
-              <a:t>inviarianti</a:t>
-            </a:r>
-            <a:r>
-              <a:rPr lang="it-IT" dirty="0" smtClean="0">
-                <a:latin typeface="Arial" pitchFamily="34" charset="0"/>
-                <a:cs typeface="Arial" pitchFamily="34" charset="0"/>
-              </a:rPr>
-              <a:t> :non avrebbe Individuato molti bug (in quanto il </a:t>
-            </a:r>
-            <a:r>
-              <a:rPr lang="it-IT" dirty="0" err="1" smtClean="0">
-                <a:latin typeface="Arial" pitchFamily="34" charset="0"/>
-                <a:cs typeface="Arial" pitchFamily="34" charset="0"/>
-              </a:rPr>
-              <a:t>testing</a:t>
-            </a:r>
-            <a:r>
-              <a:rPr lang="it-IT" dirty="0" smtClean="0">
-                <a:latin typeface="Arial" pitchFamily="34" charset="0"/>
-                <a:cs typeface="Arial" pitchFamily="34" charset="0"/>
-              </a:rPr>
-              <a:t> di unità è stato eseguito dallo sviluppatore stesso),in più sarebbe stato molto ridondate.</a:t>
-            </a:r>
-          </a:p>
-          <a:p>
-            <a:endParaRPr lang="it-IT" dirty="0" smtClean="0"/>
-          </a:p>
-        </p:txBody>
-      </p:sp>
-      <p:sp>
-        <p:nvSpPr>
-          <p:cNvPr id="4" name="CasellaDiTesto 3"/>
-          <p:cNvSpPr txBox="1"/>
-          <p:nvPr/>
-        </p:nvSpPr>
-        <p:spPr>
-          <a:xfrm>
-            <a:off x="3500430" y="2786058"/>
-            <a:ext cx="1787669" cy="369332"/>
-          </a:xfrm>
-          <a:prstGeom prst="rect">
-            <a:avLst/>
-          </a:prstGeom>
-          <a:noFill/>
-        </p:spPr>
-        <p:txBody>
-          <a:bodyPr wrap="none" rtlCol="0">
-            <a:spAutoFit/>
-          </a:bodyPr>
-          <a:lstStyle/>
-          <a:p>
-            <a:r>
-              <a:rPr lang="it-IT" b="1" dirty="0" smtClean="0">
-                <a:latin typeface="Arial" pitchFamily="34" charset="0"/>
-                <a:cs typeface="Arial" pitchFamily="34" charset="0"/>
-              </a:rPr>
-              <a:t>ESEMPIO OCL</a:t>
-            </a:r>
-            <a:endParaRPr lang="it-IT" b="1" dirty="0">
-              <a:latin typeface="Arial" pitchFamily="34" charset="0"/>
-              <a:cs typeface="Arial" pitchFamily="34" charset="0"/>
-            </a:endParaRPr>
-          </a:p>
-        </p:txBody>
-      </p:sp>
-      <p:sp>
-        <p:nvSpPr>
-          <p:cNvPr id="5" name="CasellaDiTesto 4"/>
-          <p:cNvSpPr txBox="1"/>
-          <p:nvPr/>
-        </p:nvSpPr>
-        <p:spPr>
-          <a:xfrm>
-            <a:off x="-15776" y="5492948"/>
-            <a:ext cx="7288405" cy="461665"/>
-          </a:xfrm>
-          <a:prstGeom prst="rect">
-            <a:avLst/>
-          </a:prstGeom>
-          <a:noFill/>
-        </p:spPr>
-        <p:txBody>
-          <a:bodyPr wrap="none" rtlCol="0">
             <a:spAutoFit/>
           </a:bodyPr>
           <a:lstStyle/>
@@ -11362,7 +11173,53 @@
                 <a:latin typeface="Arial" pitchFamily="34" charset="0"/>
                 <a:cs typeface="Arial" pitchFamily="34" charset="0"/>
               </a:rPr>
-              <a:t>Mettete un esempio di OCL della vostra gestione</a:t>
+              <a:t>Se avete usato delle COTS</a:t>
+            </a:r>
+          </a:p>
+          <a:p>
+            <a:r>
+              <a:rPr lang="it-IT" sz="2400" b="1" dirty="0" smtClean="0">
+                <a:solidFill>
+                  <a:srgbClr val="FF0000"/>
+                </a:solidFill>
+                <a:latin typeface="Arial" pitchFamily="34" charset="0"/>
+                <a:cs typeface="Arial" pitchFamily="34" charset="0"/>
+              </a:rPr>
+              <a:t>Inserite qui le motivazioni che vi hanno portato ad usare</a:t>
+            </a:r>
+          </a:p>
+          <a:p>
+            <a:r>
+              <a:rPr lang="it-IT" sz="2400" b="1" dirty="0" smtClean="0">
+                <a:solidFill>
+                  <a:srgbClr val="FF0000"/>
+                </a:solidFill>
+                <a:latin typeface="Arial" pitchFamily="34" charset="0"/>
+                <a:cs typeface="Arial" pitchFamily="34" charset="0"/>
+              </a:rPr>
+              <a:t>Quella specifica COTS.</a:t>
+            </a:r>
+          </a:p>
+          <a:p>
+            <a:r>
+              <a:rPr lang="it-IT" sz="2400" b="1" dirty="0" smtClean="0">
+                <a:solidFill>
+                  <a:srgbClr val="FF0000"/>
+                </a:solidFill>
+                <a:latin typeface="Arial" pitchFamily="34" charset="0"/>
+                <a:cs typeface="Arial" pitchFamily="34" charset="0"/>
+              </a:rPr>
+              <a:t>Queste info sono presenti in ODD&gt;Riuso&gt; Componenti </a:t>
+            </a:r>
+            <a:r>
+              <a:rPr lang="it-IT" sz="2400" b="1" dirty="0" err="1" smtClean="0">
+                <a:solidFill>
+                  <a:srgbClr val="FF0000"/>
+                </a:solidFill>
+                <a:latin typeface="Arial" pitchFamily="34" charset="0"/>
+                <a:cs typeface="Arial" pitchFamily="34" charset="0"/>
+              </a:rPr>
+              <a:t>Cots.fodt</a:t>
             </a:r>
             <a:endParaRPr lang="it-IT" sz="2400" b="1" dirty="0">
               <a:solidFill>
@@ -11375,17 +11232,15 @@
         </p:txBody>
       </p:sp>
     </p:spTree>
+    <p:extLst>
+      <p:ext uri="{BB962C8B-B14F-4D97-AF65-F5344CB8AC3E}">
+        <p14:creationId xmlns:p14="http://schemas.microsoft.com/office/powerpoint/2010/main" val="714593755"/>
+      </p:ext>
+    </p:extLst>
   </p:cSld>
   <p:clrMapOvr>
     <a:masterClrMapping/>
   </p:clrMapOvr>
-  <p:timing>
-    <p:tnLst>
-      <p:par>
-        <p:cTn id="1" dur="indefinite" restart="never" nodeType="tmRoot"/>
-      </p:par>
-    </p:tnLst>
-  </p:timing>
 </p:sld>
 </file>
 
@@ -11414,8 +11269,8 @@
         </p:nvSpPr>
         <p:spPr>
           <a:xfrm>
-            <a:off x="214282" y="285728"/>
-            <a:ext cx="2146742" cy="400110"/>
+            <a:off x="2214546" y="214290"/>
+            <a:ext cx="4741363" cy="369332"/>
           </a:xfrm>
           <a:prstGeom prst="rect">
             <a:avLst/>
@@ -11429,12 +11284,30 @@
           <a:lstStyle/>
           <a:p>
             <a:r>
-              <a:rPr lang="it-IT" sz="2000" b="1" dirty="0" smtClean="0">
-                <a:latin typeface="Arial" pitchFamily="34" charset="0"/>
-                <a:cs typeface="Arial" pitchFamily="34" charset="0"/>
-              </a:rPr>
-              <a:t>Difetti dell’ODD:</a:t>
-            </a:r>
+              <a:rPr lang="it-IT" b="1" dirty="0" smtClean="0">
+                <a:latin typeface="Arial" pitchFamily="34" charset="0"/>
+                <a:cs typeface="Arial" pitchFamily="34" charset="0"/>
+              </a:rPr>
+              <a:t>MAPPING DA CONTRATTI </a:t>
+            </a:r>
+            <a:r>
+              <a:rPr lang="it-IT" b="1" dirty="0">
+                <a:latin typeface="Arial" pitchFamily="34" charset="0"/>
+                <a:cs typeface="Arial" pitchFamily="34" charset="0"/>
+              </a:rPr>
+              <a:t>A</a:t>
+            </a:r>
+            <a:r>
+              <a:rPr lang="it-IT" b="1" dirty="0" smtClean="0">
+                <a:latin typeface="Arial" pitchFamily="34" charset="0"/>
+                <a:cs typeface="Arial" pitchFamily="34" charset="0"/>
+              </a:rPr>
+              <a:t>D ECCEZIONI</a:t>
+            </a:r>
+            <a:endParaRPr lang="it-IT" b="1" dirty="0">
+              <a:latin typeface="Arial" pitchFamily="34" charset="0"/>
+              <a:cs typeface="Arial" pitchFamily="34" charset="0"/>
+            </a:endParaRPr>
           </a:p>
         </p:txBody>
       </p:sp>
@@ -11446,8 +11319,8 @@
         </p:nvSpPr>
         <p:spPr>
           <a:xfrm>
-            <a:off x="142844" y="714357"/>
-            <a:ext cx="8429716" cy="646331"/>
+            <a:off x="214282" y="1071546"/>
+            <a:ext cx="8358246" cy="1477328"/>
           </a:xfrm>
           <a:prstGeom prst="rect">
             <a:avLst/>
@@ -11460,28 +11333,85 @@
           </a:bodyPr>
           <a:lstStyle/>
           <a:p>
-            <a:pPr marL="342900" indent="-342900">
-              <a:buAutoNum type="arabicPeriod"/>
+            <a:r>
+              <a:rPr lang="it-IT" dirty="0" smtClean="0">
+                <a:latin typeface="Arial" pitchFamily="34" charset="0"/>
+                <a:cs typeface="Arial" pitchFamily="34" charset="0"/>
+              </a:rPr>
+              <a:t>Per il </a:t>
+            </a:r>
+            <a:r>
+              <a:rPr lang="it-IT" dirty="0" err="1" smtClean="0">
+                <a:latin typeface="Arial" pitchFamily="34" charset="0"/>
+                <a:cs typeface="Arial" pitchFamily="34" charset="0"/>
+              </a:rPr>
+              <a:t>mapping</a:t>
+            </a:r>
+            <a:r>
+              <a:rPr lang="it-IT" dirty="0" smtClean="0">
+                <a:latin typeface="Arial" pitchFamily="34" charset="0"/>
+                <a:cs typeface="Arial" pitchFamily="34" charset="0"/>
+              </a:rPr>
+              <a:t> dai contratti alle eccezioni sono state scelte le seguenti strategie:</a:t>
+            </a:r>
+          </a:p>
+          <a:p>
+            <a:pPr>
+              <a:buFontTx/>
+              <a:buChar char="-"/>
             </a:pPr>
             <a:r>
               <a:rPr lang="it-IT" dirty="0" smtClean="0">
                 <a:latin typeface="Arial" pitchFamily="34" charset="0"/>
                 <a:cs typeface="Arial" pitchFamily="34" charset="0"/>
               </a:rPr>
-              <a:t>Mancanza dell’incapsulamento dei contratti in metodi adatti.</a:t>
-            </a:r>
-          </a:p>
-          <a:p>
-            <a:pPr marL="342900" indent="-342900">
-              <a:buAutoNum type="arabicPeriod"/>
-            </a:pPr>
+              <a:t>Non sono state controllate le </a:t>
+            </a:r>
+            <a:r>
+              <a:rPr lang="it-IT" dirty="0" err="1" smtClean="0">
+                <a:latin typeface="Arial" pitchFamily="34" charset="0"/>
+                <a:cs typeface="Arial" pitchFamily="34" charset="0"/>
+              </a:rPr>
+              <a:t>postcondizioni</a:t>
+            </a:r>
             <a:r>
               <a:rPr lang="it-IT" dirty="0" smtClean="0">
                 <a:latin typeface="Arial" pitchFamily="34" charset="0"/>
                 <a:cs typeface="Arial" pitchFamily="34" charset="0"/>
               </a:rPr>
-              <a:t>Mancanza per alcuni metodi dell’identificazione dell’OCL</a:t>
-            </a:r>
+              <a:t> e le </a:t>
+            </a:r>
+            <a:r>
+              <a:rPr lang="it-IT" dirty="0" err="1" smtClean="0">
+                <a:latin typeface="Arial" pitchFamily="34" charset="0"/>
+                <a:cs typeface="Arial" pitchFamily="34" charset="0"/>
+              </a:rPr>
+              <a:t>inviarianti</a:t>
+            </a:r>
+            <a:r>
+              <a:rPr lang="it-IT" dirty="0" smtClean="0">
+                <a:latin typeface="Arial" pitchFamily="34" charset="0"/>
+                <a:cs typeface="Arial" pitchFamily="34" charset="0"/>
+              </a:rPr>
+              <a:t> :non avrebbe Individuato molti bug (in quanto il </a:t>
+            </a:r>
+            <a:r>
+              <a:rPr lang="it-IT" dirty="0" err="1" smtClean="0">
+                <a:latin typeface="Arial" pitchFamily="34" charset="0"/>
+                <a:cs typeface="Arial" pitchFamily="34" charset="0"/>
+              </a:rPr>
+              <a:t>testing</a:t>
+            </a:r>
+            <a:r>
+              <a:rPr lang="it-IT" dirty="0" smtClean="0">
+                <a:latin typeface="Arial" pitchFamily="34" charset="0"/>
+                <a:cs typeface="Arial" pitchFamily="34" charset="0"/>
+              </a:rPr>
+              <a:t> di unità è stato eseguito dallo sviluppatore stesso),in più sarebbe stato molto ridondate.</a:t>
+            </a:r>
+          </a:p>
+          <a:p>
+            <a:endParaRPr lang="it-IT" dirty="0" smtClean="0"/>
           </a:p>
         </p:txBody>
       </p:sp>
@@ -11493,8 +11423,8 @@
         </p:nvSpPr>
         <p:spPr>
           <a:xfrm>
-            <a:off x="0" y="2000240"/>
-            <a:ext cx="8572560" cy="1754326"/>
+            <a:off x="3500430" y="2786058"/>
+            <a:ext cx="1787669" cy="369332"/>
           </a:xfrm>
           <a:prstGeom prst="rect">
             <a:avLst/>
@@ -11502,7 +11432,7 @@
           <a:noFill/>
         </p:spPr>
         <p:txBody>
-          <a:bodyPr wrap="square" rtlCol="0">
+          <a:bodyPr wrap="none" rtlCol="0">
             <a:spAutoFit/>
           </a:bodyPr>
           <a:lstStyle/>
@@ -11512,32 +11442,12 @@
                 <a:latin typeface="Arial" pitchFamily="34" charset="0"/>
                 <a:cs typeface="Arial" pitchFamily="34" charset="0"/>
               </a:rPr>
-              <a:t>Motivazioni problemi riscontrati:</a:t>
-            </a:r>
-          </a:p>
-          <a:p>
-            <a:pPr marL="342900" indent="-342900">
-              <a:buAutoNum type="arabicPeriod"/>
-            </a:pPr>
-            <a:r>
-              <a:rPr lang="it-IT" dirty="0" smtClean="0">
-                <a:latin typeface="Arial" pitchFamily="34" charset="0"/>
-                <a:cs typeface="Arial" pitchFamily="34" charset="0"/>
-              </a:rPr>
-              <a:t>Data la mancanza di tempo necessario tutti i contratti sono stati definiti solo dove necessario senza l’incapsulamento di contratti simili in separati metodi (o classi) . </a:t>
-            </a:r>
-          </a:p>
-          <a:p>
-            <a:pPr marL="342900" indent="-342900">
-              <a:buAutoNum type="arabicPeriod"/>
-            </a:pPr>
-            <a:r>
-              <a:rPr lang="it-IT" dirty="0" smtClean="0">
-                <a:latin typeface="Arial" pitchFamily="34" charset="0"/>
-                <a:cs typeface="Arial" pitchFamily="34" charset="0"/>
-              </a:rPr>
-              <a:t>Dato il punto 2 l’identificazione degli OCL è stata definita una sola volta per i contratti simili.</a:t>
-            </a:r>
+              <a:t>ESEMPIO OCL</a:t>
+            </a:r>
+            <a:endParaRPr lang="it-IT" b="1" dirty="0">
+              <a:latin typeface="Arial" pitchFamily="34" charset="0"/>
+              <a:cs typeface="Arial" pitchFamily="34" charset="0"/>
+            </a:endParaRPr>
           </a:p>
         </p:txBody>
       </p:sp>
@@ -11549,8 +11459,8 @@
         </p:nvSpPr>
         <p:spPr>
           <a:xfrm>
-            <a:off x="144446" y="5229200"/>
-            <a:ext cx="9005992" cy="1200329"/>
+            <a:off x="-15776" y="5492948"/>
+            <a:ext cx="7288405" cy="461665"/>
           </a:xfrm>
           <a:prstGeom prst="rect">
             <a:avLst/>
@@ -11571,31 +11481,7 @@
                 <a:latin typeface="Arial" pitchFamily="34" charset="0"/>
                 <a:cs typeface="Arial" pitchFamily="34" charset="0"/>
               </a:rPr>
-              <a:t>Parlate di problemi inerenti prettamente al vostro sotto team</a:t>
-            </a:r>
-          </a:p>
-          <a:p>
-            <a:r>
-              <a:rPr lang="it-IT" sz="2400" b="1" dirty="0" smtClean="0">
-                <a:solidFill>
-                  <a:srgbClr val="FF0000"/>
-                </a:solidFill>
-                <a:latin typeface="Arial" pitchFamily="34" charset="0"/>
-                <a:cs typeface="Arial" pitchFamily="34" charset="0"/>
-              </a:rPr>
-              <a:t>Dite anche cose positive</a:t>
-            </a:r>
-          </a:p>
-          <a:p>
-            <a:r>
-              <a:rPr lang="it-IT" sz="2400" b="1" dirty="0" smtClean="0">
-                <a:solidFill>
-                  <a:srgbClr val="FF0000"/>
-                </a:solidFill>
-                <a:latin typeface="Arial" pitchFamily="34" charset="0"/>
-                <a:cs typeface="Arial" pitchFamily="34" charset="0"/>
-              </a:rPr>
-              <a:t>Fatevi aiutare dal questionario</a:t>
+              <a:t>Mettete un esempio di OCL della vostra gestione</a:t>
             </a:r>
             <a:endParaRPr lang="it-IT" sz="2400" b="1" dirty="0">
               <a:solidFill>
@@ -11647,8 +11533,8 @@
         </p:nvSpPr>
         <p:spPr>
           <a:xfrm>
-            <a:off x="3143240" y="0"/>
-            <a:ext cx="2398926" cy="369332"/>
+            <a:off x="214282" y="285728"/>
+            <a:ext cx="2146742" cy="400110"/>
           </a:xfrm>
           <a:prstGeom prst="rect">
             <a:avLst/>
@@ -11662,16 +11548,12 @@
           <a:lstStyle/>
           <a:p>
             <a:r>
-              <a:rPr lang="it-IT" b="1" dirty="0" smtClean="0">
-                <a:latin typeface="Arial" pitchFamily="34" charset="0"/>
-                <a:cs typeface="Arial" pitchFamily="34" charset="0"/>
-              </a:rPr>
-              <a:t>IMPLEMENTAZIONE</a:t>
-            </a:r>
-            <a:endParaRPr lang="it-IT" b="1" dirty="0">
-              <a:latin typeface="Arial" pitchFamily="34" charset="0"/>
-              <a:cs typeface="Arial" pitchFamily="34" charset="0"/>
-            </a:endParaRPr>
+              <a:rPr lang="it-IT" sz="2000" b="1" dirty="0" smtClean="0">
+                <a:latin typeface="Arial" pitchFamily="34" charset="0"/>
+                <a:cs typeface="Arial" pitchFamily="34" charset="0"/>
+              </a:rPr>
+              <a:t>Difetti dell’ODD:</a:t>
+            </a:r>
           </a:p>
         </p:txBody>
       </p:sp>
@@ -11683,8 +11565,8 @@
         </p:nvSpPr>
         <p:spPr>
           <a:xfrm>
-            <a:off x="0" y="642918"/>
-            <a:ext cx="8802474" cy="2585323"/>
+            <a:off x="142844" y="714357"/>
+            <a:ext cx="8429716" cy="646331"/>
           </a:xfrm>
           <a:prstGeom prst="rect">
             <a:avLst/>
@@ -11692,108 +11574,46 @@
           <a:noFill/>
         </p:spPr>
         <p:txBody>
-          <a:bodyPr wrap="none" rtlCol="0">
+          <a:bodyPr wrap="square" rtlCol="0">
             <a:spAutoFit/>
           </a:bodyPr>
           <a:lstStyle/>
           <a:p>
-            <a:r>
-              <a:rPr lang="it-IT" i="1" dirty="0" smtClean="0">
-                <a:latin typeface="Arial" pitchFamily="34" charset="0"/>
-                <a:cs typeface="Arial" pitchFamily="34" charset="0"/>
-              </a:rPr>
-              <a:t>Funzionalità implementate:</a:t>
-            </a:r>
-          </a:p>
-          <a:p>
+            <a:pPr marL="342900" indent="-342900">
+              <a:buAutoNum type="arabicPeriod"/>
+            </a:pPr>
             <a:r>
               <a:rPr lang="it-IT" dirty="0" smtClean="0">
                 <a:latin typeface="Arial" pitchFamily="34" charset="0"/>
                 <a:cs typeface="Arial" pitchFamily="34" charset="0"/>
               </a:rPr>
-              <a:t>-Tutte le funzionalità per il Cliente</a:t>
-            </a:r>
-          </a:p>
-          <a:p>
+              <a:t>Mancanza dell’incapsulamento dei contratti in metodi adatti.</a:t>
+            </a:r>
+          </a:p>
+          <a:p>
+            <a:pPr marL="342900" indent="-342900">
+              <a:buAutoNum type="arabicPeriod"/>
+            </a:pPr>
             <a:r>
               <a:rPr lang="it-IT" dirty="0" smtClean="0">
                 <a:latin typeface="Arial" pitchFamily="34" charset="0"/>
                 <a:cs typeface="Arial" pitchFamily="34" charset="0"/>
               </a:rPr>
-              <a:t>-Tutte le funzionalità per l’addetto ai servizi al pubblico</a:t>
-            </a:r>
-          </a:p>
-          <a:p>
-            <a:r>
-              <a:rPr lang="it-IT" dirty="0" smtClean="0">
-                <a:latin typeface="Arial" pitchFamily="34" charset="0"/>
-                <a:cs typeface="Arial" pitchFamily="34" charset="0"/>
-              </a:rPr>
-              <a:t>-Visualizzazione delle richieste dei Clienti da parte dell’addetto ai servizi agli ordini.</a:t>
-            </a:r>
-          </a:p>
-          <a:p>
-            <a:r>
-              <a:rPr lang="it-IT" dirty="0" smtClean="0">
-                <a:latin typeface="Arial" pitchFamily="34" charset="0"/>
-                <a:cs typeface="Arial" pitchFamily="34" charset="0"/>
-              </a:rPr>
-              <a:t>L’implementazione del sistema </a:t>
-            </a:r>
-            <a:r>
-              <a:rPr lang="it-IT" dirty="0" err="1" smtClean="0">
-                <a:latin typeface="Arial" pitchFamily="34" charset="0"/>
-                <a:cs typeface="Arial" pitchFamily="34" charset="0"/>
-              </a:rPr>
-              <a:t>CBUnisa</a:t>
-            </a:r>
-            <a:r>
-              <a:rPr lang="it-IT" dirty="0" smtClean="0">
-                <a:latin typeface="Arial" pitchFamily="34" charset="0"/>
-                <a:cs typeface="Arial" pitchFamily="34" charset="0"/>
-              </a:rPr>
-              <a:t> ha seguito perfettamente la definizione dell’</a:t>
-            </a:r>
-          </a:p>
-          <a:p>
-            <a:r>
-              <a:rPr lang="it-IT" dirty="0" smtClean="0">
-                <a:latin typeface="Arial" pitchFamily="34" charset="0"/>
-                <a:cs typeface="Arial" pitchFamily="34" charset="0"/>
-              </a:rPr>
-              <a:t>Architettura documentata nell’SDD e di conseguenza nell’ODD</a:t>
-            </a:r>
-          </a:p>
-          <a:p>
-            <a:endParaRPr lang="it-IT" dirty="0" smtClean="0">
-              <a:latin typeface="Arial" pitchFamily="34" charset="0"/>
-              <a:cs typeface="Arial" pitchFamily="34" charset="0"/>
-            </a:endParaRPr>
-          </a:p>
-          <a:p>
-            <a:endParaRPr lang="it-IT" dirty="0">
-              <a:latin typeface="Arial" pitchFamily="34" charset="0"/>
-              <a:cs typeface="Arial" pitchFamily="34" charset="0"/>
-            </a:endParaRPr>
-          </a:p>
-          <a:p>
-            <a:endParaRPr lang="it-IT" dirty="0">
-              <a:latin typeface="Arial" pitchFamily="34" charset="0"/>
-              <a:cs typeface="Arial" pitchFamily="34" charset="0"/>
-            </a:endParaRPr>
-          </a:p>
-        </p:txBody>
-      </p:sp>
-      <p:sp>
-        <p:nvSpPr>
-          <p:cNvPr id="9" name="CasellaDiTesto 8"/>
+              <a:t>Mancanza per alcuni metodi dell’identificazione dell’OCL</a:t>
+            </a:r>
+          </a:p>
+        </p:txBody>
+      </p:sp>
+      <p:sp>
+        <p:nvSpPr>
+          <p:cNvPr id="4" name="CasellaDiTesto 3"/>
           <p:cNvSpPr txBox="1"/>
           <p:nvPr/>
         </p:nvSpPr>
         <p:spPr>
           <a:xfrm>
-            <a:off x="285720" y="2714620"/>
-            <a:ext cx="3655168" cy="400110"/>
+            <a:off x="0" y="2000240"/>
+            <a:ext cx="8572560" cy="1754326"/>
           </a:xfrm>
           <a:prstGeom prst="rect">
             <a:avLst/>
@@ -11801,43 +11621,20 @@
           <a:noFill/>
         </p:spPr>
         <p:txBody>
-          <a:bodyPr wrap="none" rtlCol="0">
-            <a:spAutoFit/>
-          </a:bodyPr>
-          <a:lstStyle/>
-          <a:p>
-            <a:r>
-              <a:rPr lang="it-IT" sz="2000" b="1" dirty="0" smtClean="0">
-                <a:latin typeface="Arial" pitchFamily="34" charset="0"/>
-                <a:cs typeface="Arial" pitchFamily="34" charset="0"/>
-              </a:rPr>
-              <a:t>Difetti dell’implementazione:</a:t>
-            </a:r>
-          </a:p>
-        </p:txBody>
-      </p:sp>
-      <p:sp>
-        <p:nvSpPr>
-          <p:cNvPr id="10" name="CasellaDiTesto 9"/>
-          <p:cNvSpPr txBox="1"/>
-          <p:nvPr/>
-        </p:nvSpPr>
-        <p:spPr>
-          <a:xfrm>
-            <a:off x="285720" y="3071810"/>
-            <a:ext cx="8429716" cy="646331"/>
-          </a:xfrm>
-          <a:prstGeom prst="rect">
-            <a:avLst/>
-          </a:prstGeom>
-          <a:noFill/>
-        </p:spPr>
-        <p:txBody>
           <a:bodyPr wrap="square" rtlCol="0">
             <a:spAutoFit/>
           </a:bodyPr>
           <a:lstStyle/>
           <a:p>
+            <a:r>
+              <a:rPr lang="it-IT" b="1" dirty="0" smtClean="0">
+                <a:latin typeface="Arial" pitchFamily="34" charset="0"/>
+                <a:cs typeface="Arial" pitchFamily="34" charset="0"/>
+              </a:rPr>
+              <a:t>Motivazioni problemi riscontrati:</a:t>
+            </a:r>
+          </a:p>
+          <a:p>
             <a:pPr marL="342900" indent="-342900">
               <a:buAutoNum type="arabicPeriod"/>
             </a:pPr>
@@ -11846,71 +11643,26 @@
                 <a:latin typeface="Arial" pitchFamily="34" charset="0"/>
                 <a:cs typeface="Arial" pitchFamily="34" charset="0"/>
               </a:rPr>
-              <a:t>E’ stata implementata un’unica eccezione.</a:t>
+              <a:t>Data la mancanza di tempo necessario tutti i contratti sono stati definiti solo dove necessario senza l’incapsulamento di contratti simili in separati metodi (o classi) . </a:t>
             </a:r>
           </a:p>
           <a:p>
             <a:pPr marL="342900" indent="-342900">
               <a:buAutoNum type="arabicPeriod"/>
             </a:pPr>
-            <a:endParaRPr lang="it-IT" dirty="0">
-              <a:latin typeface="Arial" pitchFamily="34" charset="0"/>
-              <a:cs typeface="Arial" pitchFamily="34" charset="0"/>
-            </a:endParaRPr>
-          </a:p>
-        </p:txBody>
-      </p:sp>
-      <p:sp>
-        <p:nvSpPr>
-          <p:cNvPr id="11" name="CasellaDiTesto 10"/>
-          <p:cNvSpPr txBox="1"/>
-          <p:nvPr/>
-        </p:nvSpPr>
-        <p:spPr>
-          <a:xfrm>
-            <a:off x="214282" y="4214818"/>
-            <a:ext cx="8572560" cy="646331"/>
-          </a:xfrm>
-          <a:prstGeom prst="rect">
-            <a:avLst/>
-          </a:prstGeom>
-          <a:noFill/>
-        </p:spPr>
-        <p:txBody>
-          <a:bodyPr wrap="square" rtlCol="0">
-            <a:spAutoFit/>
-          </a:bodyPr>
-          <a:lstStyle/>
-          <a:p>
-            <a:r>
-              <a:rPr lang="it-IT" b="1" dirty="0" smtClean="0">
-                <a:latin typeface="Arial" pitchFamily="34" charset="0"/>
-                <a:cs typeface="Arial" pitchFamily="34" charset="0"/>
-              </a:rPr>
-              <a:t>Motivazioni problemi riscontrati:</a:t>
-            </a:r>
-          </a:p>
-          <a:p>
-            <a:r>
-              <a:rPr lang="it-IT" b="1" dirty="0" smtClean="0">
-                <a:latin typeface="Arial" pitchFamily="34" charset="0"/>
-                <a:cs typeface="Arial" pitchFamily="34" charset="0"/>
-              </a:rPr>
-              <a:t>1. </a:t>
-            </a:r>
             <a:r>
               <a:rPr lang="it-IT" dirty="0" smtClean="0">
                 <a:latin typeface="Arial" pitchFamily="34" charset="0"/>
                 <a:cs typeface="Arial" pitchFamily="34" charset="0"/>
               </a:rPr>
-              <a:t>Data la mancanza di tempo necessario è stata definita un’unica eccezione . </a:t>
-            </a:r>
-          </a:p>
-        </p:txBody>
-      </p:sp>
-      <p:sp>
-        <p:nvSpPr>
-          <p:cNvPr id="7" name="CasellaDiTesto 6"/>
+              <a:t>Dato il punto 2 l’identificazione degli OCL è stata definita una sola volta per i contratti simili.</a:t>
+            </a:r>
+          </a:p>
+        </p:txBody>
+      </p:sp>
+      <p:sp>
+        <p:nvSpPr>
+          <p:cNvPr id="5" name="CasellaDiTesto 4"/>
           <p:cNvSpPr txBox="1"/>
           <p:nvPr/>
         </p:nvSpPr>
@@ -12014,6 +11766,373 @@
         </p:nvSpPr>
         <p:spPr>
           <a:xfrm>
+            <a:off x="3143240" y="0"/>
+            <a:ext cx="2398926" cy="369332"/>
+          </a:xfrm>
+          <a:prstGeom prst="rect">
+            <a:avLst/>
+          </a:prstGeom>
+          <a:noFill/>
+        </p:spPr>
+        <p:txBody>
+          <a:bodyPr wrap="none" rtlCol="0">
+            <a:spAutoFit/>
+          </a:bodyPr>
+          <a:lstStyle/>
+          <a:p>
+            <a:r>
+              <a:rPr lang="it-IT" b="1" dirty="0" smtClean="0">
+                <a:latin typeface="Arial" pitchFamily="34" charset="0"/>
+                <a:cs typeface="Arial" pitchFamily="34" charset="0"/>
+              </a:rPr>
+              <a:t>IMPLEMENTAZIONE</a:t>
+            </a:r>
+            <a:endParaRPr lang="it-IT" b="1" dirty="0">
+              <a:latin typeface="Arial" pitchFamily="34" charset="0"/>
+              <a:cs typeface="Arial" pitchFamily="34" charset="0"/>
+            </a:endParaRPr>
+          </a:p>
+        </p:txBody>
+      </p:sp>
+      <p:sp>
+        <p:nvSpPr>
+          <p:cNvPr id="3" name="CasellaDiTesto 2"/>
+          <p:cNvSpPr txBox="1"/>
+          <p:nvPr/>
+        </p:nvSpPr>
+        <p:spPr>
+          <a:xfrm>
+            <a:off x="0" y="642918"/>
+            <a:ext cx="8802474" cy="2585323"/>
+          </a:xfrm>
+          <a:prstGeom prst="rect">
+            <a:avLst/>
+          </a:prstGeom>
+          <a:noFill/>
+        </p:spPr>
+        <p:txBody>
+          <a:bodyPr wrap="none" rtlCol="0">
+            <a:spAutoFit/>
+          </a:bodyPr>
+          <a:lstStyle/>
+          <a:p>
+            <a:r>
+              <a:rPr lang="it-IT" i="1" dirty="0" smtClean="0">
+                <a:latin typeface="Arial" pitchFamily="34" charset="0"/>
+                <a:cs typeface="Arial" pitchFamily="34" charset="0"/>
+              </a:rPr>
+              <a:t>Funzionalità implementate:</a:t>
+            </a:r>
+          </a:p>
+          <a:p>
+            <a:r>
+              <a:rPr lang="it-IT" dirty="0" smtClean="0">
+                <a:latin typeface="Arial" pitchFamily="34" charset="0"/>
+                <a:cs typeface="Arial" pitchFamily="34" charset="0"/>
+              </a:rPr>
+              <a:t>-Tutte le funzionalità per il Cliente</a:t>
+            </a:r>
+          </a:p>
+          <a:p>
+            <a:r>
+              <a:rPr lang="it-IT" dirty="0" smtClean="0">
+                <a:latin typeface="Arial" pitchFamily="34" charset="0"/>
+                <a:cs typeface="Arial" pitchFamily="34" charset="0"/>
+              </a:rPr>
+              <a:t>-Tutte le funzionalità per l’addetto ai servizi al pubblico</a:t>
+            </a:r>
+          </a:p>
+          <a:p>
+            <a:r>
+              <a:rPr lang="it-IT" dirty="0" smtClean="0">
+                <a:latin typeface="Arial" pitchFamily="34" charset="0"/>
+                <a:cs typeface="Arial" pitchFamily="34" charset="0"/>
+              </a:rPr>
+              <a:t>-Visualizzazione delle richieste dei Clienti da parte dell’addetto ai servizi agli ordini.</a:t>
+            </a:r>
+          </a:p>
+          <a:p>
+            <a:r>
+              <a:rPr lang="it-IT" dirty="0" smtClean="0">
+                <a:latin typeface="Arial" pitchFamily="34" charset="0"/>
+                <a:cs typeface="Arial" pitchFamily="34" charset="0"/>
+              </a:rPr>
+              <a:t>L’implementazione del sistema </a:t>
+            </a:r>
+            <a:r>
+              <a:rPr lang="it-IT" dirty="0" err="1" smtClean="0">
+                <a:latin typeface="Arial" pitchFamily="34" charset="0"/>
+                <a:cs typeface="Arial" pitchFamily="34" charset="0"/>
+              </a:rPr>
+              <a:t>CBUnisa</a:t>
+            </a:r>
+            <a:r>
+              <a:rPr lang="it-IT" dirty="0" smtClean="0">
+                <a:latin typeface="Arial" pitchFamily="34" charset="0"/>
+                <a:cs typeface="Arial" pitchFamily="34" charset="0"/>
+              </a:rPr>
+              <a:t> ha seguito perfettamente la definizione dell’</a:t>
+            </a:r>
+          </a:p>
+          <a:p>
+            <a:r>
+              <a:rPr lang="it-IT" dirty="0" smtClean="0">
+                <a:latin typeface="Arial" pitchFamily="34" charset="0"/>
+                <a:cs typeface="Arial" pitchFamily="34" charset="0"/>
+              </a:rPr>
+              <a:t>Architettura documentata nell’SDD e di conseguenza nell’ODD</a:t>
+            </a:r>
+          </a:p>
+          <a:p>
+            <a:endParaRPr lang="it-IT" dirty="0" smtClean="0">
+              <a:latin typeface="Arial" pitchFamily="34" charset="0"/>
+              <a:cs typeface="Arial" pitchFamily="34" charset="0"/>
+            </a:endParaRPr>
+          </a:p>
+          <a:p>
+            <a:endParaRPr lang="it-IT" dirty="0">
+              <a:latin typeface="Arial" pitchFamily="34" charset="0"/>
+              <a:cs typeface="Arial" pitchFamily="34" charset="0"/>
+            </a:endParaRPr>
+          </a:p>
+          <a:p>
+            <a:endParaRPr lang="it-IT" dirty="0">
+              <a:latin typeface="Arial" pitchFamily="34" charset="0"/>
+              <a:cs typeface="Arial" pitchFamily="34" charset="0"/>
+            </a:endParaRPr>
+          </a:p>
+        </p:txBody>
+      </p:sp>
+      <p:sp>
+        <p:nvSpPr>
+          <p:cNvPr id="9" name="CasellaDiTesto 8"/>
+          <p:cNvSpPr txBox="1"/>
+          <p:nvPr/>
+        </p:nvSpPr>
+        <p:spPr>
+          <a:xfrm>
+            <a:off x="285720" y="2714620"/>
+            <a:ext cx="3655168" cy="400110"/>
+          </a:xfrm>
+          <a:prstGeom prst="rect">
+            <a:avLst/>
+          </a:prstGeom>
+          <a:noFill/>
+        </p:spPr>
+        <p:txBody>
+          <a:bodyPr wrap="none" rtlCol="0">
+            <a:spAutoFit/>
+          </a:bodyPr>
+          <a:lstStyle/>
+          <a:p>
+            <a:r>
+              <a:rPr lang="it-IT" sz="2000" b="1" dirty="0" smtClean="0">
+                <a:latin typeface="Arial" pitchFamily="34" charset="0"/>
+                <a:cs typeface="Arial" pitchFamily="34" charset="0"/>
+              </a:rPr>
+              <a:t>Difetti dell’implementazione:</a:t>
+            </a:r>
+          </a:p>
+        </p:txBody>
+      </p:sp>
+      <p:sp>
+        <p:nvSpPr>
+          <p:cNvPr id="10" name="CasellaDiTesto 9"/>
+          <p:cNvSpPr txBox="1"/>
+          <p:nvPr/>
+        </p:nvSpPr>
+        <p:spPr>
+          <a:xfrm>
+            <a:off x="285720" y="3071810"/>
+            <a:ext cx="8429716" cy="646331"/>
+          </a:xfrm>
+          <a:prstGeom prst="rect">
+            <a:avLst/>
+          </a:prstGeom>
+          <a:noFill/>
+        </p:spPr>
+        <p:txBody>
+          <a:bodyPr wrap="square" rtlCol="0">
+            <a:spAutoFit/>
+          </a:bodyPr>
+          <a:lstStyle/>
+          <a:p>
+            <a:pPr marL="342900" indent="-342900">
+              <a:buAutoNum type="arabicPeriod"/>
+            </a:pPr>
+            <a:r>
+              <a:rPr lang="it-IT" dirty="0" smtClean="0">
+                <a:latin typeface="Arial" pitchFamily="34" charset="0"/>
+                <a:cs typeface="Arial" pitchFamily="34" charset="0"/>
+              </a:rPr>
+              <a:t>E’ stata implementata un’unica eccezione.</a:t>
+            </a:r>
+          </a:p>
+          <a:p>
+            <a:pPr marL="342900" indent="-342900">
+              <a:buAutoNum type="arabicPeriod"/>
+            </a:pPr>
+            <a:endParaRPr lang="it-IT" dirty="0">
+              <a:latin typeface="Arial" pitchFamily="34" charset="0"/>
+              <a:cs typeface="Arial" pitchFamily="34" charset="0"/>
+            </a:endParaRPr>
+          </a:p>
+        </p:txBody>
+      </p:sp>
+      <p:sp>
+        <p:nvSpPr>
+          <p:cNvPr id="11" name="CasellaDiTesto 10"/>
+          <p:cNvSpPr txBox="1"/>
+          <p:nvPr/>
+        </p:nvSpPr>
+        <p:spPr>
+          <a:xfrm>
+            <a:off x="214282" y="4214818"/>
+            <a:ext cx="8572560" cy="646331"/>
+          </a:xfrm>
+          <a:prstGeom prst="rect">
+            <a:avLst/>
+          </a:prstGeom>
+          <a:noFill/>
+        </p:spPr>
+        <p:txBody>
+          <a:bodyPr wrap="square" rtlCol="0">
+            <a:spAutoFit/>
+          </a:bodyPr>
+          <a:lstStyle/>
+          <a:p>
+            <a:r>
+              <a:rPr lang="it-IT" b="1" dirty="0" smtClean="0">
+                <a:latin typeface="Arial" pitchFamily="34" charset="0"/>
+                <a:cs typeface="Arial" pitchFamily="34" charset="0"/>
+              </a:rPr>
+              <a:t>Motivazioni problemi riscontrati:</a:t>
+            </a:r>
+          </a:p>
+          <a:p>
+            <a:r>
+              <a:rPr lang="it-IT" b="1" dirty="0" smtClean="0">
+                <a:latin typeface="Arial" pitchFamily="34" charset="0"/>
+                <a:cs typeface="Arial" pitchFamily="34" charset="0"/>
+              </a:rPr>
+              <a:t>1. </a:t>
+            </a:r>
+            <a:r>
+              <a:rPr lang="it-IT" dirty="0" smtClean="0">
+                <a:latin typeface="Arial" pitchFamily="34" charset="0"/>
+                <a:cs typeface="Arial" pitchFamily="34" charset="0"/>
+              </a:rPr>
+              <a:t>Data la mancanza di tempo necessario è stata definita un’unica eccezione . </a:t>
+            </a:r>
+          </a:p>
+        </p:txBody>
+      </p:sp>
+      <p:sp>
+        <p:nvSpPr>
+          <p:cNvPr id="7" name="CasellaDiTesto 6"/>
+          <p:cNvSpPr txBox="1"/>
+          <p:nvPr/>
+        </p:nvSpPr>
+        <p:spPr>
+          <a:xfrm>
+            <a:off x="144446" y="5229200"/>
+            <a:ext cx="9005992" cy="1200329"/>
+          </a:xfrm>
+          <a:prstGeom prst="rect">
+            <a:avLst/>
+          </a:prstGeom>
+          <a:noFill/>
+        </p:spPr>
+        <p:txBody>
+          <a:bodyPr wrap="none" rtlCol="0">
+            <a:spAutoFit/>
+          </a:bodyPr>
+          <a:lstStyle/>
+          <a:p>
+            <a:r>
+              <a:rPr lang="it-IT" sz="2400" b="1" dirty="0" smtClean="0">
+                <a:solidFill>
+                  <a:srgbClr val="FF0000"/>
+                </a:solidFill>
+                <a:latin typeface="Arial" pitchFamily="34" charset="0"/>
+                <a:cs typeface="Arial" pitchFamily="34" charset="0"/>
+              </a:rPr>
+              <a:t>Parlate di problemi inerenti prettamente al vostro sotto team</a:t>
+            </a:r>
+          </a:p>
+          <a:p>
+            <a:r>
+              <a:rPr lang="it-IT" sz="2400" b="1" dirty="0" smtClean="0">
+                <a:solidFill>
+                  <a:srgbClr val="FF0000"/>
+                </a:solidFill>
+                <a:latin typeface="Arial" pitchFamily="34" charset="0"/>
+                <a:cs typeface="Arial" pitchFamily="34" charset="0"/>
+              </a:rPr>
+              <a:t>Dite anche cose positive</a:t>
+            </a:r>
+          </a:p>
+          <a:p>
+            <a:r>
+              <a:rPr lang="it-IT" sz="2400" b="1" dirty="0" smtClean="0">
+                <a:solidFill>
+                  <a:srgbClr val="FF0000"/>
+                </a:solidFill>
+                <a:latin typeface="Arial" pitchFamily="34" charset="0"/>
+                <a:cs typeface="Arial" pitchFamily="34" charset="0"/>
+              </a:rPr>
+              <a:t>Fatevi aiutare dal questionario</a:t>
+            </a:r>
+            <a:endParaRPr lang="it-IT" sz="2400" b="1" dirty="0">
+              <a:solidFill>
+                <a:srgbClr val="FF0000"/>
+              </a:solidFill>
+              <a:latin typeface="Arial" pitchFamily="34" charset="0"/>
+              <a:cs typeface="Arial" pitchFamily="34" charset="0"/>
+            </a:endParaRPr>
+          </a:p>
+        </p:txBody>
+      </p:sp>
+    </p:spTree>
+  </p:cSld>
+  <p:clrMapOvr>
+    <a:masterClrMapping/>
+  </p:clrMapOvr>
+  <p:timing>
+    <p:tnLst>
+      <p:par>
+        <p:cTn id="1" dur="indefinite" restart="never" nodeType="tmRoot"/>
+      </p:par>
+    </p:tnLst>
+  </p:timing>
+</p:sld>
+</file>
+
+<file path=ppt/slides/slide29.xml><?xml version="1.0" encoding="utf-8"?>
+<p:sld xmlns:a="http://schemas.openxmlformats.org/drawingml/2006/main" xmlns:r="http://schemas.openxmlformats.org/officeDocument/2006/relationships" xmlns:p="http://schemas.openxmlformats.org/presentationml/2006/main">
+  <p:cSld>
+    <p:spTree>
+      <p:nvGrpSpPr>
+        <p:cNvPr id="1" name=""/>
+        <p:cNvGrpSpPr/>
+        <p:nvPr/>
+      </p:nvGrpSpPr>
+      <p:grpSpPr>
+        <a:xfrm>
+          <a:off x="0" y="0"/>
+          <a:ext cx="0" cy="0"/>
+          <a:chOff x="0" y="0"/>
+          <a:chExt cx="0" cy="0"/>
+        </a:xfrm>
+      </p:grpSpPr>
+      <p:sp>
+        <p:nvSpPr>
+          <p:cNvPr id="2" name="CasellaDiTesto 1"/>
+          <p:cNvSpPr txBox="1"/>
+          <p:nvPr/>
+        </p:nvSpPr>
+        <p:spPr>
+          <a:xfrm>
             <a:off x="3929058" y="285728"/>
             <a:ext cx="1107996" cy="461665"/>
           </a:xfrm>
@@ -12222,7 +12341,496 @@
 </p:sld>
 </file>
 
-<file path=ppt/slides/slide29.xml><?xml version="1.0" encoding="utf-8"?>
+<file path=ppt/slides/slide3.xml><?xml version="1.0" encoding="utf-8"?>
+<p:sld xmlns:a="http://schemas.openxmlformats.org/drawingml/2006/main" xmlns:r="http://schemas.openxmlformats.org/officeDocument/2006/relationships" xmlns:p="http://schemas.openxmlformats.org/presentationml/2006/main">
+  <p:cSld>
+    <p:spTree>
+      <p:nvGrpSpPr>
+        <p:cNvPr id="1" name=""/>
+        <p:cNvGrpSpPr/>
+        <p:nvPr/>
+      </p:nvGrpSpPr>
+      <p:grpSpPr>
+        <a:xfrm>
+          <a:off x="0" y="0"/>
+          <a:ext cx="0" cy="0"/>
+          <a:chOff x="0" y="0"/>
+          <a:chExt cx="0" cy="0"/>
+        </a:xfrm>
+      </p:grpSpPr>
+      <p:sp>
+        <p:nvSpPr>
+          <p:cNvPr id="2" name="CasellaDiTesto 1"/>
+          <p:cNvSpPr txBox="1"/>
+          <p:nvPr/>
+        </p:nvSpPr>
+        <p:spPr>
+          <a:xfrm>
+            <a:off x="1928794" y="1"/>
+            <a:ext cx="5310043" cy="369332"/>
+          </a:xfrm>
+          <a:prstGeom prst="rect">
+            <a:avLst/>
+          </a:prstGeom>
+          <a:noFill/>
+        </p:spPr>
+        <p:txBody>
+          <a:bodyPr wrap="square" rtlCol="0">
+            <a:spAutoFit/>
+          </a:bodyPr>
+          <a:lstStyle/>
+          <a:p>
+            <a:r>
+              <a:rPr lang="it-IT" b="1" dirty="0" smtClean="0">
+                <a:latin typeface="Arial" pitchFamily="34" charset="0"/>
+                <a:cs typeface="Arial" pitchFamily="34" charset="0"/>
+              </a:rPr>
+              <a:t>SCENARIO IDENTIFICATIVO PER IL SISTEMA :</a:t>
+            </a:r>
+          </a:p>
+        </p:txBody>
+      </p:sp>
+      <p:graphicFrame>
+        <p:nvGraphicFramePr>
+          <p:cNvPr id="3" name="Tabella 2"/>
+          <p:cNvGraphicFramePr>
+            <a:graphicFrameLocks noGrp="1"/>
+          </p:cNvGraphicFramePr>
+          <p:nvPr/>
+        </p:nvGraphicFramePr>
+        <p:xfrm>
+          <a:off x="285720" y="642918"/>
+          <a:ext cx="8572560" cy="5881945"/>
+        </p:xfrm>
+        <a:graphic>
+          <a:graphicData uri="http://schemas.openxmlformats.org/drawingml/2006/table">
+            <a:tbl>
+              <a:tblPr firstRow="1" bandRow="1">
+                <a:tableStyleId>{5C22544A-7EE6-4342-B048-85BDC9FD1C3A}</a:tableStyleId>
+              </a:tblPr>
+              <a:tblGrid>
+                <a:gridCol w="1921968"/>
+                <a:gridCol w="6650592"/>
+              </a:tblGrid>
+              <a:tr h="401705">
+                <a:tc>
+                  <a:txBody>
+                    <a:bodyPr/>
+                    <a:lstStyle/>
+                    <a:p>
+                      <a:r>
+                        <a:rPr lang="it-IT" dirty="0" smtClean="0"/>
+                        <a:t>Nome</a:t>
+                      </a:r>
+                      <a:r>
+                        <a:rPr lang="it-IT" baseline="0" dirty="0" smtClean="0"/>
+                        <a:t> dello scenario</a:t>
+                      </a:r>
+                      <a:endParaRPr lang="it-IT" dirty="0"/>
+                    </a:p>
+                  </a:txBody>
+                  <a:tcPr/>
+                </a:tc>
+                <a:tc>
+                  <a:txBody>
+                    <a:bodyPr/>
+                    <a:lstStyle/>
+                    <a:p>
+                      <a:r>
+                        <a:rPr lang="it-IT" dirty="0" smtClean="0"/>
+                        <a:t>Prenotazione libro</a:t>
+                      </a:r>
+                      <a:r>
+                        <a:rPr lang="it-IT" baseline="0" dirty="0" smtClean="0"/>
+                        <a:t> non disponibile</a:t>
+                      </a:r>
+                      <a:endParaRPr lang="it-IT" dirty="0"/>
+                    </a:p>
+                  </a:txBody>
+                  <a:tcPr/>
+                </a:tc>
+              </a:tr>
+              <a:tr h="669865">
+                <a:tc>
+                  <a:txBody>
+                    <a:bodyPr/>
+                    <a:lstStyle/>
+                    <a:p>
+                      <a:r>
+                        <a:rPr lang="it-IT" dirty="0" smtClean="0"/>
+                        <a:t>Attori Partecipanti</a:t>
+                      </a:r>
+                      <a:endParaRPr lang="it-IT" dirty="0"/>
+                    </a:p>
+                  </a:txBody>
+                  <a:tcPr/>
+                </a:tc>
+                <a:tc>
+                  <a:txBody>
+                    <a:bodyPr/>
+                    <a:lstStyle/>
+                    <a:p>
+                      <a:r>
+                        <a:rPr lang="it-IT" sz="1200" dirty="0" smtClean="0">
+                          <a:latin typeface="Arial" pitchFamily="34" charset="0"/>
+                          <a:cs typeface="Arial" pitchFamily="34" charset="0"/>
+                        </a:rPr>
+                        <a:t>Paolo</a:t>
+                      </a:r>
+                      <a:r>
+                        <a:rPr lang="it-IT" sz="1200" baseline="0" dirty="0" smtClean="0">
+                          <a:latin typeface="Arial" pitchFamily="34" charset="0"/>
+                          <a:cs typeface="Arial" pitchFamily="34" charset="0"/>
+                        </a:rPr>
+                        <a:t> Bianchi : Cliente</a:t>
+                      </a:r>
+                      <a:endParaRPr lang="it-IT" sz="1200" dirty="0">
+                        <a:latin typeface="Arial" pitchFamily="34" charset="0"/>
+                        <a:cs typeface="Arial" pitchFamily="34" charset="0"/>
+                      </a:endParaRPr>
+                    </a:p>
+                  </a:txBody>
+                  <a:tcPr/>
+                </a:tc>
+              </a:tr>
+              <a:tr h="4469084">
+                <a:tc>
+                  <a:txBody>
+                    <a:bodyPr/>
+                    <a:lstStyle/>
+                    <a:p>
+                      <a:endParaRPr lang="it-IT"/>
+                    </a:p>
+                  </a:txBody>
+                  <a:tcPr/>
+                </a:tc>
+                <a:tc>
+                  <a:txBody>
+                    <a:bodyPr/>
+                    <a:lstStyle/>
+                    <a:p>
+                      <a:r>
+                        <a:rPr lang="it-IT" sz="1200" b="1" dirty="0" smtClean="0">
+                          <a:latin typeface="Arial" pitchFamily="34" charset="0"/>
+                          <a:cs typeface="Arial" pitchFamily="34" charset="0"/>
+                        </a:rPr>
+                        <a:t>1. </a:t>
+                      </a:r>
+                      <a:r>
+                        <a:rPr lang="it-IT" sz="1200" dirty="0" smtClean="0">
+                          <a:latin typeface="Arial" pitchFamily="34" charset="0"/>
+                          <a:cs typeface="Arial" pitchFamily="34" charset="0"/>
+                        </a:rPr>
+                        <a:t>Paolo è uno studente che frequenta il corso di laurea in Matematica presso l'Università degli Studi di Salerno. Per il corso di “Fisica” vuole prenotare un libro di supporto per esercizi.</a:t>
+                      </a:r>
+                    </a:p>
+                    <a:p>
+                      <a:r>
+                        <a:rPr lang="it-IT" sz="1200" b="1" dirty="0" smtClean="0">
+                          <a:latin typeface="Arial" pitchFamily="34" charset="0"/>
+                          <a:cs typeface="Arial" pitchFamily="34" charset="0"/>
+                        </a:rPr>
+                        <a:t>2. </a:t>
+                      </a:r>
+                      <a:r>
+                        <a:rPr lang="it-IT" sz="1200" dirty="0" smtClean="0">
+                          <a:latin typeface="Arial" pitchFamily="34" charset="0"/>
+                          <a:cs typeface="Arial" pitchFamily="34" charset="0"/>
+                        </a:rPr>
+                        <a:t>Paolo  accende il suo PC e si connette alla rete;</a:t>
+                      </a:r>
+                    </a:p>
+                    <a:p>
+                      <a:r>
+                        <a:rPr lang="it-IT" sz="1200" b="1" dirty="0" smtClean="0">
+                          <a:latin typeface="Arial" pitchFamily="34" charset="0"/>
+                          <a:cs typeface="Arial" pitchFamily="34" charset="0"/>
+                        </a:rPr>
+                        <a:t>3</a:t>
+                      </a:r>
+                      <a:r>
+                        <a:rPr lang="it-IT" sz="1200" dirty="0" smtClean="0">
+                          <a:latin typeface="Arial" pitchFamily="34" charset="0"/>
+                          <a:cs typeface="Arial" pitchFamily="34" charset="0"/>
+                        </a:rPr>
+                        <a:t>. Accede al sito della biblioteca di ateneo;</a:t>
+                      </a:r>
+                    </a:p>
+                    <a:p>
+                      <a:r>
+                        <a:rPr lang="it-IT" sz="1200" b="1" dirty="0" smtClean="0">
+                          <a:latin typeface="Arial" pitchFamily="34" charset="0"/>
+                          <a:cs typeface="Arial" pitchFamily="34" charset="0"/>
+                        </a:rPr>
+                        <a:t>4</a:t>
+                      </a:r>
+                      <a:r>
+                        <a:rPr lang="it-IT" sz="1200" dirty="0" smtClean="0">
+                          <a:latin typeface="Arial" pitchFamily="34" charset="0"/>
+                          <a:cs typeface="Arial" pitchFamily="34" charset="0"/>
+                        </a:rPr>
+                        <a:t>. Il sistema mostra i servizi messi a disposizione per i clienti;</a:t>
+                      </a:r>
+                    </a:p>
+                    <a:p>
+                      <a:r>
+                        <a:rPr lang="it-IT" sz="1200" b="1" dirty="0" smtClean="0">
+                          <a:latin typeface="Arial" pitchFamily="34" charset="0"/>
+                          <a:cs typeface="Arial" pitchFamily="34" charset="0"/>
+                        </a:rPr>
+                        <a:t>5</a:t>
+                      </a:r>
+                      <a:r>
+                        <a:rPr lang="it-IT" sz="1200" dirty="0" smtClean="0">
+                          <a:latin typeface="Arial" pitchFamily="34" charset="0"/>
+                          <a:cs typeface="Arial" pitchFamily="34" charset="0"/>
+                        </a:rPr>
+                        <a:t>. Paolo sceglie la funzionalità di ricerca tematica;</a:t>
+                      </a:r>
+                    </a:p>
+                    <a:p>
+                      <a:r>
+                        <a:rPr lang="it-IT" sz="1200" b="1" dirty="0" smtClean="0">
+                          <a:latin typeface="Arial" pitchFamily="34" charset="0"/>
+                          <a:cs typeface="Arial" pitchFamily="34" charset="0"/>
+                        </a:rPr>
+                        <a:t>6</a:t>
+                      </a:r>
+                      <a:r>
+                        <a:rPr lang="it-IT" sz="1200" dirty="0" smtClean="0">
+                          <a:latin typeface="Arial" pitchFamily="34" charset="0"/>
+                          <a:cs typeface="Arial" pitchFamily="34" charset="0"/>
+                        </a:rPr>
+                        <a:t>. Il sistema mostra un </a:t>
+                      </a:r>
+                      <a:r>
+                        <a:rPr lang="it-IT" sz="1200" dirty="0" err="1" smtClean="0">
+                          <a:latin typeface="Arial" pitchFamily="34" charset="0"/>
+                          <a:cs typeface="Arial" pitchFamily="34" charset="0"/>
+                        </a:rPr>
+                        <a:t>form</a:t>
+                      </a:r>
+                      <a:r>
+                        <a:rPr lang="it-IT" sz="1200" dirty="0" smtClean="0">
+                          <a:latin typeface="Arial" pitchFamily="34" charset="0"/>
+                          <a:cs typeface="Arial" pitchFamily="34" charset="0"/>
+                        </a:rPr>
+                        <a:t> con un campo da compilare, ossia il campo relativo all'argomento da ricercare.</a:t>
+                      </a:r>
+                    </a:p>
+                    <a:p>
+                      <a:r>
+                        <a:rPr lang="it-IT" sz="1200" b="1" dirty="0" smtClean="0">
+                          <a:latin typeface="Arial" pitchFamily="34" charset="0"/>
+                          <a:cs typeface="Arial" pitchFamily="34" charset="0"/>
+                        </a:rPr>
+                        <a:t>7</a:t>
+                      </a:r>
+                      <a:r>
+                        <a:rPr lang="it-IT" sz="1200" dirty="0" smtClean="0">
+                          <a:latin typeface="Arial" pitchFamily="34" charset="0"/>
+                          <a:cs typeface="Arial" pitchFamily="34" charset="0"/>
+                        </a:rPr>
+                        <a:t>. Paolo non conoscendo informazioni sul libro da ricercare, per restringere il campo, inserisce nell'apposito campo il seguente </a:t>
+                      </a:r>
+                      <a:r>
+                        <a:rPr lang="it-IT" sz="1200" dirty="0" err="1" smtClean="0">
+                          <a:latin typeface="Arial" pitchFamily="34" charset="0"/>
+                          <a:cs typeface="Arial" pitchFamily="34" charset="0"/>
+                        </a:rPr>
+                        <a:t>tag</a:t>
+                      </a:r>
+                      <a:r>
+                        <a:rPr lang="it-IT" sz="1200" dirty="0" smtClean="0">
+                          <a:latin typeface="Arial" pitchFamily="34" charset="0"/>
+                          <a:cs typeface="Arial" pitchFamily="34" charset="0"/>
+                        </a:rPr>
+                        <a:t>: “fisica teorica, Landau”. </a:t>
+                      </a:r>
+                    </a:p>
+                    <a:p>
+                      <a:r>
+                        <a:rPr lang="it-IT" sz="1200" b="1" dirty="0" smtClean="0">
+                          <a:latin typeface="Arial" pitchFamily="34" charset="0"/>
+                          <a:cs typeface="Arial" pitchFamily="34" charset="0"/>
+                        </a:rPr>
+                        <a:t>8</a:t>
+                      </a:r>
+                      <a:r>
+                        <a:rPr lang="it-IT" sz="1200" dirty="0" smtClean="0">
+                          <a:latin typeface="Arial" pitchFamily="34" charset="0"/>
+                          <a:cs typeface="Arial" pitchFamily="34" charset="0"/>
+                        </a:rPr>
+                        <a:t>. Il sistema mostra la lista dei libri corrispondenti al </a:t>
+                      </a:r>
+                      <a:r>
+                        <a:rPr lang="it-IT" sz="1200" dirty="0" err="1" smtClean="0">
+                          <a:latin typeface="Arial" pitchFamily="34" charset="0"/>
+                          <a:cs typeface="Arial" pitchFamily="34" charset="0"/>
+                        </a:rPr>
+                        <a:t>tag</a:t>
+                      </a:r>
+                      <a:r>
+                        <a:rPr lang="it-IT" sz="1200" dirty="0" smtClean="0">
+                          <a:latin typeface="Arial" pitchFamily="34" charset="0"/>
+                          <a:cs typeface="Arial" pitchFamily="34" charset="0"/>
+                        </a:rPr>
+                        <a:t> inserito.</a:t>
+                      </a:r>
+                    </a:p>
+                    <a:p>
+                      <a:r>
+                        <a:rPr lang="it-IT" sz="1200" b="1" dirty="0" smtClean="0">
+                          <a:latin typeface="Arial" pitchFamily="34" charset="0"/>
+                          <a:cs typeface="Arial" pitchFamily="34" charset="0"/>
+                        </a:rPr>
+                        <a:t>9</a:t>
+                      </a:r>
+                      <a:r>
+                        <a:rPr lang="it-IT" sz="1200" dirty="0" smtClean="0">
+                          <a:latin typeface="Arial" pitchFamily="34" charset="0"/>
+                          <a:cs typeface="Arial" pitchFamily="34" charset="0"/>
+                        </a:rPr>
+                        <a:t>. Paolo dopo aver visualizzato l'elenco dei libri corrispondenti alla sua ricerca clicca sul pulsante “Dettagli” in corrispondenza del volume di “Fisica teorica”;</a:t>
+                      </a:r>
+                    </a:p>
+                    <a:p>
+                      <a:r>
+                        <a:rPr lang="it-IT" sz="1200" b="1" dirty="0" smtClean="0">
+                          <a:latin typeface="Arial" pitchFamily="34" charset="0"/>
+                          <a:cs typeface="Arial" pitchFamily="34" charset="0"/>
+                        </a:rPr>
+                        <a:t>10</a:t>
+                      </a:r>
+                      <a:r>
+                        <a:rPr lang="it-IT" sz="1200" dirty="0" smtClean="0">
+                          <a:latin typeface="Arial" pitchFamily="34" charset="0"/>
+                          <a:cs typeface="Arial" pitchFamily="34" charset="0"/>
+                        </a:rPr>
+                        <a:t>. Il sistema mostra una scheda con i dettagli del libro;</a:t>
+                      </a:r>
+                    </a:p>
+                    <a:p>
+                      <a:r>
+                        <a:rPr lang="it-IT" sz="1200" b="1" dirty="0" smtClean="0">
+                          <a:latin typeface="Arial" pitchFamily="34" charset="0"/>
+                          <a:cs typeface="Arial" pitchFamily="34" charset="0"/>
+                        </a:rPr>
+                        <a:t>11</a:t>
+                      </a:r>
+                      <a:r>
+                        <a:rPr lang="it-IT" sz="1200" dirty="0" smtClean="0">
+                          <a:latin typeface="Arial" pitchFamily="34" charset="0"/>
+                          <a:cs typeface="Arial" pitchFamily="34" charset="0"/>
+                        </a:rPr>
+                        <a:t>. Paolo nota che il libro sarà disponibile fra due settimane ma decide in ogni caso di prenotarlo, clicca così sul pulsante “Prenota”.</a:t>
+                      </a:r>
+                    </a:p>
+                    <a:p>
+                      <a:r>
+                        <a:rPr lang="it-IT" sz="1200" b="1" dirty="0" smtClean="0">
+                          <a:latin typeface="Arial" pitchFamily="34" charset="0"/>
+                          <a:cs typeface="Arial" pitchFamily="34" charset="0"/>
+                        </a:rPr>
+                        <a:t>12</a:t>
+                      </a:r>
+                      <a:r>
+                        <a:rPr lang="it-IT" sz="1200" dirty="0" smtClean="0">
+                          <a:latin typeface="Arial" pitchFamily="34" charset="0"/>
+                          <a:cs typeface="Arial" pitchFamily="34" charset="0"/>
+                        </a:rPr>
+                        <a:t>. Il sistema mostra il </a:t>
+                      </a:r>
+                      <a:r>
+                        <a:rPr lang="it-IT" sz="1200" dirty="0" err="1" smtClean="0">
+                          <a:latin typeface="Arial" pitchFamily="34" charset="0"/>
+                          <a:cs typeface="Arial" pitchFamily="34" charset="0"/>
+                        </a:rPr>
+                        <a:t>form</a:t>
+                      </a:r>
+                      <a:r>
+                        <a:rPr lang="it-IT" sz="1200" dirty="0" smtClean="0">
+                          <a:latin typeface="Arial" pitchFamily="34" charset="0"/>
+                          <a:cs typeface="Arial" pitchFamily="34" charset="0"/>
+                        </a:rPr>
+                        <a:t> di autenticazione, in quanto Paolo non è ancora identificato al sistema.</a:t>
+                      </a:r>
+                    </a:p>
+                    <a:p>
+                      <a:r>
+                        <a:rPr lang="it-IT" sz="1200" b="1" dirty="0" smtClean="0">
+                          <a:latin typeface="Arial" pitchFamily="34" charset="0"/>
+                          <a:cs typeface="Arial" pitchFamily="34" charset="0"/>
+                        </a:rPr>
+                        <a:t>13</a:t>
+                      </a:r>
+                      <a:r>
+                        <a:rPr lang="it-IT" sz="1200" dirty="0" smtClean="0">
+                          <a:latin typeface="Arial" pitchFamily="34" charset="0"/>
+                          <a:cs typeface="Arial" pitchFamily="34" charset="0"/>
+                        </a:rPr>
+                        <a:t>. Dopo che Paolo si è loggato al sistema, quest'ultimo mostra una scheda riepilogativa dei dati riguardanti la prenotazione, dove è indicato anche il giorno in cui è possibile recarsi alla biblioteca per il ritiro del libro.</a:t>
+                      </a:r>
+                    </a:p>
+                    <a:p>
+                      <a:r>
+                        <a:rPr lang="it-IT" sz="1200" b="1" dirty="0" smtClean="0">
+                          <a:latin typeface="Arial" pitchFamily="34" charset="0"/>
+                          <a:cs typeface="Arial" pitchFamily="34" charset="0"/>
+                        </a:rPr>
+                        <a:t>14. </a:t>
+                      </a:r>
+                      <a:r>
+                        <a:rPr lang="it-IT" sz="1200" dirty="0" smtClean="0">
+                          <a:latin typeface="Arial" pitchFamily="34" charset="0"/>
+                          <a:cs typeface="Arial" pitchFamily="34" charset="0"/>
+                        </a:rPr>
+                        <a:t>Paolo clicca sul pulsante “Conferma”.</a:t>
+                      </a:r>
+                    </a:p>
+                    <a:p>
+                      <a:r>
+                        <a:rPr lang="it-IT" sz="1200" b="1" dirty="0" smtClean="0">
+                          <a:latin typeface="Arial" pitchFamily="34" charset="0"/>
+                          <a:cs typeface="Arial" pitchFamily="34" charset="0"/>
+                        </a:rPr>
+                        <a:t>15</a:t>
+                      </a:r>
+                      <a:r>
+                        <a:rPr lang="it-IT" sz="1200" dirty="0" smtClean="0">
+                          <a:latin typeface="Arial" pitchFamily="34" charset="0"/>
+                          <a:cs typeface="Arial" pitchFamily="34" charset="0"/>
+                        </a:rPr>
+                        <a:t>. Il sistema mostra il messaggio di conferma prenotazione.</a:t>
+                      </a:r>
+                    </a:p>
+                    <a:p>
+                      <a:endParaRPr lang="it-IT" dirty="0"/>
+                    </a:p>
+                  </a:txBody>
+                  <a:tcPr/>
+                </a:tc>
+              </a:tr>
+            </a:tbl>
+          </a:graphicData>
+        </a:graphic>
+      </p:graphicFrame>
+    </p:spTree>
+  </p:cSld>
+  <p:clrMapOvr>
+    <a:masterClrMapping/>
+  </p:clrMapOvr>
+  <p:timing>
+    <p:tnLst>
+      <p:par>
+        <p:cTn id="1" dur="indefinite" restart="never" nodeType="tmRoot"/>
+      </p:par>
+    </p:tnLst>
+  </p:timing>
+</p:sld>
+</file>
+
+<file path=ppt/slides/slide30.xml><?xml version="1.0" encoding="utf-8"?>
 <p:sld xmlns:a="http://schemas.openxmlformats.org/drawingml/2006/main" xmlns:r="http://schemas.openxmlformats.org/officeDocument/2006/relationships" xmlns:p="http://schemas.openxmlformats.org/presentationml/2006/main">
   <p:cSld>
     <p:spTree>
@@ -13161,496 +13769,7 @@
 </p:sld>
 </file>
 
-<file path=ppt/slides/slide3.xml><?xml version="1.0" encoding="utf-8"?>
-<p:sld xmlns:a="http://schemas.openxmlformats.org/drawingml/2006/main" xmlns:r="http://schemas.openxmlformats.org/officeDocument/2006/relationships" xmlns:p="http://schemas.openxmlformats.org/presentationml/2006/main">
-  <p:cSld>
-    <p:spTree>
-      <p:nvGrpSpPr>
-        <p:cNvPr id="1" name=""/>
-        <p:cNvGrpSpPr/>
-        <p:nvPr/>
-      </p:nvGrpSpPr>
-      <p:grpSpPr>
-        <a:xfrm>
-          <a:off x="0" y="0"/>
-          <a:ext cx="0" cy="0"/>
-          <a:chOff x="0" y="0"/>
-          <a:chExt cx="0" cy="0"/>
-        </a:xfrm>
-      </p:grpSpPr>
-      <p:sp>
-        <p:nvSpPr>
-          <p:cNvPr id="2" name="CasellaDiTesto 1"/>
-          <p:cNvSpPr txBox="1"/>
-          <p:nvPr/>
-        </p:nvSpPr>
-        <p:spPr>
-          <a:xfrm>
-            <a:off x="1928794" y="1"/>
-            <a:ext cx="5310043" cy="369332"/>
-          </a:xfrm>
-          <a:prstGeom prst="rect">
-            <a:avLst/>
-          </a:prstGeom>
-          <a:noFill/>
-        </p:spPr>
-        <p:txBody>
-          <a:bodyPr wrap="square" rtlCol="0">
-            <a:spAutoFit/>
-          </a:bodyPr>
-          <a:lstStyle/>
-          <a:p>
-            <a:r>
-              <a:rPr lang="it-IT" b="1" dirty="0" smtClean="0">
-                <a:latin typeface="Arial" pitchFamily="34" charset="0"/>
-                <a:cs typeface="Arial" pitchFamily="34" charset="0"/>
-              </a:rPr>
-              <a:t>SCENARIO IDENTIFICATIVO PER IL SISTEMA :</a:t>
-            </a:r>
-          </a:p>
-        </p:txBody>
-      </p:sp>
-      <p:graphicFrame>
-        <p:nvGraphicFramePr>
-          <p:cNvPr id="3" name="Tabella 2"/>
-          <p:cNvGraphicFramePr>
-            <a:graphicFrameLocks noGrp="1"/>
-          </p:cNvGraphicFramePr>
-          <p:nvPr/>
-        </p:nvGraphicFramePr>
-        <p:xfrm>
-          <a:off x="285720" y="642918"/>
-          <a:ext cx="8572560" cy="5881945"/>
-        </p:xfrm>
-        <a:graphic>
-          <a:graphicData uri="http://schemas.openxmlformats.org/drawingml/2006/table">
-            <a:tbl>
-              <a:tblPr firstRow="1" bandRow="1">
-                <a:tableStyleId>{5C22544A-7EE6-4342-B048-85BDC9FD1C3A}</a:tableStyleId>
-              </a:tblPr>
-              <a:tblGrid>
-                <a:gridCol w="1921968"/>
-                <a:gridCol w="6650592"/>
-              </a:tblGrid>
-              <a:tr h="401705">
-                <a:tc>
-                  <a:txBody>
-                    <a:bodyPr/>
-                    <a:lstStyle/>
-                    <a:p>
-                      <a:r>
-                        <a:rPr lang="it-IT" dirty="0" smtClean="0"/>
-                        <a:t>Nome</a:t>
-                      </a:r>
-                      <a:r>
-                        <a:rPr lang="it-IT" baseline="0" dirty="0" smtClean="0"/>
-                        <a:t> dello scenario</a:t>
-                      </a:r>
-                      <a:endParaRPr lang="it-IT" dirty="0"/>
-                    </a:p>
-                  </a:txBody>
-                  <a:tcPr/>
-                </a:tc>
-                <a:tc>
-                  <a:txBody>
-                    <a:bodyPr/>
-                    <a:lstStyle/>
-                    <a:p>
-                      <a:r>
-                        <a:rPr lang="it-IT" dirty="0" smtClean="0"/>
-                        <a:t>Prenotazione libro</a:t>
-                      </a:r>
-                      <a:r>
-                        <a:rPr lang="it-IT" baseline="0" dirty="0" smtClean="0"/>
-                        <a:t> non disponibile</a:t>
-                      </a:r>
-                      <a:endParaRPr lang="it-IT" dirty="0"/>
-                    </a:p>
-                  </a:txBody>
-                  <a:tcPr/>
-                </a:tc>
-              </a:tr>
-              <a:tr h="669865">
-                <a:tc>
-                  <a:txBody>
-                    <a:bodyPr/>
-                    <a:lstStyle/>
-                    <a:p>
-                      <a:r>
-                        <a:rPr lang="it-IT" dirty="0" smtClean="0"/>
-                        <a:t>Attori Partecipanti</a:t>
-                      </a:r>
-                      <a:endParaRPr lang="it-IT" dirty="0"/>
-                    </a:p>
-                  </a:txBody>
-                  <a:tcPr/>
-                </a:tc>
-                <a:tc>
-                  <a:txBody>
-                    <a:bodyPr/>
-                    <a:lstStyle/>
-                    <a:p>
-                      <a:r>
-                        <a:rPr lang="it-IT" sz="1200" dirty="0" smtClean="0">
-                          <a:latin typeface="Arial" pitchFamily="34" charset="0"/>
-                          <a:cs typeface="Arial" pitchFamily="34" charset="0"/>
-                        </a:rPr>
-                        <a:t>Paolo</a:t>
-                      </a:r>
-                      <a:r>
-                        <a:rPr lang="it-IT" sz="1200" baseline="0" dirty="0" smtClean="0">
-                          <a:latin typeface="Arial" pitchFamily="34" charset="0"/>
-                          <a:cs typeface="Arial" pitchFamily="34" charset="0"/>
-                        </a:rPr>
-                        <a:t> Bianchi : Cliente</a:t>
-                      </a:r>
-                      <a:endParaRPr lang="it-IT" sz="1200" dirty="0">
-                        <a:latin typeface="Arial" pitchFamily="34" charset="0"/>
-                        <a:cs typeface="Arial" pitchFamily="34" charset="0"/>
-                      </a:endParaRPr>
-                    </a:p>
-                  </a:txBody>
-                  <a:tcPr/>
-                </a:tc>
-              </a:tr>
-              <a:tr h="4469084">
-                <a:tc>
-                  <a:txBody>
-                    <a:bodyPr/>
-                    <a:lstStyle/>
-                    <a:p>
-                      <a:endParaRPr lang="it-IT"/>
-                    </a:p>
-                  </a:txBody>
-                  <a:tcPr/>
-                </a:tc>
-                <a:tc>
-                  <a:txBody>
-                    <a:bodyPr/>
-                    <a:lstStyle/>
-                    <a:p>
-                      <a:r>
-                        <a:rPr lang="it-IT" sz="1200" b="1" dirty="0" smtClean="0">
-                          <a:latin typeface="Arial" pitchFamily="34" charset="0"/>
-                          <a:cs typeface="Arial" pitchFamily="34" charset="0"/>
-                        </a:rPr>
-                        <a:t>1. </a:t>
-                      </a:r>
-                      <a:r>
-                        <a:rPr lang="it-IT" sz="1200" dirty="0" smtClean="0">
-                          <a:latin typeface="Arial" pitchFamily="34" charset="0"/>
-                          <a:cs typeface="Arial" pitchFamily="34" charset="0"/>
-                        </a:rPr>
-                        <a:t>Paolo è uno studente che frequenta il corso di laurea in Matematica presso l'Università degli Studi di Salerno. Per il corso di “Fisica” vuole prenotare un libro di supporto per esercizi.</a:t>
-                      </a:r>
-                    </a:p>
-                    <a:p>
-                      <a:r>
-                        <a:rPr lang="it-IT" sz="1200" b="1" dirty="0" smtClean="0">
-                          <a:latin typeface="Arial" pitchFamily="34" charset="0"/>
-                          <a:cs typeface="Arial" pitchFamily="34" charset="0"/>
-                        </a:rPr>
-                        <a:t>2. </a:t>
-                      </a:r>
-                      <a:r>
-                        <a:rPr lang="it-IT" sz="1200" dirty="0" smtClean="0">
-                          <a:latin typeface="Arial" pitchFamily="34" charset="0"/>
-                          <a:cs typeface="Arial" pitchFamily="34" charset="0"/>
-                        </a:rPr>
-                        <a:t>Paolo  accende il suo PC e si connette alla rete;</a:t>
-                      </a:r>
-                    </a:p>
-                    <a:p>
-                      <a:r>
-                        <a:rPr lang="it-IT" sz="1200" b="1" dirty="0" smtClean="0">
-                          <a:latin typeface="Arial" pitchFamily="34" charset="0"/>
-                          <a:cs typeface="Arial" pitchFamily="34" charset="0"/>
-                        </a:rPr>
-                        <a:t>3</a:t>
-                      </a:r>
-                      <a:r>
-                        <a:rPr lang="it-IT" sz="1200" dirty="0" smtClean="0">
-                          <a:latin typeface="Arial" pitchFamily="34" charset="0"/>
-                          <a:cs typeface="Arial" pitchFamily="34" charset="0"/>
-                        </a:rPr>
-                        <a:t>. Accede al sito della biblioteca di ateneo;</a:t>
-                      </a:r>
-                    </a:p>
-                    <a:p>
-                      <a:r>
-                        <a:rPr lang="it-IT" sz="1200" b="1" dirty="0" smtClean="0">
-                          <a:latin typeface="Arial" pitchFamily="34" charset="0"/>
-                          <a:cs typeface="Arial" pitchFamily="34" charset="0"/>
-                        </a:rPr>
-                        <a:t>4</a:t>
-                      </a:r>
-                      <a:r>
-                        <a:rPr lang="it-IT" sz="1200" dirty="0" smtClean="0">
-                          <a:latin typeface="Arial" pitchFamily="34" charset="0"/>
-                          <a:cs typeface="Arial" pitchFamily="34" charset="0"/>
-                        </a:rPr>
-                        <a:t>. Il sistema mostra i servizi messi a disposizione per i clienti;</a:t>
-                      </a:r>
-                    </a:p>
-                    <a:p>
-                      <a:r>
-                        <a:rPr lang="it-IT" sz="1200" b="1" dirty="0" smtClean="0">
-                          <a:latin typeface="Arial" pitchFamily="34" charset="0"/>
-                          <a:cs typeface="Arial" pitchFamily="34" charset="0"/>
-                        </a:rPr>
-                        <a:t>5</a:t>
-                      </a:r>
-                      <a:r>
-                        <a:rPr lang="it-IT" sz="1200" dirty="0" smtClean="0">
-                          <a:latin typeface="Arial" pitchFamily="34" charset="0"/>
-                          <a:cs typeface="Arial" pitchFamily="34" charset="0"/>
-                        </a:rPr>
-                        <a:t>. Paolo sceglie la funzionalità di ricerca tematica;</a:t>
-                      </a:r>
-                    </a:p>
-                    <a:p>
-                      <a:r>
-                        <a:rPr lang="it-IT" sz="1200" b="1" dirty="0" smtClean="0">
-                          <a:latin typeface="Arial" pitchFamily="34" charset="0"/>
-                          <a:cs typeface="Arial" pitchFamily="34" charset="0"/>
-                        </a:rPr>
-                        <a:t>6</a:t>
-                      </a:r>
-                      <a:r>
-                        <a:rPr lang="it-IT" sz="1200" dirty="0" smtClean="0">
-                          <a:latin typeface="Arial" pitchFamily="34" charset="0"/>
-                          <a:cs typeface="Arial" pitchFamily="34" charset="0"/>
-                        </a:rPr>
-                        <a:t>. Il sistema mostra un </a:t>
-                      </a:r>
-                      <a:r>
-                        <a:rPr lang="it-IT" sz="1200" dirty="0" err="1" smtClean="0">
-                          <a:latin typeface="Arial" pitchFamily="34" charset="0"/>
-                          <a:cs typeface="Arial" pitchFamily="34" charset="0"/>
-                        </a:rPr>
-                        <a:t>form</a:t>
-                      </a:r>
-                      <a:r>
-                        <a:rPr lang="it-IT" sz="1200" dirty="0" smtClean="0">
-                          <a:latin typeface="Arial" pitchFamily="34" charset="0"/>
-                          <a:cs typeface="Arial" pitchFamily="34" charset="0"/>
-                        </a:rPr>
-                        <a:t> con un campo da compilare, ossia il campo relativo all'argomento da ricercare.</a:t>
-                      </a:r>
-                    </a:p>
-                    <a:p>
-                      <a:r>
-                        <a:rPr lang="it-IT" sz="1200" b="1" dirty="0" smtClean="0">
-                          <a:latin typeface="Arial" pitchFamily="34" charset="0"/>
-                          <a:cs typeface="Arial" pitchFamily="34" charset="0"/>
-                        </a:rPr>
-                        <a:t>7</a:t>
-                      </a:r>
-                      <a:r>
-                        <a:rPr lang="it-IT" sz="1200" dirty="0" smtClean="0">
-                          <a:latin typeface="Arial" pitchFamily="34" charset="0"/>
-                          <a:cs typeface="Arial" pitchFamily="34" charset="0"/>
-                        </a:rPr>
-                        <a:t>. Paolo non conoscendo informazioni sul libro da ricercare, per restringere il campo, inserisce nell'apposito campo il seguente </a:t>
-                      </a:r>
-                      <a:r>
-                        <a:rPr lang="it-IT" sz="1200" dirty="0" err="1" smtClean="0">
-                          <a:latin typeface="Arial" pitchFamily="34" charset="0"/>
-                          <a:cs typeface="Arial" pitchFamily="34" charset="0"/>
-                        </a:rPr>
-                        <a:t>tag</a:t>
-                      </a:r>
-                      <a:r>
-                        <a:rPr lang="it-IT" sz="1200" dirty="0" smtClean="0">
-                          <a:latin typeface="Arial" pitchFamily="34" charset="0"/>
-                          <a:cs typeface="Arial" pitchFamily="34" charset="0"/>
-                        </a:rPr>
-                        <a:t>: “fisica teorica, Landau”. </a:t>
-                      </a:r>
-                    </a:p>
-                    <a:p>
-                      <a:r>
-                        <a:rPr lang="it-IT" sz="1200" b="1" dirty="0" smtClean="0">
-                          <a:latin typeface="Arial" pitchFamily="34" charset="0"/>
-                          <a:cs typeface="Arial" pitchFamily="34" charset="0"/>
-                        </a:rPr>
-                        <a:t>8</a:t>
-                      </a:r>
-                      <a:r>
-                        <a:rPr lang="it-IT" sz="1200" dirty="0" smtClean="0">
-                          <a:latin typeface="Arial" pitchFamily="34" charset="0"/>
-                          <a:cs typeface="Arial" pitchFamily="34" charset="0"/>
-                        </a:rPr>
-                        <a:t>. Il sistema mostra la lista dei libri corrispondenti al </a:t>
-                      </a:r>
-                      <a:r>
-                        <a:rPr lang="it-IT" sz="1200" dirty="0" err="1" smtClean="0">
-                          <a:latin typeface="Arial" pitchFamily="34" charset="0"/>
-                          <a:cs typeface="Arial" pitchFamily="34" charset="0"/>
-                        </a:rPr>
-                        <a:t>tag</a:t>
-                      </a:r>
-                      <a:r>
-                        <a:rPr lang="it-IT" sz="1200" dirty="0" smtClean="0">
-                          <a:latin typeface="Arial" pitchFamily="34" charset="0"/>
-                          <a:cs typeface="Arial" pitchFamily="34" charset="0"/>
-                        </a:rPr>
-                        <a:t> inserito.</a:t>
-                      </a:r>
-                    </a:p>
-                    <a:p>
-                      <a:r>
-                        <a:rPr lang="it-IT" sz="1200" b="1" dirty="0" smtClean="0">
-                          <a:latin typeface="Arial" pitchFamily="34" charset="0"/>
-                          <a:cs typeface="Arial" pitchFamily="34" charset="0"/>
-                        </a:rPr>
-                        <a:t>9</a:t>
-                      </a:r>
-                      <a:r>
-                        <a:rPr lang="it-IT" sz="1200" dirty="0" smtClean="0">
-                          <a:latin typeface="Arial" pitchFamily="34" charset="0"/>
-                          <a:cs typeface="Arial" pitchFamily="34" charset="0"/>
-                        </a:rPr>
-                        <a:t>. Paolo dopo aver visualizzato l'elenco dei libri corrispondenti alla sua ricerca clicca sul pulsante “Dettagli” in corrispondenza del volume di “Fisica teorica”;</a:t>
-                      </a:r>
-                    </a:p>
-                    <a:p>
-                      <a:r>
-                        <a:rPr lang="it-IT" sz="1200" b="1" dirty="0" smtClean="0">
-                          <a:latin typeface="Arial" pitchFamily="34" charset="0"/>
-                          <a:cs typeface="Arial" pitchFamily="34" charset="0"/>
-                        </a:rPr>
-                        <a:t>10</a:t>
-                      </a:r>
-                      <a:r>
-                        <a:rPr lang="it-IT" sz="1200" dirty="0" smtClean="0">
-                          <a:latin typeface="Arial" pitchFamily="34" charset="0"/>
-                          <a:cs typeface="Arial" pitchFamily="34" charset="0"/>
-                        </a:rPr>
-                        <a:t>. Il sistema mostra una scheda con i dettagli del libro;</a:t>
-                      </a:r>
-                    </a:p>
-                    <a:p>
-                      <a:r>
-                        <a:rPr lang="it-IT" sz="1200" b="1" dirty="0" smtClean="0">
-                          <a:latin typeface="Arial" pitchFamily="34" charset="0"/>
-                          <a:cs typeface="Arial" pitchFamily="34" charset="0"/>
-                        </a:rPr>
-                        <a:t>11</a:t>
-                      </a:r>
-                      <a:r>
-                        <a:rPr lang="it-IT" sz="1200" dirty="0" smtClean="0">
-                          <a:latin typeface="Arial" pitchFamily="34" charset="0"/>
-                          <a:cs typeface="Arial" pitchFamily="34" charset="0"/>
-                        </a:rPr>
-                        <a:t>. Paolo nota che il libro sarà disponibile fra due settimane ma decide in ogni caso di prenotarlo, clicca così sul pulsante “Prenota”.</a:t>
-                      </a:r>
-                    </a:p>
-                    <a:p>
-                      <a:r>
-                        <a:rPr lang="it-IT" sz="1200" b="1" dirty="0" smtClean="0">
-                          <a:latin typeface="Arial" pitchFamily="34" charset="0"/>
-                          <a:cs typeface="Arial" pitchFamily="34" charset="0"/>
-                        </a:rPr>
-                        <a:t>12</a:t>
-                      </a:r>
-                      <a:r>
-                        <a:rPr lang="it-IT" sz="1200" dirty="0" smtClean="0">
-                          <a:latin typeface="Arial" pitchFamily="34" charset="0"/>
-                          <a:cs typeface="Arial" pitchFamily="34" charset="0"/>
-                        </a:rPr>
-                        <a:t>. Il sistema mostra il </a:t>
-                      </a:r>
-                      <a:r>
-                        <a:rPr lang="it-IT" sz="1200" dirty="0" err="1" smtClean="0">
-                          <a:latin typeface="Arial" pitchFamily="34" charset="0"/>
-                          <a:cs typeface="Arial" pitchFamily="34" charset="0"/>
-                        </a:rPr>
-                        <a:t>form</a:t>
-                      </a:r>
-                      <a:r>
-                        <a:rPr lang="it-IT" sz="1200" dirty="0" smtClean="0">
-                          <a:latin typeface="Arial" pitchFamily="34" charset="0"/>
-                          <a:cs typeface="Arial" pitchFamily="34" charset="0"/>
-                        </a:rPr>
-                        <a:t> di autenticazione, in quanto Paolo non è ancora identificato al sistema.</a:t>
-                      </a:r>
-                    </a:p>
-                    <a:p>
-                      <a:r>
-                        <a:rPr lang="it-IT" sz="1200" b="1" dirty="0" smtClean="0">
-                          <a:latin typeface="Arial" pitchFamily="34" charset="0"/>
-                          <a:cs typeface="Arial" pitchFamily="34" charset="0"/>
-                        </a:rPr>
-                        <a:t>13</a:t>
-                      </a:r>
-                      <a:r>
-                        <a:rPr lang="it-IT" sz="1200" dirty="0" smtClean="0">
-                          <a:latin typeface="Arial" pitchFamily="34" charset="0"/>
-                          <a:cs typeface="Arial" pitchFamily="34" charset="0"/>
-                        </a:rPr>
-                        <a:t>. Dopo che Paolo si è loggato al sistema, quest'ultimo mostra una scheda riepilogativa dei dati riguardanti la prenotazione, dove è indicato anche il giorno in cui è possibile recarsi alla biblioteca per il ritiro del libro.</a:t>
-                      </a:r>
-                    </a:p>
-                    <a:p>
-                      <a:r>
-                        <a:rPr lang="it-IT" sz="1200" b="1" dirty="0" smtClean="0">
-                          <a:latin typeface="Arial" pitchFamily="34" charset="0"/>
-                          <a:cs typeface="Arial" pitchFamily="34" charset="0"/>
-                        </a:rPr>
-                        <a:t>14. </a:t>
-                      </a:r>
-                      <a:r>
-                        <a:rPr lang="it-IT" sz="1200" dirty="0" smtClean="0">
-                          <a:latin typeface="Arial" pitchFamily="34" charset="0"/>
-                          <a:cs typeface="Arial" pitchFamily="34" charset="0"/>
-                        </a:rPr>
-                        <a:t>Paolo clicca sul pulsante “Conferma”.</a:t>
-                      </a:r>
-                    </a:p>
-                    <a:p>
-                      <a:r>
-                        <a:rPr lang="it-IT" sz="1200" b="1" dirty="0" smtClean="0">
-                          <a:latin typeface="Arial" pitchFamily="34" charset="0"/>
-                          <a:cs typeface="Arial" pitchFamily="34" charset="0"/>
-                        </a:rPr>
-                        <a:t>15</a:t>
-                      </a:r>
-                      <a:r>
-                        <a:rPr lang="it-IT" sz="1200" dirty="0" smtClean="0">
-                          <a:latin typeface="Arial" pitchFamily="34" charset="0"/>
-                          <a:cs typeface="Arial" pitchFamily="34" charset="0"/>
-                        </a:rPr>
-                        <a:t>. Il sistema mostra il messaggio di conferma prenotazione.</a:t>
-                      </a:r>
-                    </a:p>
-                    <a:p>
-                      <a:endParaRPr lang="it-IT" dirty="0"/>
-                    </a:p>
-                  </a:txBody>
-                  <a:tcPr/>
-                </a:tc>
-              </a:tr>
-            </a:tbl>
-          </a:graphicData>
-        </a:graphic>
-      </p:graphicFrame>
-    </p:spTree>
-  </p:cSld>
-  <p:clrMapOvr>
-    <a:masterClrMapping/>
-  </p:clrMapOvr>
-  <p:timing>
-    <p:tnLst>
-      <p:par>
-        <p:cTn id="1" dur="indefinite" restart="never" nodeType="tmRoot"/>
-      </p:par>
-    </p:tnLst>
-  </p:timing>
-</p:sld>
-</file>
-
-<file path=ppt/slides/slide30.xml><?xml version="1.0" encoding="utf-8"?>
+<file path=ppt/slides/slide31.xml><?xml version="1.0" encoding="utf-8"?>
 <p:sld xmlns:a="http://schemas.openxmlformats.org/drawingml/2006/main" xmlns:r="http://schemas.openxmlformats.org/officeDocument/2006/relationships" xmlns:p="http://schemas.openxmlformats.org/presentationml/2006/main">
   <p:cSld>
     <p:spTree>
@@ -15066,7 +15185,7 @@
 </p:sld>
 </file>
 
-<file path=ppt/slides/slide31.xml><?xml version="1.0" encoding="utf-8"?>
+<file path=ppt/slides/slide32.xml><?xml version="1.0" encoding="utf-8"?>
 <p:sld xmlns:a="http://schemas.openxmlformats.org/drawingml/2006/main" xmlns:r="http://schemas.openxmlformats.org/officeDocument/2006/relationships" xmlns:p="http://schemas.openxmlformats.org/presentationml/2006/main">
   <p:cSld>
     <p:spTree>
@@ -15645,432 +15764,6 @@
 </p:sld>
 </file>
 
-<file path=ppt/slides/slide32.xml><?xml version="1.0" encoding="utf-8"?>
-<p:sld xmlns:a="http://schemas.openxmlformats.org/drawingml/2006/main" xmlns:r="http://schemas.openxmlformats.org/officeDocument/2006/relationships" xmlns:p="http://schemas.openxmlformats.org/presentationml/2006/main">
-  <p:cSld>
-    <p:spTree>
-      <p:nvGrpSpPr>
-        <p:cNvPr id="1" name=""/>
-        <p:cNvGrpSpPr/>
-        <p:nvPr/>
-      </p:nvGrpSpPr>
-      <p:grpSpPr>
-        <a:xfrm>
-          <a:off x="0" y="0"/>
-          <a:ext cx="0" cy="0"/>
-          <a:chOff x="0" y="0"/>
-          <a:chExt cx="0" cy="0"/>
-        </a:xfrm>
-      </p:grpSpPr>
-      <p:sp>
-        <p:nvSpPr>
-          <p:cNvPr id="2" name="CasellaDiTesto 1"/>
-          <p:cNvSpPr txBox="1"/>
-          <p:nvPr/>
-        </p:nvSpPr>
-        <p:spPr>
-          <a:xfrm>
-            <a:off x="3357554" y="214290"/>
-            <a:ext cx="1800493" cy="369332"/>
-          </a:xfrm>
-          <a:prstGeom prst="rect">
-            <a:avLst/>
-          </a:prstGeom>
-          <a:noFill/>
-        </p:spPr>
-        <p:txBody>
-          <a:bodyPr wrap="none" rtlCol="0">
-            <a:spAutoFit/>
-          </a:bodyPr>
-          <a:lstStyle/>
-          <a:p>
-            <a:r>
-              <a:rPr lang="it-IT" b="1" dirty="0" smtClean="0">
-                <a:latin typeface="Arial" pitchFamily="34" charset="0"/>
-                <a:cs typeface="Arial" pitchFamily="34" charset="0"/>
-              </a:rPr>
-              <a:t>CONCLUSIONI</a:t>
-            </a:r>
-            <a:endParaRPr lang="it-IT" b="1" dirty="0">
-              <a:latin typeface="Arial" pitchFamily="34" charset="0"/>
-              <a:cs typeface="Arial" pitchFamily="34" charset="0"/>
-            </a:endParaRPr>
-          </a:p>
-        </p:txBody>
-      </p:sp>
-      <p:sp>
-        <p:nvSpPr>
-          <p:cNvPr id="3" name="CasellaDiTesto 2"/>
-          <p:cNvSpPr txBox="1"/>
-          <p:nvPr/>
-        </p:nvSpPr>
-        <p:spPr>
-          <a:xfrm>
-            <a:off x="0" y="857232"/>
-            <a:ext cx="8340745" cy="1754326"/>
-          </a:xfrm>
-          <a:prstGeom prst="rect">
-            <a:avLst/>
-          </a:prstGeom>
-          <a:noFill/>
-        </p:spPr>
-        <p:txBody>
-          <a:bodyPr wrap="none" rtlCol="0">
-            <a:spAutoFit/>
-          </a:bodyPr>
-          <a:lstStyle/>
-          <a:p>
-            <a:r>
-              <a:rPr lang="it-IT" b="1" dirty="0" smtClean="0">
-                <a:latin typeface="Arial" pitchFamily="34" charset="0"/>
-                <a:cs typeface="Arial" pitchFamily="34" charset="0"/>
-              </a:rPr>
-              <a:t>Cosa è andato per il verso giusto</a:t>
-            </a:r>
-          </a:p>
-          <a:p>
-            <a:pPr>
-              <a:buFontTx/>
-              <a:buChar char="-"/>
-            </a:pPr>
-            <a:r>
-              <a:rPr lang="it-IT" dirty="0" smtClean="0">
-                <a:latin typeface="Arial" pitchFamily="34" charset="0"/>
-                <a:cs typeface="Arial" pitchFamily="34" charset="0"/>
-              </a:rPr>
-              <a:t>La stesura del RAD e dell’SDD in tutte le loro versioni non ha creato molti </a:t>
-            </a:r>
-          </a:p>
-          <a:p>
-            <a:r>
-              <a:rPr lang="it-IT" dirty="0" smtClean="0">
-                <a:latin typeface="Arial" pitchFamily="34" charset="0"/>
-                <a:cs typeface="Arial" pitchFamily="34" charset="0"/>
-              </a:rPr>
-              <a:t>Problemi al team che ha da subito capito i </a:t>
-            </a:r>
-            <a:r>
-              <a:rPr lang="it-IT" dirty="0" err="1" smtClean="0">
-                <a:latin typeface="Arial" pitchFamily="34" charset="0"/>
-                <a:cs typeface="Arial" pitchFamily="34" charset="0"/>
-              </a:rPr>
-              <a:t>goals</a:t>
-            </a:r>
-            <a:r>
-              <a:rPr lang="it-IT" dirty="0" smtClean="0">
-                <a:latin typeface="Arial" pitchFamily="34" charset="0"/>
-                <a:cs typeface="Arial" pitchFamily="34" charset="0"/>
-              </a:rPr>
-              <a:t> su cui si focalizzava il sistema .</a:t>
-            </a:r>
-          </a:p>
-          <a:p>
-            <a:r>
-              <a:rPr lang="it-IT" dirty="0" smtClean="0">
-                <a:latin typeface="Arial" pitchFamily="34" charset="0"/>
-                <a:cs typeface="Arial" pitchFamily="34" charset="0"/>
-              </a:rPr>
-              <a:t>Entrambi i due documenti sono stati raffinati al crescere della conoscenza della </a:t>
-            </a:r>
-          </a:p>
-          <a:p>
-            <a:r>
-              <a:rPr lang="it-IT" dirty="0" smtClean="0">
-                <a:latin typeface="Arial" pitchFamily="34" charset="0"/>
-                <a:cs typeface="Arial" pitchFamily="34" charset="0"/>
-              </a:rPr>
-              <a:t>Materia e non è stato difficile comunicare con il team per suddividere il lavoro.</a:t>
-            </a:r>
-          </a:p>
-          <a:p>
-            <a:endParaRPr lang="it-IT" dirty="0" smtClean="0"/>
-          </a:p>
-        </p:txBody>
-      </p:sp>
-      <p:sp>
-        <p:nvSpPr>
-          <p:cNvPr id="4" name="CasellaDiTesto 3"/>
-          <p:cNvSpPr txBox="1"/>
-          <p:nvPr/>
-        </p:nvSpPr>
-        <p:spPr>
-          <a:xfrm>
-            <a:off x="0" y="2285992"/>
-            <a:ext cx="9123010" cy="3693319"/>
-          </a:xfrm>
-          <a:prstGeom prst="rect">
-            <a:avLst/>
-          </a:prstGeom>
-          <a:noFill/>
-        </p:spPr>
-        <p:txBody>
-          <a:bodyPr wrap="none" rtlCol="0">
-            <a:spAutoFit/>
-          </a:bodyPr>
-          <a:lstStyle/>
-          <a:p>
-            <a:r>
-              <a:rPr lang="it-IT" b="1" dirty="0" smtClean="0">
-                <a:latin typeface="Arial" pitchFamily="34" charset="0"/>
-                <a:cs typeface="Arial" pitchFamily="34" charset="0"/>
-              </a:rPr>
-              <a:t>Cosa è andato per il verso sbagliato</a:t>
-            </a:r>
-          </a:p>
-          <a:p>
-            <a:pPr>
-              <a:buFontTx/>
-              <a:buChar char="-"/>
-            </a:pPr>
-            <a:r>
-              <a:rPr lang="it-IT" dirty="0" smtClean="0">
-                <a:latin typeface="Arial" pitchFamily="34" charset="0"/>
-                <a:cs typeface="Arial" pitchFamily="34" charset="0"/>
-              </a:rPr>
-              <a:t>La </a:t>
-            </a:r>
-            <a:r>
-              <a:rPr lang="it-IT" dirty="0" err="1" smtClean="0">
-                <a:latin typeface="Arial" pitchFamily="34" charset="0"/>
-                <a:cs typeface="Arial" pitchFamily="34" charset="0"/>
-              </a:rPr>
-              <a:t>stesusa</a:t>
-            </a:r>
-            <a:r>
-              <a:rPr lang="it-IT" dirty="0" smtClean="0">
-                <a:latin typeface="Arial" pitchFamily="34" charset="0"/>
-                <a:cs typeface="Arial" pitchFamily="34" charset="0"/>
-              </a:rPr>
-              <a:t> dell’ODD e parte dell’implementazione ha portato qualche problema</a:t>
-            </a:r>
-          </a:p>
-          <a:p>
-            <a:r>
-              <a:rPr lang="it-IT" dirty="0" smtClean="0">
-                <a:latin typeface="Arial" pitchFamily="34" charset="0"/>
-                <a:cs typeface="Arial" pitchFamily="34" charset="0"/>
-              </a:rPr>
-              <a:t>All’intero gruppo per varie motivazioni:</a:t>
-            </a:r>
-          </a:p>
-          <a:p>
-            <a:r>
-              <a:rPr lang="it-IT" dirty="0">
-                <a:latin typeface="Arial" pitchFamily="34" charset="0"/>
-                <a:cs typeface="Arial" pitchFamily="34" charset="0"/>
-              </a:rPr>
-              <a:t> </a:t>
-            </a:r>
-            <a:r>
-              <a:rPr lang="it-IT" dirty="0" smtClean="0">
-                <a:latin typeface="Arial" pitchFamily="34" charset="0"/>
-                <a:cs typeface="Arial" pitchFamily="34" charset="0"/>
-              </a:rPr>
-              <a:t>  1. L’intero gruppo di lavoro ha appreso due nuovi linguaggi di programmazione</a:t>
-            </a:r>
-          </a:p>
-          <a:p>
-            <a:r>
-              <a:rPr lang="it-IT" dirty="0" smtClean="0">
-                <a:latin typeface="Arial" pitchFamily="34" charset="0"/>
-                <a:cs typeface="Arial" pitchFamily="34" charset="0"/>
-              </a:rPr>
-              <a:t>       per l’implementazione di conseguenza il tempo per costruire il sistema è stato</a:t>
-            </a:r>
-          </a:p>
-          <a:p>
-            <a:r>
-              <a:rPr lang="it-IT" dirty="0" smtClean="0">
-                <a:latin typeface="Arial" pitchFamily="34" charset="0"/>
-                <a:cs typeface="Arial" pitchFamily="34" charset="0"/>
-              </a:rPr>
-              <a:t>       ridotto per poter apprendere JSP/</a:t>
-            </a:r>
-            <a:r>
-              <a:rPr lang="it-IT" dirty="0" err="1" smtClean="0">
-                <a:latin typeface="Arial" pitchFamily="34" charset="0"/>
-                <a:cs typeface="Arial" pitchFamily="34" charset="0"/>
-              </a:rPr>
-              <a:t>Servlet</a:t>
-            </a:r>
-            <a:r>
-              <a:rPr lang="it-IT" dirty="0" smtClean="0">
-                <a:latin typeface="Arial" pitchFamily="34" charset="0"/>
-                <a:cs typeface="Arial" pitchFamily="34" charset="0"/>
-              </a:rPr>
-              <a:t> e RMI.</a:t>
-            </a:r>
-          </a:p>
-          <a:p>
-            <a:r>
-              <a:rPr lang="it-IT" dirty="0">
-                <a:latin typeface="Arial" pitchFamily="34" charset="0"/>
-                <a:cs typeface="Arial" pitchFamily="34" charset="0"/>
-              </a:rPr>
-              <a:t> </a:t>
-            </a:r>
-            <a:r>
-              <a:rPr lang="it-IT" dirty="0" smtClean="0">
-                <a:latin typeface="Arial" pitchFamily="34" charset="0"/>
-                <a:cs typeface="Arial" pitchFamily="34" charset="0"/>
-              </a:rPr>
-              <a:t>      In ogni caso tutte le funzionalità richieste sono state implementate e testate.</a:t>
-            </a:r>
-          </a:p>
-          <a:p>
-            <a:r>
-              <a:rPr lang="it-IT" dirty="0">
-                <a:latin typeface="Arial" pitchFamily="34" charset="0"/>
-                <a:cs typeface="Arial" pitchFamily="34" charset="0"/>
-              </a:rPr>
-              <a:t> </a:t>
-            </a:r>
-            <a:r>
-              <a:rPr lang="it-IT" dirty="0" smtClean="0">
-                <a:latin typeface="Arial" pitchFamily="34" charset="0"/>
-                <a:cs typeface="Arial" pitchFamily="34" charset="0"/>
-              </a:rPr>
-              <a:t>   2. Non abituati ad implementare un sistema più corposo di un semplice programma</a:t>
-            </a:r>
-          </a:p>
-          <a:p>
-            <a:r>
-              <a:rPr lang="it-IT" dirty="0">
-                <a:latin typeface="Arial" pitchFamily="34" charset="0"/>
-                <a:cs typeface="Arial" pitchFamily="34" charset="0"/>
-              </a:rPr>
-              <a:t> </a:t>
-            </a:r>
-            <a:r>
-              <a:rPr lang="it-IT" dirty="0" smtClean="0">
-                <a:latin typeface="Arial" pitchFamily="34" charset="0"/>
-                <a:cs typeface="Arial" pitchFamily="34" charset="0"/>
-              </a:rPr>
-              <a:t>      a scopo didattico e non avendo implementato mai parallelamente ad altre persone</a:t>
-            </a:r>
-          </a:p>
-          <a:p>
-            <a:r>
-              <a:rPr lang="it-IT" dirty="0" smtClean="0">
-                <a:latin typeface="Arial" pitchFamily="34" charset="0"/>
-                <a:cs typeface="Arial" pitchFamily="34" charset="0"/>
-              </a:rPr>
-              <a:t>       Non è stato semplice gestire ogni versione dell’implementazione per poi riutilizzarla</a:t>
-            </a:r>
-          </a:p>
-          <a:p>
-            <a:r>
-              <a:rPr lang="it-IT" dirty="0">
-                <a:latin typeface="Arial" pitchFamily="34" charset="0"/>
-                <a:cs typeface="Arial" pitchFamily="34" charset="0"/>
-              </a:rPr>
-              <a:t> </a:t>
-            </a:r>
-            <a:r>
-              <a:rPr lang="it-IT" dirty="0" smtClean="0">
-                <a:latin typeface="Arial" pitchFamily="34" charset="0"/>
-                <a:cs typeface="Arial" pitchFamily="34" charset="0"/>
-              </a:rPr>
-              <a:t>      nel proprio sottosistema</a:t>
-            </a:r>
-          </a:p>
-          <a:p>
-            <a:endParaRPr lang="it-IT" dirty="0" smtClean="0">
-              <a:latin typeface="Arial" pitchFamily="34" charset="0"/>
-              <a:cs typeface="Arial" pitchFamily="34" charset="0"/>
-            </a:endParaRPr>
-          </a:p>
-          <a:p>
-            <a:r>
-              <a:rPr lang="it-IT" dirty="0"/>
-              <a:t> </a:t>
-            </a:r>
-            <a:r>
-              <a:rPr lang="it-IT" dirty="0" smtClean="0"/>
-              <a:t>     </a:t>
-            </a:r>
-            <a:endParaRPr lang="it-IT" dirty="0"/>
-          </a:p>
-        </p:txBody>
-      </p:sp>
-      <p:sp>
-        <p:nvSpPr>
-          <p:cNvPr id="5" name="CasellaDiTesto 4"/>
-          <p:cNvSpPr txBox="1"/>
-          <p:nvPr/>
-        </p:nvSpPr>
-        <p:spPr>
-          <a:xfrm>
-            <a:off x="0" y="5429264"/>
-            <a:ext cx="8917826" cy="1200329"/>
-          </a:xfrm>
-          <a:prstGeom prst="rect">
-            <a:avLst/>
-          </a:prstGeom>
-          <a:noFill/>
-        </p:spPr>
-        <p:txBody>
-          <a:bodyPr wrap="none" rtlCol="0">
-            <a:spAutoFit/>
-          </a:bodyPr>
-          <a:lstStyle/>
-          <a:p>
-            <a:r>
-              <a:rPr lang="it-IT" b="1" dirty="0" smtClean="0">
-                <a:latin typeface="Arial" pitchFamily="34" charset="0"/>
-                <a:cs typeface="Arial" pitchFamily="34" charset="0"/>
-              </a:rPr>
-              <a:t>Cosa poteva essere fatto diversamente:</a:t>
-            </a:r>
-          </a:p>
-          <a:p>
-            <a:r>
-              <a:rPr lang="it-IT" dirty="0" smtClean="0">
-                <a:latin typeface="Arial" pitchFamily="34" charset="0"/>
-                <a:cs typeface="Arial" pitchFamily="34" charset="0"/>
-              </a:rPr>
-              <a:t>Per le problematiche già spiegate precedentemente e per la mancanza di </a:t>
-            </a:r>
-          </a:p>
-          <a:p>
-            <a:r>
-              <a:rPr lang="it-IT" dirty="0" smtClean="0">
-                <a:latin typeface="Arial" pitchFamily="34" charset="0"/>
-                <a:cs typeface="Arial" pitchFamily="34" charset="0"/>
-              </a:rPr>
-              <a:t>tempo necessario: l’implementazione a livello di leggibilità poteva sicuramente essere</a:t>
-            </a:r>
-          </a:p>
-          <a:p>
-            <a:r>
-              <a:rPr lang="it-IT" dirty="0" smtClean="0">
-                <a:latin typeface="Arial" pitchFamily="34" charset="0"/>
-                <a:cs typeface="Arial" pitchFamily="34" charset="0"/>
-              </a:rPr>
-              <a:t> migliorata </a:t>
-            </a:r>
-            <a:endParaRPr lang="it-IT" dirty="0">
-              <a:latin typeface="Arial" pitchFamily="34" charset="0"/>
-              <a:cs typeface="Arial" pitchFamily="34" charset="0"/>
-            </a:endParaRPr>
-          </a:p>
-        </p:txBody>
-      </p:sp>
-    </p:spTree>
-  </p:cSld>
-  <p:clrMapOvr>
-    <a:masterClrMapping/>
-  </p:clrMapOvr>
-  <p:timing>
-    <p:tnLst>
-      <p:par>
-        <p:cTn id="1" dur="indefinite" restart="never" nodeType="tmRoot"/>
-      </p:par>
-    </p:tnLst>
-  </p:timing>
-</p:sld>
-</file>
-
 <file path=ppt/slides/slide33.xml><?xml version="1.0" encoding="utf-8"?>
 <p:sld xmlns:a="http://schemas.openxmlformats.org/drawingml/2006/main" xmlns:r="http://schemas.openxmlformats.org/officeDocument/2006/relationships" xmlns:p="http://schemas.openxmlformats.org/presentationml/2006/main">
   <p:cSld>
@@ -16132,8 +15825,8 @@
         </p:nvSpPr>
         <p:spPr>
           <a:xfrm>
-            <a:off x="142844" y="785794"/>
-            <a:ext cx="4083169" cy="369332"/>
+            <a:off x="0" y="857232"/>
+            <a:ext cx="8340745" cy="1754326"/>
           </a:xfrm>
           <a:prstGeom prst="rect">
             <a:avLst/>
@@ -16151,12 +15844,65 @@
                 <a:latin typeface="Arial" pitchFamily="34" charset="0"/>
                 <a:cs typeface="Arial" pitchFamily="34" charset="0"/>
               </a:rPr>
-              <a:t>Quanto è “buono” il nostro sistema</a:t>
-            </a:r>
-            <a:endParaRPr lang="it-IT" b="1" dirty="0">
-              <a:latin typeface="Arial" pitchFamily="34" charset="0"/>
-              <a:cs typeface="Arial" pitchFamily="34" charset="0"/>
-            </a:endParaRPr>
+              <a:t>Cosa è andato per il verso giusto</a:t>
+            </a:r>
+          </a:p>
+          <a:p>
+            <a:pPr>
+              <a:buFontTx/>
+              <a:buChar char="-"/>
+            </a:pPr>
+            <a:r>
+              <a:rPr lang="it-IT" dirty="0" smtClean="0">
+                <a:latin typeface="Arial" pitchFamily="34" charset="0"/>
+                <a:cs typeface="Arial" pitchFamily="34" charset="0"/>
+              </a:rPr>
+              <a:t>La stesura del RAD e dell’SDD in tutte le loro versioni non ha creato molti </a:t>
+            </a:r>
+          </a:p>
+          <a:p>
+            <a:r>
+              <a:rPr lang="it-IT" dirty="0" smtClean="0">
+                <a:latin typeface="Arial" pitchFamily="34" charset="0"/>
+                <a:cs typeface="Arial" pitchFamily="34" charset="0"/>
+              </a:rPr>
+              <a:t>Problemi al team che ha da subito capito i </a:t>
+            </a:r>
+            <a:r>
+              <a:rPr lang="it-IT" dirty="0" err="1" smtClean="0">
+                <a:latin typeface="Arial" pitchFamily="34" charset="0"/>
+                <a:cs typeface="Arial" pitchFamily="34" charset="0"/>
+              </a:rPr>
+              <a:t>goals</a:t>
+            </a:r>
+            <a:r>
+              <a:rPr lang="it-IT" dirty="0" smtClean="0">
+                <a:latin typeface="Arial" pitchFamily="34" charset="0"/>
+                <a:cs typeface="Arial" pitchFamily="34" charset="0"/>
+              </a:rPr>
+              <a:t> su cui si focalizzava il sistema .</a:t>
+            </a:r>
+          </a:p>
+          <a:p>
+            <a:r>
+              <a:rPr lang="it-IT" dirty="0" smtClean="0">
+                <a:latin typeface="Arial" pitchFamily="34" charset="0"/>
+                <a:cs typeface="Arial" pitchFamily="34" charset="0"/>
+              </a:rPr>
+              <a:t>Entrambi i due documenti sono stati raffinati al crescere della conoscenza della </a:t>
+            </a:r>
+          </a:p>
+          <a:p>
+            <a:r>
+              <a:rPr lang="it-IT" dirty="0" smtClean="0">
+                <a:latin typeface="Arial" pitchFamily="34" charset="0"/>
+                <a:cs typeface="Arial" pitchFamily="34" charset="0"/>
+              </a:rPr>
+              <a:t>Materia e non è stato difficile comunicare con il team per suddividere il lavoro.</a:t>
+            </a:r>
+          </a:p>
+          <a:p>
+            <a:endParaRPr lang="it-IT" dirty="0" smtClean="0"/>
           </a:p>
         </p:txBody>
       </p:sp>
@@ -16168,8 +15914,8 @@
         </p:nvSpPr>
         <p:spPr>
           <a:xfrm>
-            <a:off x="142844" y="1214422"/>
-            <a:ext cx="8957413" cy="2031325"/>
+            <a:off x="0" y="2285992"/>
+            <a:ext cx="9123010" cy="3693319"/>
           </a:xfrm>
           <a:prstGeom prst="rect">
             <a:avLst/>
@@ -16177,87 +15923,191 @@
           <a:noFill/>
         </p:spPr>
         <p:txBody>
-          <a:bodyPr wrap="square" rtlCol="0">
+          <a:bodyPr wrap="none" rtlCol="0">
             <a:spAutoFit/>
           </a:bodyPr>
           <a:lstStyle/>
           <a:p>
             <a:r>
+              <a:rPr lang="it-IT" b="1" dirty="0" smtClean="0">
+                <a:latin typeface="Arial" pitchFamily="34" charset="0"/>
+                <a:cs typeface="Arial" pitchFamily="34" charset="0"/>
+              </a:rPr>
+              <a:t>Cosa è andato per il verso sbagliato</a:t>
+            </a:r>
+          </a:p>
+          <a:p>
+            <a:pPr>
+              <a:buFontTx/>
+              <a:buChar char="-"/>
+            </a:pPr>
+            <a:r>
+              <a:rPr lang="it-IT" dirty="0" smtClean="0">
+                <a:latin typeface="Arial" pitchFamily="34" charset="0"/>
+                <a:cs typeface="Arial" pitchFamily="34" charset="0"/>
+              </a:rPr>
+              <a:t>La </a:t>
+            </a:r>
+            <a:r>
+              <a:rPr lang="it-IT" dirty="0" err="1" smtClean="0">
+                <a:latin typeface="Arial" pitchFamily="34" charset="0"/>
+                <a:cs typeface="Arial" pitchFamily="34" charset="0"/>
+              </a:rPr>
+              <a:t>stesusa</a:t>
+            </a:r>
+            <a:r>
+              <a:rPr lang="it-IT" dirty="0" smtClean="0">
+                <a:latin typeface="Arial" pitchFamily="34" charset="0"/>
+                <a:cs typeface="Arial" pitchFamily="34" charset="0"/>
+              </a:rPr>
+              <a:t> dell’ODD e parte dell’implementazione ha portato qualche problema</a:t>
+            </a:r>
+          </a:p>
+          <a:p>
+            <a:r>
+              <a:rPr lang="it-IT" dirty="0" smtClean="0">
+                <a:latin typeface="Arial" pitchFamily="34" charset="0"/>
+                <a:cs typeface="Arial" pitchFamily="34" charset="0"/>
+              </a:rPr>
+              <a:t>All’intero gruppo per varie motivazioni:</a:t>
+            </a:r>
+          </a:p>
+          <a:p>
+            <a:r>
+              <a:rPr lang="it-IT" dirty="0">
+                <a:latin typeface="Arial" pitchFamily="34" charset="0"/>
+                <a:cs typeface="Arial" pitchFamily="34" charset="0"/>
+              </a:rPr>
+              <a:t> </a:t>
+            </a:r>
+            <a:r>
+              <a:rPr lang="it-IT" dirty="0" smtClean="0">
+                <a:latin typeface="Arial" pitchFamily="34" charset="0"/>
+                <a:cs typeface="Arial" pitchFamily="34" charset="0"/>
+              </a:rPr>
+              <a:t>  1. L’intero gruppo di lavoro ha appreso due nuovi linguaggi di programmazione</a:t>
+            </a:r>
+          </a:p>
+          <a:p>
+            <a:r>
+              <a:rPr lang="it-IT" dirty="0" smtClean="0">
+                <a:latin typeface="Arial" pitchFamily="34" charset="0"/>
+                <a:cs typeface="Arial" pitchFamily="34" charset="0"/>
+              </a:rPr>
+              <a:t>       per l’implementazione di conseguenza il tempo per costruire il sistema è stato</a:t>
+            </a:r>
+          </a:p>
+          <a:p>
+            <a:r>
+              <a:rPr lang="it-IT" dirty="0" smtClean="0">
+                <a:latin typeface="Arial" pitchFamily="34" charset="0"/>
+                <a:cs typeface="Arial" pitchFamily="34" charset="0"/>
+              </a:rPr>
+              <a:t>       ridotto per poter apprendere JSP/</a:t>
+            </a:r>
+            <a:r>
+              <a:rPr lang="it-IT" dirty="0" err="1" smtClean="0">
+                <a:latin typeface="Arial" pitchFamily="34" charset="0"/>
+                <a:cs typeface="Arial" pitchFamily="34" charset="0"/>
+              </a:rPr>
+              <a:t>Servlet</a:t>
+            </a:r>
+            <a:r>
+              <a:rPr lang="it-IT" dirty="0" smtClean="0">
+                <a:latin typeface="Arial" pitchFamily="34" charset="0"/>
+                <a:cs typeface="Arial" pitchFamily="34" charset="0"/>
+              </a:rPr>
+              <a:t> e RMI.</a:t>
+            </a:r>
+          </a:p>
+          <a:p>
+            <a:r>
+              <a:rPr lang="it-IT" dirty="0">
+                <a:latin typeface="Arial" pitchFamily="34" charset="0"/>
+                <a:cs typeface="Arial" pitchFamily="34" charset="0"/>
+              </a:rPr>
+              <a:t> </a:t>
+            </a:r>
+            <a:r>
+              <a:rPr lang="it-IT" dirty="0" smtClean="0">
+                <a:latin typeface="Arial" pitchFamily="34" charset="0"/>
+                <a:cs typeface="Arial" pitchFamily="34" charset="0"/>
+              </a:rPr>
+              <a:t>      In ogni caso tutte le funzionalità richieste sono state implementate e testate.</a:t>
+            </a:r>
+          </a:p>
+          <a:p>
+            <a:r>
+              <a:rPr lang="it-IT" dirty="0">
+                <a:latin typeface="Arial" pitchFamily="34" charset="0"/>
+                <a:cs typeface="Arial" pitchFamily="34" charset="0"/>
+              </a:rPr>
+              <a:t> </a:t>
+            </a:r>
+            <a:r>
+              <a:rPr lang="it-IT" dirty="0" smtClean="0">
+                <a:latin typeface="Arial" pitchFamily="34" charset="0"/>
+                <a:cs typeface="Arial" pitchFamily="34" charset="0"/>
+              </a:rPr>
+              <a:t>   2. Non abituati ad implementare un sistema più corposo di un semplice programma</a:t>
+            </a:r>
+          </a:p>
+          <a:p>
+            <a:r>
+              <a:rPr lang="it-IT" dirty="0">
+                <a:latin typeface="Arial" pitchFamily="34" charset="0"/>
+                <a:cs typeface="Arial" pitchFamily="34" charset="0"/>
+              </a:rPr>
+              <a:t> </a:t>
+            </a:r>
+            <a:r>
+              <a:rPr lang="it-IT" dirty="0" smtClean="0">
+                <a:latin typeface="Arial" pitchFamily="34" charset="0"/>
+                <a:cs typeface="Arial" pitchFamily="34" charset="0"/>
+              </a:rPr>
+              <a:t>      a scopo didattico e non avendo implementato mai parallelamente ad altre persone</a:t>
+            </a:r>
+          </a:p>
+          <a:p>
+            <a:r>
+              <a:rPr lang="it-IT" dirty="0" smtClean="0">
+                <a:latin typeface="Arial" pitchFamily="34" charset="0"/>
+                <a:cs typeface="Arial" pitchFamily="34" charset="0"/>
+              </a:rPr>
+              <a:t>       Non è stato semplice gestire ogni versione dell’implementazione per poi riutilizzarla</a:t>
+            </a:r>
+          </a:p>
+          <a:p>
+            <a:r>
+              <a:rPr lang="it-IT" dirty="0">
+                <a:latin typeface="Arial" pitchFamily="34" charset="0"/>
+                <a:cs typeface="Arial" pitchFamily="34" charset="0"/>
+              </a:rPr>
+              <a:t> </a:t>
+            </a:r>
+            <a:r>
+              <a:rPr lang="it-IT" dirty="0" smtClean="0">
+                <a:latin typeface="Arial" pitchFamily="34" charset="0"/>
+                <a:cs typeface="Arial" pitchFamily="34" charset="0"/>
+              </a:rPr>
+              <a:t>      nel proprio sottosistema</a:t>
+            </a:r>
+          </a:p>
+          <a:p>
+            <a:endParaRPr lang="it-IT" dirty="0" smtClean="0">
+              <a:latin typeface="Arial" pitchFamily="34" charset="0"/>
+              <a:cs typeface="Arial" pitchFamily="34" charset="0"/>
+            </a:endParaRPr>
+          </a:p>
+          <a:p>
+            <a:r>
+              <a:rPr lang="it-IT" dirty="0"/>
+              <a:t> </a:t>
+            </a:r>
+            <a:r>
               <a:rPr lang="it-IT" dirty="0" smtClean="0"/>
-              <a:t>Ogni requisito funzionale </a:t>
-            </a:r>
-            <a:r>
-              <a:rPr lang="it-IT" dirty="0" err="1" smtClean="0"/>
-              <a:t>use</a:t>
-            </a:r>
-            <a:r>
-              <a:rPr lang="it-IT" dirty="0" smtClean="0"/>
-              <a:t> </a:t>
-            </a:r>
-            <a:r>
-              <a:rPr lang="it-IT" dirty="0" err="1" smtClean="0"/>
-              <a:t>cases</a:t>
-            </a:r>
-            <a:r>
-              <a:rPr lang="it-IT" dirty="0" smtClean="0"/>
-              <a:t> e scenario è tracciabile .</a:t>
-            </a:r>
-          </a:p>
-          <a:p>
-            <a:r>
-              <a:rPr lang="it-IT" dirty="0" smtClean="0"/>
-              <a:t>A parte i problemi  elencati precedentemente a livello di implementazione il</a:t>
-            </a:r>
-          </a:p>
-          <a:p>
-            <a:r>
-              <a:rPr lang="it-IT" dirty="0" smtClean="0"/>
-              <a:t>Sistema </a:t>
-            </a:r>
-            <a:r>
-              <a:rPr lang="it-IT" dirty="0" err="1" smtClean="0"/>
-              <a:t>CBUnisa</a:t>
-            </a:r>
-            <a:r>
-              <a:rPr lang="it-IT" dirty="0" smtClean="0"/>
-              <a:t> rispecchia tutti i requisiti funzionali  e non funzionali</a:t>
-            </a:r>
-          </a:p>
-          <a:p>
-            <a:r>
-              <a:rPr lang="it-IT" dirty="0" smtClean="0"/>
-              <a:t>(già commentato nel </a:t>
-            </a:r>
-            <a:r>
-              <a:rPr lang="it-IT" dirty="0" err="1" smtClean="0"/>
-              <a:t>finish</a:t>
-            </a:r>
-            <a:r>
-              <a:rPr lang="it-IT" dirty="0" smtClean="0"/>
-              <a:t> </a:t>
-            </a:r>
-            <a:r>
-              <a:rPr lang="it-IT" dirty="0" err="1" smtClean="0"/>
-              <a:t>product</a:t>
-            </a:r>
-            <a:r>
-              <a:rPr lang="it-IT" dirty="0" smtClean="0"/>
-              <a:t>).</a:t>
-            </a:r>
-          </a:p>
-          <a:p>
-            <a:r>
-              <a:rPr lang="it-IT" dirty="0" smtClean="0"/>
-              <a:t>Il livello application (cioè l’intera logica applicativa del sistema) è stato più volte</a:t>
-            </a:r>
-          </a:p>
-          <a:p>
-            <a:r>
-              <a:rPr lang="it-IT" dirty="0" smtClean="0"/>
-              <a:t>Testato e revisionato da tutto il team.</a:t>
-            </a:r>
-          </a:p>
-          <a:p>
+              <a:t>     </a:t>
+            </a:r>
             <a:endParaRPr lang="it-IT" dirty="0"/>
           </a:p>
         </p:txBody>
@@ -16270,8 +16120,8 @@
         </p:nvSpPr>
         <p:spPr>
           <a:xfrm>
-            <a:off x="0" y="5474096"/>
-            <a:ext cx="9005992" cy="1200329"/>
+            <a:off x="0" y="5429264"/>
+            <a:ext cx="8917826" cy="1200329"/>
           </a:xfrm>
           <a:prstGeom prst="rect">
             <a:avLst/>
@@ -16285,43 +16135,40 @@
           <a:lstStyle/>
           <a:p>
             <a:r>
-              <a:rPr lang="it-IT" sz="2400" b="1" dirty="0" smtClean="0">
-                <a:solidFill>
-                  <a:srgbClr val="FF0000"/>
-                </a:solidFill>
-                <a:latin typeface="Arial" pitchFamily="34" charset="0"/>
-                <a:cs typeface="Arial" pitchFamily="34" charset="0"/>
-              </a:rPr>
-              <a:t>Parlate di problemi inerenti prettamente al vostro sotto team</a:t>
-            </a:r>
-          </a:p>
-          <a:p>
-            <a:r>
-              <a:rPr lang="it-IT" sz="2400" b="1" dirty="0" smtClean="0">
-                <a:solidFill>
-                  <a:srgbClr val="FF0000"/>
-                </a:solidFill>
-                <a:latin typeface="Arial" pitchFamily="34" charset="0"/>
-                <a:cs typeface="Arial" pitchFamily="34" charset="0"/>
-              </a:rPr>
-              <a:t>Dite anche cose positive</a:t>
-            </a:r>
-          </a:p>
-          <a:p>
-            <a:r>
-              <a:rPr lang="it-IT" sz="2400" b="1" dirty="0" smtClean="0">
-                <a:solidFill>
-                  <a:srgbClr val="FF0000"/>
-                </a:solidFill>
-                <a:latin typeface="Arial" pitchFamily="34" charset="0"/>
-                <a:cs typeface="Arial" pitchFamily="34" charset="0"/>
-              </a:rPr>
-              <a:t>Fatevi aiutare dal questionario</a:t>
-            </a:r>
-            <a:endParaRPr lang="it-IT" sz="2400" b="1" dirty="0">
-              <a:solidFill>
-                <a:srgbClr val="FF0000"/>
-              </a:solidFill>
+              <a:rPr lang="it-IT" b="1" dirty="0" smtClean="0">
+                <a:latin typeface="Arial" pitchFamily="34" charset="0"/>
+                <a:cs typeface="Arial" pitchFamily="34" charset="0"/>
+              </a:rPr>
+              <a:t>Cosa poteva essere fatto diversamente:</a:t>
+            </a:r>
+          </a:p>
+          <a:p>
+            <a:r>
+              <a:rPr lang="it-IT" dirty="0" smtClean="0">
+                <a:latin typeface="Arial" pitchFamily="34" charset="0"/>
+                <a:cs typeface="Arial" pitchFamily="34" charset="0"/>
+              </a:rPr>
+              <a:t>Per le problematiche già spiegate precedentemente e per la mancanza di </a:t>
+            </a:r>
+          </a:p>
+          <a:p>
+            <a:r>
+              <a:rPr lang="it-IT" dirty="0" smtClean="0">
+                <a:latin typeface="Arial" pitchFamily="34" charset="0"/>
+                <a:cs typeface="Arial" pitchFamily="34" charset="0"/>
+              </a:rPr>
+              <a:t>tempo necessario: l’implementazione a livello di leggibilità poteva sicuramente essere</a:t>
+            </a:r>
+          </a:p>
+          <a:p>
+            <a:r>
+              <a:rPr lang="it-IT" dirty="0" smtClean="0">
+                <a:latin typeface="Arial" pitchFamily="34" charset="0"/>
+                <a:cs typeface="Arial" pitchFamily="34" charset="0"/>
+              </a:rPr>
+              <a:t> migliorata </a:t>
+            </a:r>
+            <a:endParaRPr lang="it-IT" dirty="0">
               <a:latin typeface="Arial" pitchFamily="34" charset="0"/>
               <a:cs typeface="Arial" pitchFamily="34" charset="0"/>
             </a:endParaRPr>
@@ -16344,6 +16191,278 @@
 </file>
 
 <file path=ppt/slides/slide34.xml><?xml version="1.0" encoding="utf-8"?>
+<p:sld xmlns:a="http://schemas.openxmlformats.org/drawingml/2006/main" xmlns:r="http://schemas.openxmlformats.org/officeDocument/2006/relationships" xmlns:p="http://schemas.openxmlformats.org/presentationml/2006/main">
+  <p:cSld>
+    <p:spTree>
+      <p:nvGrpSpPr>
+        <p:cNvPr id="1" name=""/>
+        <p:cNvGrpSpPr/>
+        <p:nvPr/>
+      </p:nvGrpSpPr>
+      <p:grpSpPr>
+        <a:xfrm>
+          <a:off x="0" y="0"/>
+          <a:ext cx="0" cy="0"/>
+          <a:chOff x="0" y="0"/>
+          <a:chExt cx="0" cy="0"/>
+        </a:xfrm>
+      </p:grpSpPr>
+      <p:sp>
+        <p:nvSpPr>
+          <p:cNvPr id="2" name="CasellaDiTesto 1"/>
+          <p:cNvSpPr txBox="1"/>
+          <p:nvPr/>
+        </p:nvSpPr>
+        <p:spPr>
+          <a:xfrm>
+            <a:off x="3357554" y="214290"/>
+            <a:ext cx="1800493" cy="369332"/>
+          </a:xfrm>
+          <a:prstGeom prst="rect">
+            <a:avLst/>
+          </a:prstGeom>
+          <a:noFill/>
+        </p:spPr>
+        <p:txBody>
+          <a:bodyPr wrap="none" rtlCol="0">
+            <a:spAutoFit/>
+          </a:bodyPr>
+          <a:lstStyle/>
+          <a:p>
+            <a:r>
+              <a:rPr lang="it-IT" b="1" dirty="0" smtClean="0">
+                <a:latin typeface="Arial" pitchFamily="34" charset="0"/>
+                <a:cs typeface="Arial" pitchFamily="34" charset="0"/>
+              </a:rPr>
+              <a:t>CONCLUSIONI</a:t>
+            </a:r>
+            <a:endParaRPr lang="it-IT" b="1" dirty="0">
+              <a:latin typeface="Arial" pitchFamily="34" charset="0"/>
+              <a:cs typeface="Arial" pitchFamily="34" charset="0"/>
+            </a:endParaRPr>
+          </a:p>
+        </p:txBody>
+      </p:sp>
+      <p:sp>
+        <p:nvSpPr>
+          <p:cNvPr id="3" name="CasellaDiTesto 2"/>
+          <p:cNvSpPr txBox="1"/>
+          <p:nvPr/>
+        </p:nvSpPr>
+        <p:spPr>
+          <a:xfrm>
+            <a:off x="142844" y="785794"/>
+            <a:ext cx="4083169" cy="369332"/>
+          </a:xfrm>
+          <a:prstGeom prst="rect">
+            <a:avLst/>
+          </a:prstGeom>
+          <a:noFill/>
+        </p:spPr>
+        <p:txBody>
+          <a:bodyPr wrap="none" rtlCol="0">
+            <a:spAutoFit/>
+          </a:bodyPr>
+          <a:lstStyle/>
+          <a:p>
+            <a:r>
+              <a:rPr lang="it-IT" b="1" dirty="0" smtClean="0">
+                <a:latin typeface="Arial" pitchFamily="34" charset="0"/>
+                <a:cs typeface="Arial" pitchFamily="34" charset="0"/>
+              </a:rPr>
+              <a:t>Quanto è “buono” il nostro sistema</a:t>
+            </a:r>
+            <a:endParaRPr lang="it-IT" b="1" dirty="0">
+              <a:latin typeface="Arial" pitchFamily="34" charset="0"/>
+              <a:cs typeface="Arial" pitchFamily="34" charset="0"/>
+            </a:endParaRPr>
+          </a:p>
+        </p:txBody>
+      </p:sp>
+      <p:sp>
+        <p:nvSpPr>
+          <p:cNvPr id="4" name="CasellaDiTesto 3"/>
+          <p:cNvSpPr txBox="1"/>
+          <p:nvPr/>
+        </p:nvSpPr>
+        <p:spPr>
+          <a:xfrm>
+            <a:off x="142844" y="1214422"/>
+            <a:ext cx="8957413" cy="2031325"/>
+          </a:xfrm>
+          <a:prstGeom prst="rect">
+            <a:avLst/>
+          </a:prstGeom>
+          <a:noFill/>
+        </p:spPr>
+        <p:txBody>
+          <a:bodyPr wrap="square" rtlCol="0">
+            <a:spAutoFit/>
+          </a:bodyPr>
+          <a:lstStyle/>
+          <a:p>
+            <a:r>
+              <a:rPr lang="it-IT" dirty="0" smtClean="0"/>
+              <a:t>Ogni requisito funzionale </a:t>
+            </a:r>
+            <a:r>
+              <a:rPr lang="it-IT" dirty="0" err="1" smtClean="0"/>
+              <a:t>use</a:t>
+            </a:r>
+            <a:r>
+              <a:rPr lang="it-IT" dirty="0" smtClean="0"/>
+              <a:t> </a:t>
+            </a:r>
+            <a:r>
+              <a:rPr lang="it-IT" dirty="0" err="1" smtClean="0"/>
+              <a:t>cases</a:t>
+            </a:r>
+            <a:r>
+              <a:rPr lang="it-IT" dirty="0" smtClean="0"/>
+              <a:t> e scenario è tracciabile .</a:t>
+            </a:r>
+          </a:p>
+          <a:p>
+            <a:r>
+              <a:rPr lang="it-IT" dirty="0" smtClean="0"/>
+              <a:t>A parte i problemi  elencati precedentemente a livello di implementazione il</a:t>
+            </a:r>
+          </a:p>
+          <a:p>
+            <a:r>
+              <a:rPr lang="it-IT" dirty="0" smtClean="0"/>
+              <a:t>Sistema </a:t>
+            </a:r>
+            <a:r>
+              <a:rPr lang="it-IT" dirty="0" err="1" smtClean="0"/>
+              <a:t>CBUnisa</a:t>
+            </a:r>
+            <a:r>
+              <a:rPr lang="it-IT" dirty="0" smtClean="0"/>
+              <a:t> rispecchia tutti i requisiti funzionali  e non funzionali</a:t>
+            </a:r>
+          </a:p>
+          <a:p>
+            <a:r>
+              <a:rPr lang="it-IT" dirty="0" smtClean="0"/>
+              <a:t>(già commentato nel </a:t>
+            </a:r>
+            <a:r>
+              <a:rPr lang="it-IT" dirty="0" err="1" smtClean="0"/>
+              <a:t>finish</a:t>
+            </a:r>
+            <a:r>
+              <a:rPr lang="it-IT" dirty="0" smtClean="0"/>
+              <a:t> </a:t>
+            </a:r>
+            <a:r>
+              <a:rPr lang="it-IT" dirty="0" err="1" smtClean="0"/>
+              <a:t>product</a:t>
+            </a:r>
+            <a:r>
+              <a:rPr lang="it-IT" dirty="0" smtClean="0"/>
+              <a:t>).</a:t>
+            </a:r>
+          </a:p>
+          <a:p>
+            <a:r>
+              <a:rPr lang="it-IT" dirty="0" smtClean="0"/>
+              <a:t>Il livello application (cioè l’intera logica applicativa del sistema) è stato più volte</a:t>
+            </a:r>
+          </a:p>
+          <a:p>
+            <a:r>
+              <a:rPr lang="it-IT" dirty="0" smtClean="0"/>
+              <a:t>Testato e revisionato da tutto il team.</a:t>
+            </a:r>
+          </a:p>
+          <a:p>
+            <a:endParaRPr lang="it-IT" dirty="0"/>
+          </a:p>
+        </p:txBody>
+      </p:sp>
+      <p:sp>
+        <p:nvSpPr>
+          <p:cNvPr id="5" name="CasellaDiTesto 4"/>
+          <p:cNvSpPr txBox="1"/>
+          <p:nvPr/>
+        </p:nvSpPr>
+        <p:spPr>
+          <a:xfrm>
+            <a:off x="0" y="5474096"/>
+            <a:ext cx="9005992" cy="1200329"/>
+          </a:xfrm>
+          <a:prstGeom prst="rect">
+            <a:avLst/>
+          </a:prstGeom>
+          <a:noFill/>
+        </p:spPr>
+        <p:txBody>
+          <a:bodyPr wrap="none" rtlCol="0">
+            <a:spAutoFit/>
+          </a:bodyPr>
+          <a:lstStyle/>
+          <a:p>
+            <a:r>
+              <a:rPr lang="it-IT" sz="2400" b="1" dirty="0" smtClean="0">
+                <a:solidFill>
+                  <a:srgbClr val="FF0000"/>
+                </a:solidFill>
+                <a:latin typeface="Arial" pitchFamily="34" charset="0"/>
+                <a:cs typeface="Arial" pitchFamily="34" charset="0"/>
+              </a:rPr>
+              <a:t>Parlate di problemi inerenti prettamente al vostro sotto team</a:t>
+            </a:r>
+          </a:p>
+          <a:p>
+            <a:r>
+              <a:rPr lang="it-IT" sz="2400" b="1" dirty="0" smtClean="0">
+                <a:solidFill>
+                  <a:srgbClr val="FF0000"/>
+                </a:solidFill>
+                <a:latin typeface="Arial" pitchFamily="34" charset="0"/>
+                <a:cs typeface="Arial" pitchFamily="34" charset="0"/>
+              </a:rPr>
+              <a:t>Dite anche cose positive</a:t>
+            </a:r>
+          </a:p>
+          <a:p>
+            <a:r>
+              <a:rPr lang="it-IT" sz="2400" b="1" dirty="0" smtClean="0">
+                <a:solidFill>
+                  <a:srgbClr val="FF0000"/>
+                </a:solidFill>
+                <a:latin typeface="Arial" pitchFamily="34" charset="0"/>
+                <a:cs typeface="Arial" pitchFamily="34" charset="0"/>
+              </a:rPr>
+              <a:t>Fatevi aiutare dal questionario</a:t>
+            </a:r>
+            <a:endParaRPr lang="it-IT" sz="2400" b="1" dirty="0">
+              <a:solidFill>
+                <a:srgbClr val="FF0000"/>
+              </a:solidFill>
+              <a:latin typeface="Arial" pitchFamily="34" charset="0"/>
+              <a:cs typeface="Arial" pitchFamily="34" charset="0"/>
+            </a:endParaRPr>
+          </a:p>
+        </p:txBody>
+      </p:sp>
+    </p:spTree>
+  </p:cSld>
+  <p:clrMapOvr>
+    <a:masterClrMapping/>
+  </p:clrMapOvr>
+  <p:timing>
+    <p:tnLst>
+      <p:par>
+        <p:cTn id="1" dur="indefinite" restart="never" nodeType="tmRoot"/>
+      </p:par>
+    </p:tnLst>
+  </p:timing>
+</p:sld>
+</file>
+
+<file path=ppt/slides/slide35.xml><?xml version="1.0" encoding="utf-8"?>
 <p:sld xmlns:a="http://schemas.openxmlformats.org/drawingml/2006/main" xmlns:r="http://schemas.openxmlformats.org/officeDocument/2006/relationships" xmlns:p="http://schemas.openxmlformats.org/presentationml/2006/main">
   <p:cSld>
     <p:spTree>

--- a/Presentazione/Esempio/Presentazione CBunisa_Esempio.pptx
+++ b/Presentazione/Esempio/Presentazione CBunisa_Esempio.pptx
@@ -5,7 +5,7 @@
     <p:sldMasterId id="2147483672" r:id="rId1"/>
   </p:sldMasterIdLst>
   <p:notesMasterIdLst>
-    <p:notesMasterId r:id="rId37"/>
+    <p:notesMasterId r:id="rId36"/>
   </p:notesMasterIdLst>
   <p:sldIdLst>
     <p:sldId id="256" r:id="rId2"/>
@@ -23,26 +23,25 @@
     <p:sldId id="267" r:id="rId14"/>
     <p:sldId id="269" r:id="rId15"/>
     <p:sldId id="270" r:id="rId16"/>
-    <p:sldId id="271" r:id="rId17"/>
-    <p:sldId id="272" r:id="rId18"/>
-    <p:sldId id="284" r:id="rId19"/>
-    <p:sldId id="274" r:id="rId20"/>
-    <p:sldId id="276" r:id="rId21"/>
-    <p:sldId id="277" r:id="rId22"/>
-    <p:sldId id="294" r:id="rId23"/>
-    <p:sldId id="279" r:id="rId24"/>
-    <p:sldId id="295" r:id="rId25"/>
-    <p:sldId id="307" r:id="rId26"/>
-    <p:sldId id="286" r:id="rId27"/>
-    <p:sldId id="290" r:id="rId28"/>
-    <p:sldId id="292" r:id="rId29"/>
-    <p:sldId id="296" r:id="rId30"/>
-    <p:sldId id="288" r:id="rId31"/>
-    <p:sldId id="303" r:id="rId32"/>
-    <p:sldId id="304" r:id="rId33"/>
-    <p:sldId id="301" r:id="rId34"/>
-    <p:sldId id="302" r:id="rId35"/>
-    <p:sldId id="306" r:id="rId36"/>
+    <p:sldId id="272" r:id="rId17"/>
+    <p:sldId id="284" r:id="rId18"/>
+    <p:sldId id="274" r:id="rId19"/>
+    <p:sldId id="276" r:id="rId20"/>
+    <p:sldId id="277" r:id="rId21"/>
+    <p:sldId id="294" r:id="rId22"/>
+    <p:sldId id="279" r:id="rId23"/>
+    <p:sldId id="295" r:id="rId24"/>
+    <p:sldId id="307" r:id="rId25"/>
+    <p:sldId id="286" r:id="rId26"/>
+    <p:sldId id="290" r:id="rId27"/>
+    <p:sldId id="292" r:id="rId28"/>
+    <p:sldId id="296" r:id="rId29"/>
+    <p:sldId id="288" r:id="rId30"/>
+    <p:sldId id="303" r:id="rId31"/>
+    <p:sldId id="304" r:id="rId32"/>
+    <p:sldId id="301" r:id="rId33"/>
+    <p:sldId id="302" r:id="rId34"/>
+    <p:sldId id="306" r:id="rId35"/>
   </p:sldIdLst>
   <p:sldSz cx="9144000" cy="6858000" type="screen4x3"/>
   <p:notesSz cx="6858000" cy="9144000"/>
@@ -8471,9 +8470,44 @@
           <a:chExt cx="0" cy="0"/>
         </a:xfrm>
       </p:grpSpPr>
+      <p:sp>
+        <p:nvSpPr>
+          <p:cNvPr id="2" name="CasellaDiTesto 1"/>
+          <p:cNvSpPr txBox="1"/>
+          <p:nvPr/>
+        </p:nvSpPr>
+        <p:spPr>
+          <a:xfrm>
+            <a:off x="2500298" y="142852"/>
+            <a:ext cx="4315605" cy="677108"/>
+          </a:xfrm>
+          <a:prstGeom prst="rect">
+            <a:avLst/>
+          </a:prstGeom>
+          <a:noFill/>
+        </p:spPr>
+        <p:txBody>
+          <a:bodyPr wrap="none" rtlCol="0">
+            <a:spAutoFit/>
+          </a:bodyPr>
+          <a:lstStyle/>
+          <a:p>
+            <a:r>
+              <a:rPr lang="it-IT" sz="2000" b="1" dirty="0">
+                <a:latin typeface="Arial" pitchFamily="34" charset="0"/>
+                <a:cs typeface="Arial" pitchFamily="34" charset="0"/>
+              </a:rPr>
+              <a:t>Decomposizione del sottosistema</a:t>
+            </a:r>
+          </a:p>
+          <a:p>
+            <a:endParaRPr lang="it-IT" dirty="0"/>
+          </a:p>
+        </p:txBody>
+      </p:sp>
       <p:pic>
         <p:nvPicPr>
-          <p:cNvPr id="5123" name="Picture 3"/>
+          <p:cNvPr id="6146" name="Picture 2"/>
           <p:cNvPicPr>
             <a:picLocks noChangeAspect="1" noChangeArrowheads="1"/>
           </p:cNvPicPr>
@@ -8488,8 +8522,8 @@
         </p:blipFill>
         <p:spPr bwMode="auto">
           <a:xfrm>
-            <a:off x="2214546" y="857232"/>
-            <a:ext cx="4752975" cy="4572000"/>
+            <a:off x="928662" y="714356"/>
+            <a:ext cx="6715172" cy="5479731"/>
           </a:xfrm>
           <a:prstGeom prst="rect">
             <a:avLst/>
@@ -8512,8 +8546,8 @@
         </p:nvSpPr>
         <p:spPr>
           <a:xfrm>
-            <a:off x="3428992" y="214290"/>
-            <a:ext cx="2095445" cy="646331"/>
+            <a:off x="41324" y="5524896"/>
+            <a:ext cx="7670690" cy="461665"/>
           </a:xfrm>
           <a:prstGeom prst="rect">
             <a:avLst/>
@@ -8527,118 +8561,6 @@
           <a:lstStyle/>
           <a:p>
             <a:r>
-              <a:rPr lang="it-IT" b="1" dirty="0" err="1" smtClean="0">
-                <a:latin typeface="Arial" pitchFamily="34" charset="0"/>
-                <a:cs typeface="Arial" pitchFamily="34" charset="0"/>
-              </a:rPr>
-              <a:t>Layer</a:t>
-            </a:r>
-            <a:r>
-              <a:rPr lang="it-IT" b="1" dirty="0" smtClean="0">
-                <a:latin typeface="Arial" pitchFamily="34" charset="0"/>
-                <a:cs typeface="Arial" pitchFamily="34" charset="0"/>
-              </a:rPr>
-              <a:t> </a:t>
-            </a:r>
-            <a:r>
-              <a:rPr lang="it-IT" b="1" dirty="0">
-                <a:latin typeface="Arial" pitchFamily="34" charset="0"/>
-                <a:cs typeface="Arial" pitchFamily="34" charset="0"/>
-              </a:rPr>
-              <a:t>e Partizioni</a:t>
-            </a:r>
-          </a:p>
-          <a:p>
-            <a:endParaRPr lang="it-IT" dirty="0"/>
-          </a:p>
-        </p:txBody>
-      </p:sp>
-      <p:sp>
-        <p:nvSpPr>
-          <p:cNvPr id="5" name="CasellaDiTesto 4"/>
-          <p:cNvSpPr txBox="1"/>
-          <p:nvPr/>
-        </p:nvSpPr>
-        <p:spPr>
-          <a:xfrm>
-            <a:off x="0" y="5657671"/>
-            <a:ext cx="8358246" cy="1200329"/>
-          </a:xfrm>
-          <a:prstGeom prst="rect">
-            <a:avLst/>
-          </a:prstGeom>
-          <a:noFill/>
-        </p:spPr>
-        <p:txBody>
-          <a:bodyPr wrap="square" rtlCol="0">
-            <a:spAutoFit/>
-          </a:bodyPr>
-          <a:lstStyle/>
-          <a:p>
-            <a:r>
-              <a:rPr lang="it-IT" dirty="0">
-                <a:latin typeface="Arial" pitchFamily="34" charset="0"/>
-                <a:cs typeface="Arial" pitchFamily="34" charset="0"/>
-              </a:rPr>
-              <a:t>I sottosistemi sono stati organizzati seguendo la logica </a:t>
-            </a:r>
-            <a:r>
-              <a:rPr lang="it-IT" dirty="0" err="1">
-                <a:latin typeface="Arial" pitchFamily="34" charset="0"/>
-                <a:cs typeface="Arial" pitchFamily="34" charset="0"/>
-              </a:rPr>
-              <a:t>three-tier</a:t>
-            </a:r>
-            <a:r>
-              <a:rPr lang="it-IT" dirty="0">
-                <a:latin typeface="Arial" pitchFamily="34" charset="0"/>
-                <a:cs typeface="Arial" pitchFamily="34" charset="0"/>
-              </a:rPr>
-              <a:t> in quanto cambiamenti al livello di </a:t>
-            </a:r>
-            <a:r>
-              <a:rPr lang="it-IT" dirty="0" err="1">
-                <a:latin typeface="Arial" pitchFamily="34" charset="0"/>
-                <a:cs typeface="Arial" pitchFamily="34" charset="0"/>
-              </a:rPr>
-              <a:t>presentation</a:t>
-            </a:r>
-            <a:r>
-              <a:rPr lang="it-IT" dirty="0">
-                <a:latin typeface="Arial" pitchFamily="34" charset="0"/>
-                <a:cs typeface="Arial" pitchFamily="34" charset="0"/>
-              </a:rPr>
-              <a:t> (quindi semplicemente di interfaccia grafica) non toccheranno in alcun modo il restante sistema.</a:t>
-            </a:r>
-          </a:p>
-          <a:p>
-            <a:endParaRPr lang="it-IT" dirty="0"/>
-          </a:p>
-        </p:txBody>
-      </p:sp>
-      <p:sp>
-        <p:nvSpPr>
-          <p:cNvPr id="6" name="CasellaDiTesto 5"/>
-          <p:cNvSpPr txBox="1"/>
-          <p:nvPr/>
-        </p:nvSpPr>
-        <p:spPr>
-          <a:xfrm>
-            <a:off x="2462137" y="3356992"/>
-            <a:ext cx="4886274" cy="461665"/>
-          </a:xfrm>
-          <a:prstGeom prst="rect">
-            <a:avLst/>
-          </a:prstGeom>
-          <a:noFill/>
-        </p:spPr>
-        <p:txBody>
-          <a:bodyPr wrap="none" rtlCol="0">
-            <a:spAutoFit/>
-          </a:bodyPr>
-          <a:lstStyle/>
-          <a:p>
-            <a:r>
               <a:rPr lang="it-IT" sz="2400" b="1" dirty="0" smtClean="0">
                 <a:solidFill>
                   <a:srgbClr val="FF0000"/>
@@ -8646,7 +8568,17 @@
                 <a:latin typeface="Arial" pitchFamily="34" charset="0"/>
                 <a:cs typeface="Arial" pitchFamily="34" charset="0"/>
               </a:rPr>
-              <a:t>Dovrebbe parlarne un solo team</a:t>
+              <a:t>Cerchiate i componenti solo del vostro </a:t>
+            </a:r>
+            <a:r>
+              <a:rPr lang="it-IT" sz="2400" b="1" dirty="0" err="1" smtClean="0">
+                <a:solidFill>
+                  <a:srgbClr val="FF0000"/>
+                </a:solidFill>
+                <a:latin typeface="Arial" pitchFamily="34" charset="0"/>
+                <a:cs typeface="Arial" pitchFamily="34" charset="0"/>
+              </a:rPr>
+              <a:t>sottositema</a:t>
             </a:r>
             <a:endParaRPr lang="it-IT" sz="2400" b="1" dirty="0">
               <a:solidFill>
@@ -8698,158 +8630,6 @@
         </p:nvSpPr>
         <p:spPr>
           <a:xfrm>
-            <a:off x="2500298" y="142852"/>
-            <a:ext cx="4315605" cy="677108"/>
-          </a:xfrm>
-          <a:prstGeom prst="rect">
-            <a:avLst/>
-          </a:prstGeom>
-          <a:noFill/>
-        </p:spPr>
-        <p:txBody>
-          <a:bodyPr wrap="none" rtlCol="0">
-            <a:spAutoFit/>
-          </a:bodyPr>
-          <a:lstStyle/>
-          <a:p>
-            <a:r>
-              <a:rPr lang="it-IT" sz="2000" b="1" dirty="0">
-                <a:latin typeface="Arial" pitchFamily="34" charset="0"/>
-                <a:cs typeface="Arial" pitchFamily="34" charset="0"/>
-              </a:rPr>
-              <a:t>Decomposizione del sottosistema</a:t>
-            </a:r>
-          </a:p>
-          <a:p>
-            <a:endParaRPr lang="it-IT" dirty="0"/>
-          </a:p>
-        </p:txBody>
-      </p:sp>
-      <p:pic>
-        <p:nvPicPr>
-          <p:cNvPr id="6146" name="Picture 2"/>
-          <p:cNvPicPr>
-            <a:picLocks noChangeAspect="1" noChangeArrowheads="1"/>
-          </p:cNvPicPr>
-          <p:nvPr/>
-        </p:nvPicPr>
-        <p:blipFill>
-          <a:blip r:embed="rId2" cstate="print"/>
-          <a:srcRect/>
-          <a:stretch>
-            <a:fillRect/>
-          </a:stretch>
-        </p:blipFill>
-        <p:spPr bwMode="auto">
-          <a:xfrm>
-            <a:off x="928662" y="714356"/>
-            <a:ext cx="6715172" cy="5479731"/>
-          </a:xfrm>
-          <a:prstGeom prst="rect">
-            <a:avLst/>
-          </a:prstGeom>
-          <a:noFill/>
-          <a:ln w="9525">
-            <a:noFill/>
-            <a:miter lim="800000"/>
-            <a:headEnd/>
-            <a:tailEnd/>
-          </a:ln>
-          <a:effectLst/>
-        </p:spPr>
-      </p:pic>
-      <p:sp>
-        <p:nvSpPr>
-          <p:cNvPr id="4" name="CasellaDiTesto 3"/>
-          <p:cNvSpPr txBox="1"/>
-          <p:nvPr/>
-        </p:nvSpPr>
-        <p:spPr>
-          <a:xfrm>
-            <a:off x="41324" y="5524896"/>
-            <a:ext cx="7670690" cy="461665"/>
-          </a:xfrm>
-          <a:prstGeom prst="rect">
-            <a:avLst/>
-          </a:prstGeom>
-          <a:noFill/>
-        </p:spPr>
-        <p:txBody>
-          <a:bodyPr wrap="none" rtlCol="0">
-            <a:spAutoFit/>
-          </a:bodyPr>
-          <a:lstStyle/>
-          <a:p>
-            <a:r>
-              <a:rPr lang="it-IT" sz="2400" b="1" dirty="0" smtClean="0">
-                <a:solidFill>
-                  <a:srgbClr val="FF0000"/>
-                </a:solidFill>
-                <a:latin typeface="Arial" pitchFamily="34" charset="0"/>
-                <a:cs typeface="Arial" pitchFamily="34" charset="0"/>
-              </a:rPr>
-              <a:t>Cerchiate i componenti solo del vostro </a:t>
-            </a:r>
-            <a:r>
-              <a:rPr lang="it-IT" sz="2400" b="1" dirty="0" err="1" smtClean="0">
-                <a:solidFill>
-                  <a:srgbClr val="FF0000"/>
-                </a:solidFill>
-                <a:latin typeface="Arial" pitchFamily="34" charset="0"/>
-                <a:cs typeface="Arial" pitchFamily="34" charset="0"/>
-              </a:rPr>
-              <a:t>sottositema</a:t>
-            </a:r>
-            <a:endParaRPr lang="it-IT" sz="2400" b="1" dirty="0">
-              <a:solidFill>
-                <a:srgbClr val="FF0000"/>
-              </a:solidFill>
-              <a:latin typeface="Arial" pitchFamily="34" charset="0"/>
-              <a:cs typeface="Arial" pitchFamily="34" charset="0"/>
-            </a:endParaRPr>
-          </a:p>
-        </p:txBody>
-      </p:sp>
-    </p:spTree>
-  </p:cSld>
-  <p:clrMapOvr>
-    <a:masterClrMapping/>
-  </p:clrMapOvr>
-  <p:timing>
-    <p:tnLst>
-      <p:par>
-        <p:cTn id="1" dur="indefinite" restart="never" nodeType="tmRoot"/>
-      </p:par>
-    </p:tnLst>
-  </p:timing>
-</p:sld>
-</file>
-
-<file path=ppt/slides/slide18.xml><?xml version="1.0" encoding="utf-8"?>
-<p:sld xmlns:a="http://schemas.openxmlformats.org/drawingml/2006/main" xmlns:r="http://schemas.openxmlformats.org/officeDocument/2006/relationships" xmlns:p="http://schemas.openxmlformats.org/presentationml/2006/main">
-  <p:cSld>
-    <p:spTree>
-      <p:nvGrpSpPr>
-        <p:cNvPr id="1" name=""/>
-        <p:cNvGrpSpPr/>
-        <p:nvPr/>
-      </p:nvGrpSpPr>
-      <p:grpSpPr>
-        <a:xfrm>
-          <a:off x="0" y="0"/>
-          <a:ext cx="0" cy="0"/>
-          <a:chOff x="0" y="0"/>
-          <a:chExt cx="0" cy="0"/>
-        </a:xfrm>
-      </p:grpSpPr>
-      <p:sp>
-        <p:nvSpPr>
-          <p:cNvPr id="2" name="CasellaDiTesto 1"/>
-          <p:cNvSpPr txBox="1"/>
-          <p:nvPr/>
-        </p:nvSpPr>
-        <p:spPr>
-          <a:xfrm>
             <a:off x="2928926" y="214290"/>
             <a:ext cx="2852063" cy="646331"/>
           </a:xfrm>
@@ -9016,7 +8796,7 @@
 </p:sld>
 </file>
 
-<file path=ppt/slides/slide19.xml><?xml version="1.0" encoding="utf-8"?>
+<file path=ppt/slides/slide18.xml><?xml version="1.0" encoding="utf-8"?>
 <p:sld xmlns:a="http://schemas.openxmlformats.org/drawingml/2006/main" xmlns:r="http://schemas.openxmlformats.org/officeDocument/2006/relationships" xmlns:p="http://schemas.openxmlformats.org/presentationml/2006/main">
   <p:cSld>
     <p:spTree>
@@ -9415,6 +9195,240 @@
 </p:sld>
 </file>
 
+<file path=ppt/slides/slide19.xml><?xml version="1.0" encoding="utf-8"?>
+<p:sld xmlns:a="http://schemas.openxmlformats.org/drawingml/2006/main" xmlns:r="http://schemas.openxmlformats.org/officeDocument/2006/relationships" xmlns:p="http://schemas.openxmlformats.org/presentationml/2006/main">
+  <p:cSld>
+    <p:spTree>
+      <p:nvGrpSpPr>
+        <p:cNvPr id="1" name=""/>
+        <p:cNvGrpSpPr/>
+        <p:nvPr/>
+      </p:nvGrpSpPr>
+      <p:grpSpPr>
+        <a:xfrm>
+          <a:off x="0" y="0"/>
+          <a:ext cx="0" cy="0"/>
+          <a:chOff x="0" y="0"/>
+          <a:chExt cx="0" cy="0"/>
+        </a:xfrm>
+      </p:grpSpPr>
+      <p:sp>
+        <p:nvSpPr>
+          <p:cNvPr id="2" name="CasellaDiTesto 1"/>
+          <p:cNvSpPr txBox="1"/>
+          <p:nvPr/>
+        </p:nvSpPr>
+        <p:spPr>
+          <a:xfrm>
+            <a:off x="2643174" y="285728"/>
+            <a:ext cx="3540265" cy="369332"/>
+          </a:xfrm>
+          <a:prstGeom prst="rect">
+            <a:avLst/>
+          </a:prstGeom>
+          <a:noFill/>
+        </p:spPr>
+        <p:txBody>
+          <a:bodyPr wrap="none" rtlCol="0">
+            <a:spAutoFit/>
+          </a:bodyPr>
+          <a:lstStyle/>
+          <a:p>
+            <a:r>
+              <a:rPr lang="it-IT" b="1" dirty="0" smtClean="0">
+                <a:latin typeface="Arial" pitchFamily="34" charset="0"/>
+                <a:cs typeface="Arial" pitchFamily="34" charset="0"/>
+              </a:rPr>
+              <a:t>GESTIONE DATI PERSISTENTI</a:t>
+            </a:r>
+            <a:endParaRPr lang="it-IT" b="1" dirty="0">
+              <a:latin typeface="Arial" pitchFamily="34" charset="0"/>
+              <a:cs typeface="Arial" pitchFamily="34" charset="0"/>
+            </a:endParaRPr>
+          </a:p>
+        </p:txBody>
+      </p:sp>
+      <p:sp>
+        <p:nvSpPr>
+          <p:cNvPr id="3" name="CasellaDiTesto 2"/>
+          <p:cNvSpPr txBox="1"/>
+          <p:nvPr/>
+        </p:nvSpPr>
+        <p:spPr>
+          <a:xfrm>
+            <a:off x="0" y="1000108"/>
+            <a:ext cx="8786842" cy="861774"/>
+          </a:xfrm>
+          <a:prstGeom prst="rect">
+            <a:avLst/>
+          </a:prstGeom>
+          <a:noFill/>
+        </p:spPr>
+        <p:txBody>
+          <a:bodyPr wrap="square" rtlCol="0">
+            <a:spAutoFit/>
+          </a:bodyPr>
+          <a:lstStyle/>
+          <a:p>
+            <a:r>
+              <a:rPr lang="it-IT" sz="1600" dirty="0" err="1">
+                <a:latin typeface="Arial" pitchFamily="34" charset="0"/>
+                <a:cs typeface="Arial" pitchFamily="34" charset="0"/>
+              </a:rPr>
+              <a:t>CBUnisa</a:t>
+            </a:r>
+            <a:r>
+              <a:rPr lang="it-IT" sz="1600" dirty="0">
+                <a:latin typeface="Arial" pitchFamily="34" charset="0"/>
+                <a:cs typeface="Arial" pitchFamily="34" charset="0"/>
+              </a:rPr>
+              <a:t> per la gestione dei dati persistenti utilizzerà un Database supportato dal DBMS di MySql. I dati saranno distribuiti e ogni attore del sistema avrà una sua vista alla base dati. </a:t>
+            </a:r>
+          </a:p>
+          <a:p>
+            <a:endParaRPr lang="it-IT" dirty="0"/>
+          </a:p>
+        </p:txBody>
+      </p:sp>
+      <p:sp>
+        <p:nvSpPr>
+          <p:cNvPr id="4" name="CasellaDiTesto 3"/>
+          <p:cNvSpPr txBox="1"/>
+          <p:nvPr/>
+        </p:nvSpPr>
+        <p:spPr>
+          <a:xfrm>
+            <a:off x="0" y="1714488"/>
+            <a:ext cx="8786842" cy="2369880"/>
+          </a:xfrm>
+          <a:prstGeom prst="rect">
+            <a:avLst/>
+          </a:prstGeom>
+          <a:noFill/>
+        </p:spPr>
+        <p:txBody>
+          <a:bodyPr wrap="square" rtlCol="0">
+            <a:spAutoFit/>
+          </a:bodyPr>
+          <a:lstStyle/>
+          <a:p>
+            <a:pPr algn="just"/>
+            <a:r>
+              <a:rPr lang="it-IT" sz="1600" dirty="0">
+                <a:latin typeface="Arial" pitchFamily="34" charset="0"/>
+                <a:cs typeface="Arial" pitchFamily="34" charset="0"/>
+              </a:rPr>
+              <a:t>E' stato scelto un DBMS come gestore dei dati persistenti in quanto i dati del sistema </a:t>
+            </a:r>
+            <a:r>
+              <a:rPr lang="it-IT" sz="1600" dirty="0" err="1">
+                <a:latin typeface="Arial" pitchFamily="34" charset="0"/>
+                <a:cs typeface="Arial" pitchFamily="34" charset="0"/>
+              </a:rPr>
+              <a:t>CBUnisa</a:t>
+            </a:r>
+            <a:r>
+              <a:rPr lang="it-IT" sz="1600" dirty="0">
+                <a:latin typeface="Arial" pitchFamily="34" charset="0"/>
+                <a:cs typeface="Arial" pitchFamily="34" charset="0"/>
+              </a:rPr>
+              <a:t> richiedono un accesso ad un livello raffinato di dettaglio attraverso utenti molteplici (clienti e dipendenti di 4 tipologie differenti) e di conseguenza più programmi avranno accesso ai dati persistenti.</a:t>
+            </a:r>
+          </a:p>
+          <a:p>
+            <a:pPr algn="just"/>
+            <a:r>
+              <a:rPr lang="it-IT" sz="1600" dirty="0">
+                <a:latin typeface="Arial" pitchFamily="34" charset="0"/>
+                <a:cs typeface="Arial" pitchFamily="34" charset="0"/>
+              </a:rPr>
+              <a:t>La tipologia di DBMS (MySql) è stata scelta in quanto quest'ultimo è molto diffuso di conseguenza ha un ottima interoperabilità e operabilità , l'esportazione l'importazione di database è semplice e veloce e un cambiamento futuro della tipologia di DBMS non comporterà alcun cambiamento al sistema stesso.</a:t>
+            </a:r>
+          </a:p>
+          <a:p>
+            <a:endParaRPr lang="it-IT" dirty="0"/>
+          </a:p>
+        </p:txBody>
+      </p:sp>
+      <p:sp>
+        <p:nvSpPr>
+          <p:cNvPr id="5" name="CasellaDiTesto 4"/>
+          <p:cNvSpPr txBox="1"/>
+          <p:nvPr/>
+        </p:nvSpPr>
+        <p:spPr>
+          <a:xfrm>
+            <a:off x="41324" y="5524896"/>
+            <a:ext cx="6530955" cy="830997"/>
+          </a:xfrm>
+          <a:prstGeom prst="rect">
+            <a:avLst/>
+          </a:prstGeom>
+          <a:noFill/>
+        </p:spPr>
+        <p:txBody>
+          <a:bodyPr wrap="none" rtlCol="0">
+            <a:spAutoFit/>
+          </a:bodyPr>
+          <a:lstStyle/>
+          <a:p>
+            <a:r>
+              <a:rPr lang="it-IT" sz="2400" b="1" dirty="0" smtClean="0">
+                <a:solidFill>
+                  <a:srgbClr val="FF0000"/>
+                </a:solidFill>
+                <a:latin typeface="Arial" pitchFamily="34" charset="0"/>
+                <a:cs typeface="Arial" pitchFamily="34" charset="0"/>
+              </a:rPr>
+              <a:t>Dovrebbe parlarne solo un sotto </a:t>
+            </a:r>
+            <a:r>
+              <a:rPr lang="it-IT" sz="2400" b="1" dirty="0" smtClean="0">
+                <a:solidFill>
+                  <a:srgbClr val="FF0000"/>
+                </a:solidFill>
+                <a:latin typeface="Arial" pitchFamily="34" charset="0"/>
+                <a:cs typeface="Arial" pitchFamily="34" charset="0"/>
+              </a:rPr>
+              <a:t>team</a:t>
+            </a:r>
+          </a:p>
+          <a:p>
+            <a:r>
+              <a:rPr lang="it-IT" sz="2400" b="1" dirty="0" smtClean="0">
+                <a:solidFill>
+                  <a:srgbClr val="FF0000"/>
+                </a:solidFill>
+                <a:latin typeface="Arial" pitchFamily="34" charset="0"/>
+                <a:cs typeface="Arial" pitchFamily="34" charset="0"/>
+              </a:rPr>
+              <a:t>O parlate esclusivamente della vostra parte</a:t>
+            </a:r>
+            <a:endParaRPr lang="it-IT" sz="2400" b="1" dirty="0">
+              <a:solidFill>
+                <a:srgbClr val="FF0000"/>
+              </a:solidFill>
+              <a:latin typeface="Arial" pitchFamily="34" charset="0"/>
+              <a:cs typeface="Arial" pitchFamily="34" charset="0"/>
+            </a:endParaRPr>
+          </a:p>
+        </p:txBody>
+      </p:sp>
+    </p:spTree>
+  </p:cSld>
+  <p:clrMapOvr>
+    <a:masterClrMapping/>
+  </p:clrMapOvr>
+  <p:timing>
+    <p:tnLst>
+      <p:par>
+        <p:cTn id="1" dur="indefinite" restart="never" nodeType="tmRoot"/>
+      </p:par>
+    </p:tnLst>
+  </p:timing>
+</p:sld>
+</file>
+
 <file path=ppt/slides/slide2.xml><?xml version="1.0" encoding="utf-8"?>
 <p:sld xmlns:a="http://schemas.openxmlformats.org/drawingml/2006/main" xmlns:r="http://schemas.openxmlformats.org/officeDocument/2006/relationships" xmlns:p="http://schemas.openxmlformats.org/presentationml/2006/main">
   <p:cSld>
@@ -9540,10 +9554,6 @@
           <a:lstStyle/>
           <a:p>
             <a:r>
-              <a:rPr lang="it-IT" dirty="0" smtClean="0"/>
-              <a:t> </a:t>
-            </a:r>
-            <a:r>
               <a:rPr lang="it-IT" sz="2400" b="1" dirty="0" smtClean="0">
                 <a:solidFill>
                   <a:srgbClr val="FF0000"/>
@@ -9551,7 +9561,17 @@
                 <a:latin typeface="Arial" pitchFamily="34" charset="0"/>
                 <a:cs typeface="Arial" pitchFamily="34" charset="0"/>
               </a:rPr>
-              <a:t>Sottolineate gli attori protagonisti della presentazione.</a:t>
+              <a:t>Sottolineate </a:t>
+            </a:r>
+            <a:r>
+              <a:rPr lang="it-IT" sz="2400" b="1" dirty="0" smtClean="0">
+                <a:solidFill>
+                  <a:srgbClr val="FF0000"/>
+                </a:solidFill>
+                <a:latin typeface="Arial" pitchFamily="34" charset="0"/>
+                <a:cs typeface="Arial" pitchFamily="34" charset="0"/>
+              </a:rPr>
+              <a:t>gli attori protagonisti della presentazione.</a:t>
             </a:r>
           </a:p>
           <a:p>
@@ -9615,218 +9635,6 @@
         </p:nvSpPr>
         <p:spPr>
           <a:xfrm>
-            <a:off x="2643174" y="285728"/>
-            <a:ext cx="3540265" cy="369332"/>
-          </a:xfrm>
-          <a:prstGeom prst="rect">
-            <a:avLst/>
-          </a:prstGeom>
-          <a:noFill/>
-        </p:spPr>
-        <p:txBody>
-          <a:bodyPr wrap="none" rtlCol="0">
-            <a:spAutoFit/>
-          </a:bodyPr>
-          <a:lstStyle/>
-          <a:p>
-            <a:r>
-              <a:rPr lang="it-IT" b="1" dirty="0" smtClean="0">
-                <a:latin typeface="Arial" pitchFamily="34" charset="0"/>
-                <a:cs typeface="Arial" pitchFamily="34" charset="0"/>
-              </a:rPr>
-              <a:t>GESTIONE DATI PERSISTENTI</a:t>
-            </a:r>
-            <a:endParaRPr lang="it-IT" b="1" dirty="0">
-              <a:latin typeface="Arial" pitchFamily="34" charset="0"/>
-              <a:cs typeface="Arial" pitchFamily="34" charset="0"/>
-            </a:endParaRPr>
-          </a:p>
-        </p:txBody>
-      </p:sp>
-      <p:sp>
-        <p:nvSpPr>
-          <p:cNvPr id="3" name="CasellaDiTesto 2"/>
-          <p:cNvSpPr txBox="1"/>
-          <p:nvPr/>
-        </p:nvSpPr>
-        <p:spPr>
-          <a:xfrm>
-            <a:off x="0" y="1000108"/>
-            <a:ext cx="8786842" cy="861774"/>
-          </a:xfrm>
-          <a:prstGeom prst="rect">
-            <a:avLst/>
-          </a:prstGeom>
-          <a:noFill/>
-        </p:spPr>
-        <p:txBody>
-          <a:bodyPr wrap="square" rtlCol="0">
-            <a:spAutoFit/>
-          </a:bodyPr>
-          <a:lstStyle/>
-          <a:p>
-            <a:r>
-              <a:rPr lang="it-IT" sz="1600" dirty="0" err="1">
-                <a:latin typeface="Arial" pitchFamily="34" charset="0"/>
-                <a:cs typeface="Arial" pitchFamily="34" charset="0"/>
-              </a:rPr>
-              <a:t>CBUnisa</a:t>
-            </a:r>
-            <a:r>
-              <a:rPr lang="it-IT" sz="1600" dirty="0">
-                <a:latin typeface="Arial" pitchFamily="34" charset="0"/>
-                <a:cs typeface="Arial" pitchFamily="34" charset="0"/>
-              </a:rPr>
-              <a:t> per la gestione dei dati persistenti utilizzerà un Database supportato dal DBMS di MySql. I dati saranno distribuiti e ogni attore del sistema avrà una sua vista alla base dati. </a:t>
-            </a:r>
-          </a:p>
-          <a:p>
-            <a:endParaRPr lang="it-IT" dirty="0"/>
-          </a:p>
-        </p:txBody>
-      </p:sp>
-      <p:sp>
-        <p:nvSpPr>
-          <p:cNvPr id="4" name="CasellaDiTesto 3"/>
-          <p:cNvSpPr txBox="1"/>
-          <p:nvPr/>
-        </p:nvSpPr>
-        <p:spPr>
-          <a:xfrm>
-            <a:off x="0" y="1714488"/>
-            <a:ext cx="8786842" cy="2369880"/>
-          </a:xfrm>
-          <a:prstGeom prst="rect">
-            <a:avLst/>
-          </a:prstGeom>
-          <a:noFill/>
-        </p:spPr>
-        <p:txBody>
-          <a:bodyPr wrap="square" rtlCol="0">
-            <a:spAutoFit/>
-          </a:bodyPr>
-          <a:lstStyle/>
-          <a:p>
-            <a:pPr algn="just"/>
-            <a:r>
-              <a:rPr lang="it-IT" sz="1600" dirty="0">
-                <a:latin typeface="Arial" pitchFamily="34" charset="0"/>
-                <a:cs typeface="Arial" pitchFamily="34" charset="0"/>
-              </a:rPr>
-              <a:t>E' stato scelto un DBMS come gestore dei dati persistenti in quanto i dati del sistema </a:t>
-            </a:r>
-            <a:r>
-              <a:rPr lang="it-IT" sz="1600" dirty="0" err="1">
-                <a:latin typeface="Arial" pitchFamily="34" charset="0"/>
-                <a:cs typeface="Arial" pitchFamily="34" charset="0"/>
-              </a:rPr>
-              <a:t>CBUnisa</a:t>
-            </a:r>
-            <a:r>
-              <a:rPr lang="it-IT" sz="1600" dirty="0">
-                <a:latin typeface="Arial" pitchFamily="34" charset="0"/>
-                <a:cs typeface="Arial" pitchFamily="34" charset="0"/>
-              </a:rPr>
-              <a:t> richiedono un accesso ad un livello raffinato di dettaglio attraverso utenti molteplici (clienti e dipendenti di 4 tipologie differenti) e di conseguenza più programmi avranno accesso ai dati persistenti.</a:t>
-            </a:r>
-          </a:p>
-          <a:p>
-            <a:pPr algn="just"/>
-            <a:r>
-              <a:rPr lang="it-IT" sz="1600" dirty="0">
-                <a:latin typeface="Arial" pitchFamily="34" charset="0"/>
-                <a:cs typeface="Arial" pitchFamily="34" charset="0"/>
-              </a:rPr>
-              <a:t>La tipologia di DBMS (MySql) è stata scelta in quanto quest'ultimo è molto diffuso di conseguenza ha un ottima interoperabilità e operabilità , l'esportazione l'importazione di database è semplice e veloce e un cambiamento futuro della tipologia di DBMS non comporterà alcun cambiamento al sistema stesso.</a:t>
-            </a:r>
-          </a:p>
-          <a:p>
-            <a:endParaRPr lang="it-IT" dirty="0"/>
-          </a:p>
-        </p:txBody>
-      </p:sp>
-      <p:sp>
-        <p:nvSpPr>
-          <p:cNvPr id="5" name="CasellaDiTesto 4"/>
-          <p:cNvSpPr txBox="1"/>
-          <p:nvPr/>
-        </p:nvSpPr>
-        <p:spPr>
-          <a:xfrm>
-            <a:off x="41324" y="5524896"/>
-            <a:ext cx="5723042" cy="461665"/>
-          </a:xfrm>
-          <a:prstGeom prst="rect">
-            <a:avLst/>
-          </a:prstGeom>
-          <a:noFill/>
-        </p:spPr>
-        <p:txBody>
-          <a:bodyPr wrap="none" rtlCol="0">
-            <a:spAutoFit/>
-          </a:bodyPr>
-          <a:lstStyle/>
-          <a:p>
-            <a:r>
-              <a:rPr lang="it-IT" sz="2400" b="1" dirty="0" smtClean="0">
-                <a:solidFill>
-                  <a:srgbClr val="FF0000"/>
-                </a:solidFill>
-                <a:latin typeface="Arial" pitchFamily="34" charset="0"/>
-                <a:cs typeface="Arial" pitchFamily="34" charset="0"/>
-              </a:rPr>
-              <a:t>Dovrebbe parlarne solo un sotto team</a:t>
-            </a:r>
-            <a:endParaRPr lang="it-IT" sz="2400" b="1" dirty="0">
-              <a:solidFill>
-                <a:srgbClr val="FF0000"/>
-              </a:solidFill>
-              <a:latin typeface="Arial" pitchFamily="34" charset="0"/>
-              <a:cs typeface="Arial" pitchFamily="34" charset="0"/>
-            </a:endParaRPr>
-          </a:p>
-        </p:txBody>
-      </p:sp>
-    </p:spTree>
-  </p:cSld>
-  <p:clrMapOvr>
-    <a:masterClrMapping/>
-  </p:clrMapOvr>
-  <p:timing>
-    <p:tnLst>
-      <p:par>
-        <p:cTn id="1" dur="indefinite" restart="never" nodeType="tmRoot"/>
-      </p:par>
-    </p:tnLst>
-  </p:timing>
-</p:sld>
-</file>
-
-<file path=ppt/slides/slide21.xml><?xml version="1.0" encoding="utf-8"?>
-<p:sld xmlns:a="http://schemas.openxmlformats.org/drawingml/2006/main" xmlns:r="http://schemas.openxmlformats.org/officeDocument/2006/relationships" xmlns:p="http://schemas.openxmlformats.org/presentationml/2006/main">
-  <p:cSld>
-    <p:spTree>
-      <p:nvGrpSpPr>
-        <p:cNvPr id="1" name=""/>
-        <p:cNvGrpSpPr/>
-        <p:nvPr/>
-      </p:nvGrpSpPr>
-      <p:grpSpPr>
-        <a:xfrm>
-          <a:off x="0" y="0"/>
-          <a:ext cx="0" cy="0"/>
-          <a:chOff x="0" y="0"/>
-          <a:chExt cx="0" cy="0"/>
-        </a:xfrm>
-      </p:grpSpPr>
-      <p:sp>
-        <p:nvSpPr>
-          <p:cNvPr id="2" name="CasellaDiTesto 1"/>
-          <p:cNvSpPr txBox="1"/>
-          <p:nvPr/>
-        </p:nvSpPr>
-        <p:spPr>
-          <a:xfrm>
             <a:off x="2857488" y="285728"/>
             <a:ext cx="3394968" cy="369332"/>
           </a:xfrm>
@@ -9994,7 +9802,7 @@
 </p:sld>
 </file>
 
-<file path=ppt/slides/slide22.xml><?xml version="1.0" encoding="utf-8"?>
+<file path=ppt/slides/slide21.xml><?xml version="1.0" encoding="utf-8"?>
 <p:sld xmlns:a="http://schemas.openxmlformats.org/drawingml/2006/main" xmlns:r="http://schemas.openxmlformats.org/officeDocument/2006/relationships" xmlns:p="http://schemas.openxmlformats.org/presentationml/2006/main">
   <p:cSld>
     <p:spTree>
@@ -10692,6 +10500,248 @@
 </p:sld>
 </file>
 
+<file path=ppt/slides/slide22.xml><?xml version="1.0" encoding="utf-8"?>
+<p:sld xmlns:a="http://schemas.openxmlformats.org/drawingml/2006/main" xmlns:r="http://schemas.openxmlformats.org/officeDocument/2006/relationships" xmlns:p="http://schemas.openxmlformats.org/presentationml/2006/main">
+  <p:cSld>
+    <p:spTree>
+      <p:nvGrpSpPr>
+        <p:cNvPr id="1" name=""/>
+        <p:cNvGrpSpPr/>
+        <p:nvPr/>
+      </p:nvGrpSpPr>
+      <p:grpSpPr>
+        <a:xfrm>
+          <a:off x="0" y="0"/>
+          <a:ext cx="0" cy="0"/>
+          <a:chOff x="0" y="0"/>
+          <a:chExt cx="0" cy="0"/>
+        </a:xfrm>
+      </p:grpSpPr>
+      <p:sp>
+        <p:nvSpPr>
+          <p:cNvPr id="2" name="CasellaDiTesto 1"/>
+          <p:cNvSpPr txBox="1"/>
+          <p:nvPr/>
+        </p:nvSpPr>
+        <p:spPr>
+          <a:xfrm>
+            <a:off x="214282" y="285728"/>
+            <a:ext cx="2119491" cy="400110"/>
+          </a:xfrm>
+          <a:prstGeom prst="rect">
+            <a:avLst/>
+          </a:prstGeom>
+          <a:noFill/>
+        </p:spPr>
+        <p:txBody>
+          <a:bodyPr wrap="none" rtlCol="0">
+            <a:spAutoFit/>
+          </a:bodyPr>
+          <a:lstStyle/>
+          <a:p>
+            <a:r>
+              <a:rPr lang="it-IT" sz="2000" b="1" dirty="0" smtClean="0">
+                <a:latin typeface="Arial" pitchFamily="34" charset="0"/>
+                <a:cs typeface="Arial" pitchFamily="34" charset="0"/>
+              </a:rPr>
+              <a:t>Difetti dell’SDD:</a:t>
+            </a:r>
+          </a:p>
+        </p:txBody>
+      </p:sp>
+      <p:sp>
+        <p:nvSpPr>
+          <p:cNvPr id="3" name="CasellaDiTesto 2"/>
+          <p:cNvSpPr txBox="1"/>
+          <p:nvPr/>
+        </p:nvSpPr>
+        <p:spPr>
+          <a:xfrm>
+            <a:off x="142844" y="714357"/>
+            <a:ext cx="8429716" cy="642942"/>
+          </a:xfrm>
+          <a:prstGeom prst="rect">
+            <a:avLst/>
+          </a:prstGeom>
+          <a:noFill/>
+        </p:spPr>
+        <p:txBody>
+          <a:bodyPr wrap="square" rtlCol="0">
+            <a:spAutoFit/>
+          </a:bodyPr>
+          <a:lstStyle/>
+          <a:p>
+            <a:r>
+              <a:rPr lang="it-IT" dirty="0" smtClean="0"/>
+              <a:t>1. </a:t>
+            </a:r>
+            <a:r>
+              <a:rPr lang="it-IT" dirty="0" smtClean="0">
+                <a:latin typeface="Arial" pitchFamily="34" charset="0"/>
+                <a:cs typeface="Arial" pitchFamily="34" charset="0"/>
+              </a:rPr>
+              <a:t>Non stati descritti in maniera specifica e dettagliata tutti i flussi di controllo tra i vari sottosistemi.</a:t>
+            </a:r>
+            <a:endParaRPr lang="it-IT" dirty="0">
+              <a:latin typeface="Arial" pitchFamily="34" charset="0"/>
+              <a:cs typeface="Arial" pitchFamily="34" charset="0"/>
+            </a:endParaRPr>
+          </a:p>
+        </p:txBody>
+      </p:sp>
+      <p:sp>
+        <p:nvSpPr>
+          <p:cNvPr id="4" name="CasellaDiTesto 3"/>
+          <p:cNvSpPr txBox="1"/>
+          <p:nvPr/>
+        </p:nvSpPr>
+        <p:spPr>
+          <a:xfrm>
+            <a:off x="214283" y="1714488"/>
+            <a:ext cx="8572560" cy="1477328"/>
+          </a:xfrm>
+          <a:prstGeom prst="rect">
+            <a:avLst/>
+          </a:prstGeom>
+          <a:noFill/>
+        </p:spPr>
+        <p:txBody>
+          <a:bodyPr wrap="square" rtlCol="0">
+            <a:spAutoFit/>
+          </a:bodyPr>
+          <a:lstStyle/>
+          <a:p>
+            <a:r>
+              <a:rPr lang="it-IT" b="1" dirty="0" smtClean="0">
+                <a:latin typeface="Arial" pitchFamily="34" charset="0"/>
+                <a:cs typeface="Arial" pitchFamily="34" charset="0"/>
+              </a:rPr>
+              <a:t>Motivazioni problemi riscontrati:</a:t>
+            </a:r>
+          </a:p>
+          <a:p>
+            <a:pPr marL="342900" indent="-342900">
+              <a:buAutoNum type="arabicPeriod"/>
+            </a:pPr>
+            <a:r>
+              <a:rPr lang="it-IT" dirty="0" smtClean="0">
+                <a:latin typeface="Arial" pitchFamily="34" charset="0"/>
+                <a:cs typeface="Arial" pitchFamily="34" charset="0"/>
+              </a:rPr>
+              <a:t>Non è stato possibile definire tutti i flussi di controllo in maniera dettagliata in quanto i </a:t>
+            </a:r>
+            <a:r>
+              <a:rPr lang="it-IT" dirty="0" err="1" smtClean="0">
+                <a:latin typeface="Arial" pitchFamily="34" charset="0"/>
+                <a:cs typeface="Arial" pitchFamily="34" charset="0"/>
+              </a:rPr>
+              <a:t>threads</a:t>
+            </a:r>
+            <a:r>
+              <a:rPr lang="it-IT" dirty="0" smtClean="0">
+                <a:latin typeface="Arial" pitchFamily="34" charset="0"/>
+                <a:cs typeface="Arial" pitchFamily="34" charset="0"/>
+              </a:rPr>
+              <a:t> vengono gestiti da JSP/</a:t>
+            </a:r>
+            <a:r>
+              <a:rPr lang="it-IT" dirty="0" err="1" smtClean="0">
+                <a:latin typeface="Arial" pitchFamily="34" charset="0"/>
+                <a:cs typeface="Arial" pitchFamily="34" charset="0"/>
+              </a:rPr>
+              <a:t>Servelet</a:t>
+            </a:r>
+            <a:r>
+              <a:rPr lang="it-IT" dirty="0" smtClean="0">
+                <a:latin typeface="Arial" pitchFamily="34" charset="0"/>
+                <a:cs typeface="Arial" pitchFamily="34" charset="0"/>
+              </a:rPr>
+              <a:t> ed era ,di conseguenza, molto difficile capire Il comportamento di questo tipo di script sia per la sua complessità sia per una mancanza di conoscenza di questo ambiente.</a:t>
+            </a:r>
+          </a:p>
+        </p:txBody>
+      </p:sp>
+      <p:sp>
+        <p:nvSpPr>
+          <p:cNvPr id="5" name="CasellaDiTesto 4"/>
+          <p:cNvSpPr txBox="1"/>
+          <p:nvPr/>
+        </p:nvSpPr>
+        <p:spPr>
+          <a:xfrm>
+            <a:off x="-15776" y="5492948"/>
+            <a:ext cx="9005992" cy="1200329"/>
+          </a:xfrm>
+          <a:prstGeom prst="rect">
+            <a:avLst/>
+          </a:prstGeom>
+          <a:noFill/>
+        </p:spPr>
+        <p:txBody>
+          <a:bodyPr wrap="none" rtlCol="0">
+            <a:spAutoFit/>
+          </a:bodyPr>
+          <a:lstStyle/>
+          <a:p>
+            <a:r>
+              <a:rPr lang="it-IT" sz="2400" b="1" dirty="0" smtClean="0">
+                <a:solidFill>
+                  <a:srgbClr val="FF0000"/>
+                </a:solidFill>
+                <a:latin typeface="Arial" pitchFamily="34" charset="0"/>
+                <a:cs typeface="Arial" pitchFamily="34" charset="0"/>
+              </a:rPr>
+              <a:t>Parlate di problemi inerenti prettamente al vostro sotto team</a:t>
+            </a:r>
+          </a:p>
+          <a:p>
+            <a:r>
+              <a:rPr lang="it-IT" sz="2400" b="1" dirty="0" smtClean="0">
+                <a:solidFill>
+                  <a:srgbClr val="FF0000"/>
+                </a:solidFill>
+                <a:latin typeface="Arial" pitchFamily="34" charset="0"/>
+                <a:cs typeface="Arial" pitchFamily="34" charset="0"/>
+              </a:rPr>
+              <a:t>Dite anche cose positive</a:t>
+            </a:r>
+          </a:p>
+          <a:p>
+            <a:r>
+              <a:rPr lang="it-IT" sz="2400" b="1" dirty="0" smtClean="0">
+                <a:solidFill>
+                  <a:srgbClr val="FF0000"/>
+                </a:solidFill>
+                <a:latin typeface="Arial" pitchFamily="34" charset="0"/>
+                <a:cs typeface="Arial" pitchFamily="34" charset="0"/>
+              </a:rPr>
+              <a:t>Fatevi aiutare dal questionario</a:t>
+            </a:r>
+            <a:endParaRPr lang="it-IT" sz="2400" b="1" dirty="0">
+              <a:solidFill>
+                <a:srgbClr val="FF0000"/>
+              </a:solidFill>
+              <a:latin typeface="Arial" pitchFamily="34" charset="0"/>
+              <a:cs typeface="Arial" pitchFamily="34" charset="0"/>
+            </a:endParaRPr>
+          </a:p>
+        </p:txBody>
+      </p:sp>
+    </p:spTree>
+  </p:cSld>
+  <p:clrMapOvr>
+    <a:masterClrMapping/>
+  </p:clrMapOvr>
+  <p:timing>
+    <p:tnLst>
+      <p:par>
+        <p:cTn id="1" dur="indefinite" restart="never" nodeType="tmRoot"/>
+      </p:par>
+    </p:tnLst>
+  </p:timing>
+</p:sld>
+</file>
+
 <file path=ppt/slides/slide23.xml><?xml version="1.0" encoding="utf-8"?>
 <p:sld xmlns:a="http://schemas.openxmlformats.org/drawingml/2006/main" xmlns:r="http://schemas.openxmlformats.org/officeDocument/2006/relationships" xmlns:p="http://schemas.openxmlformats.org/presentationml/2006/main">
   <p:cSld>
@@ -10717,8 +10767,8 @@
         </p:nvSpPr>
         <p:spPr>
           <a:xfrm>
-            <a:off x="214282" y="285728"/>
-            <a:ext cx="2119491" cy="400110"/>
+            <a:off x="3000364" y="142852"/>
+            <a:ext cx="3099951" cy="369332"/>
           </a:xfrm>
           <a:prstGeom prst="rect">
             <a:avLst/>
@@ -10732,55 +10782,52 @@
           <a:lstStyle/>
           <a:p>
             <a:r>
-              <a:rPr lang="it-IT" sz="2000" b="1" dirty="0" smtClean="0">
-                <a:latin typeface="Arial" pitchFamily="34" charset="0"/>
-                <a:cs typeface="Arial" pitchFamily="34" charset="0"/>
-              </a:rPr>
-              <a:t>Difetti dell’SDD:</a:t>
-            </a:r>
-          </a:p>
-        </p:txBody>
-      </p:sp>
-      <p:sp>
-        <p:nvSpPr>
-          <p:cNvPr id="3" name="CasellaDiTesto 2"/>
-          <p:cNvSpPr txBox="1"/>
+              <a:rPr lang="it-IT" b="1" dirty="0" smtClean="0">
+                <a:latin typeface="Arial" pitchFamily="34" charset="0"/>
+                <a:cs typeface="Arial" pitchFamily="34" charset="0"/>
+              </a:rPr>
+              <a:t>RIUSO : DESIGN PATTERN</a:t>
+            </a:r>
+            <a:endParaRPr lang="it-IT" b="1" dirty="0">
+              <a:latin typeface="Arial" pitchFamily="34" charset="0"/>
+              <a:cs typeface="Arial" pitchFamily="34" charset="0"/>
+            </a:endParaRPr>
+          </a:p>
+        </p:txBody>
+      </p:sp>
+      <p:pic>
+        <p:nvPicPr>
+          <p:cNvPr id="18434" name="Picture 2"/>
+          <p:cNvPicPr>
+            <a:picLocks noChangeAspect="1" noChangeArrowheads="1"/>
+          </p:cNvPicPr>
           <p:nvPr/>
-        </p:nvSpPr>
-        <p:spPr>
+        </p:nvPicPr>
+        <p:blipFill>
+          <a:blip r:embed="rId2" cstate="print"/>
+          <a:srcRect/>
+          <a:stretch>
+            <a:fillRect/>
+          </a:stretch>
+        </p:blipFill>
+        <p:spPr bwMode="auto">
           <a:xfrm>
-            <a:off x="142844" y="714357"/>
-            <a:ext cx="8429716" cy="642942"/>
+            <a:off x="2071670" y="2357430"/>
+            <a:ext cx="5086350" cy="3276600"/>
           </a:xfrm>
           <a:prstGeom prst="rect">
             <a:avLst/>
           </a:prstGeom>
           <a:noFill/>
-        </p:spPr>
-        <p:txBody>
-          <a:bodyPr wrap="square" rtlCol="0">
-            <a:spAutoFit/>
-          </a:bodyPr>
-          <a:lstStyle/>
-          <a:p>
-            <a:r>
-              <a:rPr lang="it-IT" dirty="0" smtClean="0"/>
-              <a:t>1. </a:t>
-            </a:r>
-            <a:r>
-              <a:rPr lang="it-IT" dirty="0" smtClean="0">
-                <a:latin typeface="Arial" pitchFamily="34" charset="0"/>
-                <a:cs typeface="Arial" pitchFamily="34" charset="0"/>
-              </a:rPr>
-              <a:t>Non stati descritti in maniera specifica e dettagliata tutti i flussi di controllo tra i vari sottosistemi.</a:t>
-            </a:r>
-            <a:endParaRPr lang="it-IT" dirty="0">
-              <a:latin typeface="Arial" pitchFamily="34" charset="0"/>
-              <a:cs typeface="Arial" pitchFamily="34" charset="0"/>
-            </a:endParaRPr>
-          </a:p>
-        </p:txBody>
-      </p:sp>
+          <a:ln w="9525">
+            <a:noFill/>
+            <a:miter lim="800000"/>
+            <a:headEnd/>
+            <a:tailEnd/>
+          </a:ln>
+          <a:effectLst/>
+        </p:spPr>
+      </p:pic>
       <p:sp>
         <p:nvSpPr>
           <p:cNvPr id="4" name="CasellaDiTesto 3"/>
@@ -10789,8 +10836,8 @@
         </p:nvSpPr>
         <p:spPr>
           <a:xfrm>
-            <a:off x="214283" y="1714488"/>
-            <a:ext cx="8572560" cy="1477328"/>
+            <a:off x="500034" y="642918"/>
+            <a:ext cx="8001056" cy="1107996"/>
           </a:xfrm>
           <a:prstGeom prst="rect">
             <a:avLst/>
@@ -10804,52 +10851,29 @@
           <a:lstStyle/>
           <a:p>
             <a:r>
-              <a:rPr lang="it-IT" b="1" dirty="0" smtClean="0">
-                <a:latin typeface="Arial" pitchFamily="34" charset="0"/>
-                <a:cs typeface="Arial" pitchFamily="34" charset="0"/>
-              </a:rPr>
-              <a:t>Motivazioni problemi riscontrati:</a:t>
-            </a:r>
-          </a:p>
-          <a:p>
-            <a:pPr marL="342900" indent="-342900">
-              <a:buAutoNum type="arabicPeriod"/>
-            </a:pPr>
-            <a:r>
-              <a:rPr lang="it-IT" dirty="0" smtClean="0">
-                <a:latin typeface="Arial" pitchFamily="34" charset="0"/>
-                <a:cs typeface="Arial" pitchFamily="34" charset="0"/>
-              </a:rPr>
-              <a:t>Non è stato possibile definire tutti i flussi di controllo in maniera dettagliata in quanto i </a:t>
-            </a:r>
-            <a:r>
-              <a:rPr lang="it-IT" dirty="0" err="1" smtClean="0">
-                <a:latin typeface="Arial" pitchFamily="34" charset="0"/>
-                <a:cs typeface="Arial" pitchFamily="34" charset="0"/>
-              </a:rPr>
-              <a:t>threads</a:t>
-            </a:r>
-            <a:r>
-              <a:rPr lang="it-IT" dirty="0" smtClean="0">
-                <a:latin typeface="Arial" pitchFamily="34" charset="0"/>
-                <a:cs typeface="Arial" pitchFamily="34" charset="0"/>
-              </a:rPr>
-              <a:t> vengono gestiti da JSP/</a:t>
-            </a:r>
-            <a:r>
-              <a:rPr lang="it-IT" dirty="0" err="1" smtClean="0">
-                <a:latin typeface="Arial" pitchFamily="34" charset="0"/>
-                <a:cs typeface="Arial" pitchFamily="34" charset="0"/>
-              </a:rPr>
-              <a:t>Servelet</a:t>
-            </a:r>
-            <a:r>
-              <a:rPr lang="it-IT" dirty="0" smtClean="0">
-                <a:latin typeface="Arial" pitchFamily="34" charset="0"/>
-                <a:cs typeface="Arial" pitchFamily="34" charset="0"/>
-              </a:rPr>
-              <a:t> ed era ,di conseguenza, molto difficile capire Il comportamento di questo tipo di script sia per la sua complessità sia per una mancanza di conoscenza di questo ambiente.</a:t>
-            </a:r>
+              <a:rPr lang="it-IT" sz="1600" b="0" i="0" u="none" strike="noStrike" dirty="0" smtClean="0">
+                <a:latin typeface="Arial" pitchFamily="34" charset="0"/>
+                <a:cs typeface="Arial" pitchFamily="34" charset="0"/>
+              </a:rPr>
+              <a:t>Per l'implementazione dell'interfaccia grafica del nostro sistema abbiamo usufruito del Design Pattern </a:t>
+            </a:r>
+            <a:r>
+              <a:rPr lang="it-IT" sz="1600" b="1" i="0" u="none" strike="noStrike" dirty="0" smtClean="0">
+                <a:latin typeface="Arial" pitchFamily="34" charset="0"/>
+                <a:cs typeface="Arial" pitchFamily="34" charset="0"/>
+              </a:rPr>
+              <a:t>Composite</a:t>
+            </a:r>
+            <a:r>
+              <a:rPr lang="it-IT" sz="1600" b="0" i="0" u="none" strike="noStrike" dirty="0" smtClean="0">
+                <a:latin typeface="Arial" pitchFamily="34" charset="0"/>
+                <a:cs typeface="Arial" pitchFamily="34" charset="0"/>
+              </a:rPr>
+              <a:t>. Tale Design Pattern è già utilizzato dalla libreria swing di Java, di conseguenza tale riuso è stato utile e vantaggioso. </a:t>
+            </a:r>
+          </a:p>
+          <a:p>
+            <a:endParaRPr lang="it-IT" dirty="0"/>
           </a:p>
         </p:txBody>
       </p:sp>
@@ -10862,7 +10886,7 @@
         <p:spPr>
           <a:xfrm>
             <a:off x="-15776" y="5492948"/>
-            <a:ext cx="9005992" cy="1200329"/>
+            <a:ext cx="3960380" cy="461665"/>
           </a:xfrm>
           <a:prstGeom prst="rect">
             <a:avLst/>
@@ -10883,31 +10907,7 @@
                 <a:latin typeface="Arial" pitchFamily="34" charset="0"/>
                 <a:cs typeface="Arial" pitchFamily="34" charset="0"/>
               </a:rPr>
-              <a:t>Parlate di problemi inerenti prettamente al vostro sotto team</a:t>
-            </a:r>
-          </a:p>
-          <a:p>
-            <a:r>
-              <a:rPr lang="it-IT" sz="2400" b="1" dirty="0" smtClean="0">
-                <a:solidFill>
-                  <a:srgbClr val="FF0000"/>
-                </a:solidFill>
-                <a:latin typeface="Arial" pitchFamily="34" charset="0"/>
-                <a:cs typeface="Arial" pitchFamily="34" charset="0"/>
-              </a:rPr>
-              <a:t>Dite anche cose positive</a:t>
-            </a:r>
-          </a:p>
-          <a:p>
-            <a:r>
-              <a:rPr lang="it-IT" sz="2400" b="1" dirty="0" smtClean="0">
-                <a:solidFill>
-                  <a:srgbClr val="FF0000"/>
-                </a:solidFill>
-                <a:latin typeface="Arial" pitchFamily="34" charset="0"/>
-                <a:cs typeface="Arial" pitchFamily="34" charset="0"/>
-              </a:rPr>
-              <a:t>Fatevi aiutare dal questionario</a:t>
+              <a:t>E’ una slide fondamentale</a:t>
             </a:r>
             <a:endParaRPr lang="it-IT" sz="2400" b="1" dirty="0">
               <a:solidFill>
@@ -10959,8 +10959,8 @@
         </p:nvSpPr>
         <p:spPr>
           <a:xfrm>
-            <a:off x="3000364" y="142852"/>
-            <a:ext cx="3099951" cy="369332"/>
+            <a:off x="179512" y="620688"/>
+            <a:ext cx="8424936" cy="1938992"/>
           </a:xfrm>
           <a:prstGeom prst="rect">
             <a:avLst/>
@@ -10968,125 +10968,7 @@
           <a:noFill/>
         </p:spPr>
         <p:txBody>
-          <a:bodyPr wrap="none" rtlCol="0">
-            <a:spAutoFit/>
-          </a:bodyPr>
-          <a:lstStyle/>
-          <a:p>
-            <a:r>
-              <a:rPr lang="it-IT" b="1" dirty="0" smtClean="0">
-                <a:latin typeface="Arial" pitchFamily="34" charset="0"/>
-                <a:cs typeface="Arial" pitchFamily="34" charset="0"/>
-              </a:rPr>
-              <a:t>RIUSO : DESIGN PATTERN</a:t>
-            </a:r>
-            <a:endParaRPr lang="it-IT" b="1" dirty="0">
-              <a:latin typeface="Arial" pitchFamily="34" charset="0"/>
-              <a:cs typeface="Arial" pitchFamily="34" charset="0"/>
-            </a:endParaRPr>
-          </a:p>
-        </p:txBody>
-      </p:sp>
-      <p:pic>
-        <p:nvPicPr>
-          <p:cNvPr id="18434" name="Picture 2"/>
-          <p:cNvPicPr>
-            <a:picLocks noChangeAspect="1" noChangeArrowheads="1"/>
-          </p:cNvPicPr>
-          <p:nvPr/>
-        </p:nvPicPr>
-        <p:blipFill>
-          <a:blip r:embed="rId2" cstate="print"/>
-          <a:srcRect/>
-          <a:stretch>
-            <a:fillRect/>
-          </a:stretch>
-        </p:blipFill>
-        <p:spPr bwMode="auto">
-          <a:xfrm>
-            <a:off x="2071670" y="2357430"/>
-            <a:ext cx="5086350" cy="3276600"/>
-          </a:xfrm>
-          <a:prstGeom prst="rect">
-            <a:avLst/>
-          </a:prstGeom>
-          <a:noFill/>
-          <a:ln w="9525">
-            <a:noFill/>
-            <a:miter lim="800000"/>
-            <a:headEnd/>
-            <a:tailEnd/>
-          </a:ln>
-          <a:effectLst/>
-        </p:spPr>
-      </p:pic>
-      <p:sp>
-        <p:nvSpPr>
-          <p:cNvPr id="4" name="CasellaDiTesto 3"/>
-          <p:cNvSpPr txBox="1"/>
-          <p:nvPr/>
-        </p:nvSpPr>
-        <p:spPr>
-          <a:xfrm>
-            <a:off x="500034" y="642918"/>
-            <a:ext cx="8001056" cy="1107996"/>
-          </a:xfrm>
-          <a:prstGeom prst="rect">
-            <a:avLst/>
-          </a:prstGeom>
-          <a:noFill/>
-        </p:spPr>
-        <p:txBody>
           <a:bodyPr wrap="square" rtlCol="0">
-            <a:spAutoFit/>
-          </a:bodyPr>
-          <a:lstStyle/>
-          <a:p>
-            <a:r>
-              <a:rPr lang="it-IT" sz="1600" b="0" i="0" u="none" strike="noStrike" dirty="0" smtClean="0">
-                <a:latin typeface="Arial" pitchFamily="34" charset="0"/>
-                <a:cs typeface="Arial" pitchFamily="34" charset="0"/>
-              </a:rPr>
-              <a:t>Per l'implementazione dell'interfaccia grafica del nostro sistema abbiamo usufruito del Design Pattern </a:t>
-            </a:r>
-            <a:r>
-              <a:rPr lang="it-IT" sz="1600" b="1" i="0" u="none" strike="noStrike" dirty="0" smtClean="0">
-                <a:latin typeface="Arial" pitchFamily="34" charset="0"/>
-                <a:cs typeface="Arial" pitchFamily="34" charset="0"/>
-              </a:rPr>
-              <a:t>Composite</a:t>
-            </a:r>
-            <a:r>
-              <a:rPr lang="it-IT" sz="1600" b="0" i="0" u="none" strike="noStrike" dirty="0" smtClean="0">
-                <a:latin typeface="Arial" pitchFamily="34" charset="0"/>
-                <a:cs typeface="Arial" pitchFamily="34" charset="0"/>
-              </a:rPr>
-              <a:t>. Tale Design Pattern è già utilizzato dalla libreria swing di Java, di conseguenza tale riuso è stato utile e vantaggioso. </a:t>
-            </a:r>
-          </a:p>
-          <a:p>
-            <a:endParaRPr lang="it-IT" dirty="0"/>
-          </a:p>
-        </p:txBody>
-      </p:sp>
-      <p:sp>
-        <p:nvSpPr>
-          <p:cNvPr id="5" name="CasellaDiTesto 4"/>
-          <p:cNvSpPr txBox="1"/>
-          <p:nvPr/>
-        </p:nvSpPr>
-        <p:spPr>
-          <a:xfrm>
-            <a:off x="-15776" y="5492948"/>
-            <a:ext cx="3960380" cy="461665"/>
-          </a:xfrm>
-          <a:prstGeom prst="rect">
-            <a:avLst/>
-          </a:prstGeom>
-          <a:noFill/>
-        </p:spPr>
-        <p:txBody>
-          <a:bodyPr wrap="none" rtlCol="0">
             <a:spAutoFit/>
           </a:bodyPr>
           <a:lstStyle/>
@@ -11099,7 +10981,53 @@
                 <a:latin typeface="Arial" pitchFamily="34" charset="0"/>
                 <a:cs typeface="Arial" pitchFamily="34" charset="0"/>
               </a:rPr>
-              <a:t>E’ una slide fondamentale</a:t>
+              <a:t>Se avete usato delle COTS</a:t>
+            </a:r>
+          </a:p>
+          <a:p>
+            <a:r>
+              <a:rPr lang="it-IT" sz="2400" b="1" dirty="0" smtClean="0">
+                <a:solidFill>
+                  <a:srgbClr val="FF0000"/>
+                </a:solidFill>
+                <a:latin typeface="Arial" pitchFamily="34" charset="0"/>
+                <a:cs typeface="Arial" pitchFamily="34" charset="0"/>
+              </a:rPr>
+              <a:t>Inserite qui le motivazioni che vi hanno portato ad usare</a:t>
+            </a:r>
+          </a:p>
+          <a:p>
+            <a:r>
+              <a:rPr lang="it-IT" sz="2400" b="1" dirty="0" smtClean="0">
+                <a:solidFill>
+                  <a:srgbClr val="FF0000"/>
+                </a:solidFill>
+                <a:latin typeface="Arial" pitchFamily="34" charset="0"/>
+                <a:cs typeface="Arial" pitchFamily="34" charset="0"/>
+              </a:rPr>
+              <a:t>Quella specifica COTS.</a:t>
+            </a:r>
+          </a:p>
+          <a:p>
+            <a:r>
+              <a:rPr lang="it-IT" sz="2400" b="1" dirty="0" smtClean="0">
+                <a:solidFill>
+                  <a:srgbClr val="FF0000"/>
+                </a:solidFill>
+                <a:latin typeface="Arial" pitchFamily="34" charset="0"/>
+                <a:cs typeface="Arial" pitchFamily="34" charset="0"/>
+              </a:rPr>
+              <a:t>Queste info sono presenti in ODD&gt;Riuso&gt; Componenti </a:t>
+            </a:r>
+            <a:r>
+              <a:rPr lang="it-IT" sz="2400" b="1" dirty="0" err="1" smtClean="0">
+                <a:solidFill>
+                  <a:srgbClr val="FF0000"/>
+                </a:solidFill>
+                <a:latin typeface="Arial" pitchFamily="34" charset="0"/>
+                <a:cs typeface="Arial" pitchFamily="34" charset="0"/>
+              </a:rPr>
+              <a:t>Cots.fodt</a:t>
             </a:r>
             <a:endParaRPr lang="it-IT" sz="2400" b="1" dirty="0">
               <a:solidFill>
@@ -11112,17 +11040,15 @@
         </p:txBody>
       </p:sp>
     </p:spTree>
+    <p:extLst>
+      <p:ext uri="{BB962C8B-B14F-4D97-AF65-F5344CB8AC3E}">
+        <p14:creationId xmlns:p14="http://schemas.microsoft.com/office/powerpoint/2010/main" val="714593755"/>
+      </p:ext>
+    </p:extLst>
   </p:cSld>
   <p:clrMapOvr>
     <a:masterClrMapping/>
   </p:clrMapOvr>
-  <p:timing>
-    <p:tnLst>
-      <p:par>
-        <p:cTn id="1" dur="indefinite" restart="never" nodeType="tmRoot"/>
-      </p:par>
-    </p:tnLst>
-  </p:timing>
 </p:sld>
 </file>
 
@@ -11151,8 +11077,8 @@
         </p:nvSpPr>
         <p:spPr>
           <a:xfrm>
-            <a:off x="179512" y="620688"/>
-            <a:ext cx="8424936" cy="1938992"/>
+            <a:off x="2214546" y="214290"/>
+            <a:ext cx="4741363" cy="369332"/>
           </a:xfrm>
           <a:prstGeom prst="rect">
             <a:avLst/>
@@ -11160,7 +11086,197 @@
           <a:noFill/>
         </p:spPr>
         <p:txBody>
+          <a:bodyPr wrap="none" rtlCol="0">
+            <a:spAutoFit/>
+          </a:bodyPr>
+          <a:lstStyle/>
+          <a:p>
+            <a:r>
+              <a:rPr lang="it-IT" b="1" dirty="0" smtClean="0">
+                <a:latin typeface="Arial" pitchFamily="34" charset="0"/>
+                <a:cs typeface="Arial" pitchFamily="34" charset="0"/>
+              </a:rPr>
+              <a:t>MAPPING DA CONTRATTI </a:t>
+            </a:r>
+            <a:r>
+              <a:rPr lang="it-IT" b="1" dirty="0">
+                <a:latin typeface="Arial" pitchFamily="34" charset="0"/>
+                <a:cs typeface="Arial" pitchFamily="34" charset="0"/>
+              </a:rPr>
+              <a:t>A</a:t>
+            </a:r>
+            <a:r>
+              <a:rPr lang="it-IT" b="1" dirty="0" smtClean="0">
+                <a:latin typeface="Arial" pitchFamily="34" charset="0"/>
+                <a:cs typeface="Arial" pitchFamily="34" charset="0"/>
+              </a:rPr>
+              <a:t>D ECCEZIONI</a:t>
+            </a:r>
+            <a:endParaRPr lang="it-IT" b="1" dirty="0">
+              <a:latin typeface="Arial" pitchFamily="34" charset="0"/>
+              <a:cs typeface="Arial" pitchFamily="34" charset="0"/>
+            </a:endParaRPr>
+          </a:p>
+        </p:txBody>
+      </p:sp>
+      <p:sp>
+        <p:nvSpPr>
+          <p:cNvPr id="3" name="CasellaDiTesto 2"/>
+          <p:cNvSpPr txBox="1"/>
+          <p:nvPr/>
+        </p:nvSpPr>
+        <p:spPr>
+          <a:xfrm>
+            <a:off x="214282" y="1071546"/>
+            <a:ext cx="8358246" cy="1477328"/>
+          </a:xfrm>
+          <a:prstGeom prst="rect">
+            <a:avLst/>
+          </a:prstGeom>
+          <a:noFill/>
+        </p:spPr>
+        <p:txBody>
           <a:bodyPr wrap="square" rtlCol="0">
+            <a:spAutoFit/>
+          </a:bodyPr>
+          <a:lstStyle/>
+          <a:p>
+            <a:r>
+              <a:rPr lang="it-IT" dirty="0" smtClean="0">
+                <a:latin typeface="Arial" pitchFamily="34" charset="0"/>
+                <a:cs typeface="Arial" pitchFamily="34" charset="0"/>
+              </a:rPr>
+              <a:t>Per il </a:t>
+            </a:r>
+            <a:r>
+              <a:rPr lang="it-IT" dirty="0" err="1" smtClean="0">
+                <a:latin typeface="Arial" pitchFamily="34" charset="0"/>
+                <a:cs typeface="Arial" pitchFamily="34" charset="0"/>
+              </a:rPr>
+              <a:t>mapping</a:t>
+            </a:r>
+            <a:r>
+              <a:rPr lang="it-IT" dirty="0" smtClean="0">
+                <a:latin typeface="Arial" pitchFamily="34" charset="0"/>
+                <a:cs typeface="Arial" pitchFamily="34" charset="0"/>
+              </a:rPr>
+              <a:t> dai contratti alle eccezioni sono state scelte le seguenti strategie:</a:t>
+            </a:r>
+          </a:p>
+          <a:p>
+            <a:pPr>
+              <a:buFontTx/>
+              <a:buChar char="-"/>
+            </a:pPr>
+            <a:r>
+              <a:rPr lang="it-IT" dirty="0" smtClean="0">
+                <a:latin typeface="Arial" pitchFamily="34" charset="0"/>
+                <a:cs typeface="Arial" pitchFamily="34" charset="0"/>
+              </a:rPr>
+              <a:t>Non sono state controllate le </a:t>
+            </a:r>
+            <a:r>
+              <a:rPr lang="it-IT" dirty="0" err="1" smtClean="0">
+                <a:latin typeface="Arial" pitchFamily="34" charset="0"/>
+                <a:cs typeface="Arial" pitchFamily="34" charset="0"/>
+              </a:rPr>
+              <a:t>postcondizioni</a:t>
+            </a:r>
+            <a:r>
+              <a:rPr lang="it-IT" dirty="0" smtClean="0">
+                <a:latin typeface="Arial" pitchFamily="34" charset="0"/>
+                <a:cs typeface="Arial" pitchFamily="34" charset="0"/>
+              </a:rPr>
+              <a:t> e le </a:t>
+            </a:r>
+            <a:r>
+              <a:rPr lang="it-IT" dirty="0" err="1" smtClean="0">
+                <a:latin typeface="Arial" pitchFamily="34" charset="0"/>
+                <a:cs typeface="Arial" pitchFamily="34" charset="0"/>
+              </a:rPr>
+              <a:t>inviarianti</a:t>
+            </a:r>
+            <a:r>
+              <a:rPr lang="it-IT" dirty="0" smtClean="0">
+                <a:latin typeface="Arial" pitchFamily="34" charset="0"/>
+                <a:cs typeface="Arial" pitchFamily="34" charset="0"/>
+              </a:rPr>
+              <a:t> :non avrebbe Individuato molti bug (in quanto il </a:t>
+            </a:r>
+            <a:r>
+              <a:rPr lang="it-IT" dirty="0" err="1" smtClean="0">
+                <a:latin typeface="Arial" pitchFamily="34" charset="0"/>
+                <a:cs typeface="Arial" pitchFamily="34" charset="0"/>
+              </a:rPr>
+              <a:t>testing</a:t>
+            </a:r>
+            <a:r>
+              <a:rPr lang="it-IT" dirty="0" smtClean="0">
+                <a:latin typeface="Arial" pitchFamily="34" charset="0"/>
+                <a:cs typeface="Arial" pitchFamily="34" charset="0"/>
+              </a:rPr>
+              <a:t> di unità è stato eseguito dallo sviluppatore stesso),in più sarebbe stato molto ridondate.</a:t>
+            </a:r>
+          </a:p>
+          <a:p>
+            <a:endParaRPr lang="it-IT" dirty="0" smtClean="0"/>
+          </a:p>
+        </p:txBody>
+      </p:sp>
+      <p:sp>
+        <p:nvSpPr>
+          <p:cNvPr id="4" name="CasellaDiTesto 3"/>
+          <p:cNvSpPr txBox="1"/>
+          <p:nvPr/>
+        </p:nvSpPr>
+        <p:spPr>
+          <a:xfrm>
+            <a:off x="3500430" y="2786058"/>
+            <a:ext cx="1787669" cy="369332"/>
+          </a:xfrm>
+          <a:prstGeom prst="rect">
+            <a:avLst/>
+          </a:prstGeom>
+          <a:noFill/>
+        </p:spPr>
+        <p:txBody>
+          <a:bodyPr wrap="none" rtlCol="0">
+            <a:spAutoFit/>
+          </a:bodyPr>
+          <a:lstStyle/>
+          <a:p>
+            <a:r>
+              <a:rPr lang="it-IT" b="1" dirty="0" smtClean="0">
+                <a:latin typeface="Arial" pitchFamily="34" charset="0"/>
+                <a:cs typeface="Arial" pitchFamily="34" charset="0"/>
+              </a:rPr>
+              <a:t>ESEMPIO OCL</a:t>
+            </a:r>
+            <a:endParaRPr lang="it-IT" b="1" dirty="0">
+              <a:latin typeface="Arial" pitchFamily="34" charset="0"/>
+              <a:cs typeface="Arial" pitchFamily="34" charset="0"/>
+            </a:endParaRPr>
+          </a:p>
+        </p:txBody>
+      </p:sp>
+      <p:sp>
+        <p:nvSpPr>
+          <p:cNvPr id="5" name="CasellaDiTesto 4"/>
+          <p:cNvSpPr txBox="1"/>
+          <p:nvPr/>
+        </p:nvSpPr>
+        <p:spPr>
+          <a:xfrm>
+            <a:off x="-15776" y="5492948"/>
+            <a:ext cx="7288405" cy="461665"/>
+          </a:xfrm>
+          <a:prstGeom prst="rect">
+            <a:avLst/>
+          </a:prstGeom>
+          <a:noFill/>
+        </p:spPr>
+        <p:txBody>
+          <a:bodyPr wrap="none" rtlCol="0">
             <a:spAutoFit/>
           </a:bodyPr>
           <a:lstStyle/>
@@ -11173,53 +11289,7 @@
                 <a:latin typeface="Arial" pitchFamily="34" charset="0"/>
                 <a:cs typeface="Arial" pitchFamily="34" charset="0"/>
               </a:rPr>
-              <a:t>Se avete usato delle COTS</a:t>
-            </a:r>
-          </a:p>
-          <a:p>
-            <a:r>
-              <a:rPr lang="it-IT" sz="2400" b="1" dirty="0" smtClean="0">
-                <a:solidFill>
-                  <a:srgbClr val="FF0000"/>
-                </a:solidFill>
-                <a:latin typeface="Arial" pitchFamily="34" charset="0"/>
-                <a:cs typeface="Arial" pitchFamily="34" charset="0"/>
-              </a:rPr>
-              <a:t>Inserite qui le motivazioni che vi hanno portato ad usare</a:t>
-            </a:r>
-          </a:p>
-          <a:p>
-            <a:r>
-              <a:rPr lang="it-IT" sz="2400" b="1" dirty="0" smtClean="0">
-                <a:solidFill>
-                  <a:srgbClr val="FF0000"/>
-                </a:solidFill>
-                <a:latin typeface="Arial" pitchFamily="34" charset="0"/>
-                <a:cs typeface="Arial" pitchFamily="34" charset="0"/>
-              </a:rPr>
-              <a:t>Quella specifica COTS.</a:t>
-            </a:r>
-          </a:p>
-          <a:p>
-            <a:r>
-              <a:rPr lang="it-IT" sz="2400" b="1" dirty="0" smtClean="0">
-                <a:solidFill>
-                  <a:srgbClr val="FF0000"/>
-                </a:solidFill>
-                <a:latin typeface="Arial" pitchFamily="34" charset="0"/>
-                <a:cs typeface="Arial" pitchFamily="34" charset="0"/>
-              </a:rPr>
-              <a:t>Queste info sono presenti in ODD&gt;Riuso&gt; Componenti </a:t>
-            </a:r>
-            <a:r>
-              <a:rPr lang="it-IT" sz="2400" b="1" dirty="0" err="1" smtClean="0">
-                <a:solidFill>
-                  <a:srgbClr val="FF0000"/>
-                </a:solidFill>
-                <a:latin typeface="Arial" pitchFamily="34" charset="0"/>
-                <a:cs typeface="Arial" pitchFamily="34" charset="0"/>
-              </a:rPr>
-              <a:t>Cots.fodt</a:t>
+              <a:t>Mettete un esempio di OCL della vostra gestione</a:t>
             </a:r>
             <a:endParaRPr lang="it-IT" sz="2400" b="1" dirty="0">
               <a:solidFill>
@@ -11232,15 +11302,17 @@
         </p:txBody>
       </p:sp>
     </p:spTree>
-    <p:extLst>
-      <p:ext uri="{BB962C8B-B14F-4D97-AF65-F5344CB8AC3E}">
-        <p14:creationId xmlns:p14="http://schemas.microsoft.com/office/powerpoint/2010/main" val="714593755"/>
-      </p:ext>
-    </p:extLst>
   </p:cSld>
   <p:clrMapOvr>
     <a:masterClrMapping/>
   </p:clrMapOvr>
+  <p:timing>
+    <p:tnLst>
+      <p:par>
+        <p:cTn id="1" dur="indefinite" restart="never" nodeType="tmRoot"/>
+      </p:par>
+    </p:tnLst>
+  </p:timing>
 </p:sld>
 </file>
 
@@ -11269,8 +11341,8 @@
         </p:nvSpPr>
         <p:spPr>
           <a:xfrm>
-            <a:off x="2214546" y="214290"/>
-            <a:ext cx="4741363" cy="369332"/>
+            <a:off x="214282" y="285728"/>
+            <a:ext cx="2146742" cy="400110"/>
           </a:xfrm>
           <a:prstGeom prst="rect">
             <a:avLst/>
@@ -11284,30 +11356,12 @@
           <a:lstStyle/>
           <a:p>
             <a:r>
-              <a:rPr lang="it-IT" b="1" dirty="0" smtClean="0">
-                <a:latin typeface="Arial" pitchFamily="34" charset="0"/>
-                <a:cs typeface="Arial" pitchFamily="34" charset="0"/>
-              </a:rPr>
-              <a:t>MAPPING DA CONTRATTI </a:t>
-            </a:r>
-            <a:r>
-              <a:rPr lang="it-IT" b="1" dirty="0">
-                <a:latin typeface="Arial" pitchFamily="34" charset="0"/>
-                <a:cs typeface="Arial" pitchFamily="34" charset="0"/>
-              </a:rPr>
-              <a:t>A</a:t>
-            </a:r>
-            <a:r>
-              <a:rPr lang="it-IT" b="1" dirty="0" smtClean="0">
-                <a:latin typeface="Arial" pitchFamily="34" charset="0"/>
-                <a:cs typeface="Arial" pitchFamily="34" charset="0"/>
-              </a:rPr>
-              <a:t>D ECCEZIONI</a:t>
-            </a:r>
-            <a:endParaRPr lang="it-IT" b="1" dirty="0">
-              <a:latin typeface="Arial" pitchFamily="34" charset="0"/>
-              <a:cs typeface="Arial" pitchFamily="34" charset="0"/>
-            </a:endParaRPr>
+              <a:rPr lang="it-IT" sz="2000" b="1" dirty="0" smtClean="0">
+                <a:latin typeface="Arial" pitchFamily="34" charset="0"/>
+                <a:cs typeface="Arial" pitchFamily="34" charset="0"/>
+              </a:rPr>
+              <a:t>Difetti dell’ODD:</a:t>
+            </a:r>
           </a:p>
         </p:txBody>
       </p:sp>
@@ -11319,8 +11373,8 @@
         </p:nvSpPr>
         <p:spPr>
           <a:xfrm>
-            <a:off x="214282" y="1071546"/>
-            <a:ext cx="8358246" cy="1477328"/>
+            <a:off x="142844" y="714357"/>
+            <a:ext cx="8429716" cy="646331"/>
           </a:xfrm>
           <a:prstGeom prst="rect">
             <a:avLst/>
@@ -11333,85 +11387,28 @@
           </a:bodyPr>
           <a:lstStyle/>
           <a:p>
+            <a:pPr marL="342900" indent="-342900">
+              <a:buAutoNum type="arabicPeriod"/>
+            </a:pPr>
             <a:r>
               <a:rPr lang="it-IT" dirty="0" smtClean="0">
                 <a:latin typeface="Arial" pitchFamily="34" charset="0"/>
                 <a:cs typeface="Arial" pitchFamily="34" charset="0"/>
               </a:rPr>
-              <a:t>Per il </a:t>
-            </a:r>
-            <a:r>
-              <a:rPr lang="it-IT" dirty="0" err="1" smtClean="0">
-                <a:latin typeface="Arial" pitchFamily="34" charset="0"/>
-                <a:cs typeface="Arial" pitchFamily="34" charset="0"/>
-              </a:rPr>
-              <a:t>mapping</a:t>
-            </a:r>
+              <a:t>Mancanza dell’incapsulamento dei contratti in metodi adatti.</a:t>
+            </a:r>
+          </a:p>
+          <a:p>
+            <a:pPr marL="342900" indent="-342900">
+              <a:buAutoNum type="arabicPeriod"/>
+            </a:pPr>
             <a:r>
               <a:rPr lang="it-IT" dirty="0" smtClean="0">
                 <a:latin typeface="Arial" pitchFamily="34" charset="0"/>
                 <a:cs typeface="Arial" pitchFamily="34" charset="0"/>
               </a:rPr>
-              <a:t> dai contratti alle eccezioni sono state scelte le seguenti strategie:</a:t>
-            </a:r>
-          </a:p>
-          <a:p>
-            <a:pPr>
-              <a:buFontTx/>
-              <a:buChar char="-"/>
-            </a:pPr>
-            <a:r>
-              <a:rPr lang="it-IT" dirty="0" smtClean="0">
-                <a:latin typeface="Arial" pitchFamily="34" charset="0"/>
-                <a:cs typeface="Arial" pitchFamily="34" charset="0"/>
-              </a:rPr>
-              <a:t>Non sono state controllate le </a:t>
-            </a:r>
-            <a:r>
-              <a:rPr lang="it-IT" dirty="0" err="1" smtClean="0">
-                <a:latin typeface="Arial" pitchFamily="34" charset="0"/>
-                <a:cs typeface="Arial" pitchFamily="34" charset="0"/>
-              </a:rPr>
-              <a:t>postcondizioni</a:t>
-            </a:r>
-            <a:r>
-              <a:rPr lang="it-IT" dirty="0" smtClean="0">
-                <a:latin typeface="Arial" pitchFamily="34" charset="0"/>
-                <a:cs typeface="Arial" pitchFamily="34" charset="0"/>
-              </a:rPr>
-              <a:t> e le </a:t>
-            </a:r>
-            <a:r>
-              <a:rPr lang="it-IT" dirty="0" err="1" smtClean="0">
-                <a:latin typeface="Arial" pitchFamily="34" charset="0"/>
-                <a:cs typeface="Arial" pitchFamily="34" charset="0"/>
-              </a:rPr>
-              <a:t>inviarianti</a:t>
-            </a:r>
-            <a:r>
-              <a:rPr lang="it-IT" dirty="0" smtClean="0">
-                <a:latin typeface="Arial" pitchFamily="34" charset="0"/>
-                <a:cs typeface="Arial" pitchFamily="34" charset="0"/>
-              </a:rPr>
-              <a:t> :non avrebbe Individuato molti bug (in quanto il </a:t>
-            </a:r>
-            <a:r>
-              <a:rPr lang="it-IT" dirty="0" err="1" smtClean="0">
-                <a:latin typeface="Arial" pitchFamily="34" charset="0"/>
-                <a:cs typeface="Arial" pitchFamily="34" charset="0"/>
-              </a:rPr>
-              <a:t>testing</a:t>
-            </a:r>
-            <a:r>
-              <a:rPr lang="it-IT" dirty="0" smtClean="0">
-                <a:latin typeface="Arial" pitchFamily="34" charset="0"/>
-                <a:cs typeface="Arial" pitchFamily="34" charset="0"/>
-              </a:rPr>
-              <a:t> di unità è stato eseguito dallo sviluppatore stesso),in più sarebbe stato molto ridondate.</a:t>
-            </a:r>
-          </a:p>
-          <a:p>
-            <a:endParaRPr lang="it-IT" dirty="0" smtClean="0"/>
+              <a:t>Mancanza per alcuni metodi dell’identificazione dell’OCL</a:t>
+            </a:r>
           </a:p>
         </p:txBody>
       </p:sp>
@@ -11423,8 +11420,8 @@
         </p:nvSpPr>
         <p:spPr>
           <a:xfrm>
-            <a:off x="3500430" y="2786058"/>
-            <a:ext cx="1787669" cy="369332"/>
+            <a:off x="0" y="2000240"/>
+            <a:ext cx="8572560" cy="1754326"/>
           </a:xfrm>
           <a:prstGeom prst="rect">
             <a:avLst/>
@@ -11432,7 +11429,7 @@
           <a:noFill/>
         </p:spPr>
         <p:txBody>
-          <a:bodyPr wrap="none" rtlCol="0">
+          <a:bodyPr wrap="square" rtlCol="0">
             <a:spAutoFit/>
           </a:bodyPr>
           <a:lstStyle/>
@@ -11442,12 +11439,32 @@
                 <a:latin typeface="Arial" pitchFamily="34" charset="0"/>
                 <a:cs typeface="Arial" pitchFamily="34" charset="0"/>
               </a:rPr>
-              <a:t>ESEMPIO OCL</a:t>
-            </a:r>
-            <a:endParaRPr lang="it-IT" b="1" dirty="0">
-              <a:latin typeface="Arial" pitchFamily="34" charset="0"/>
-              <a:cs typeface="Arial" pitchFamily="34" charset="0"/>
-            </a:endParaRPr>
+              <a:t>Motivazioni problemi riscontrati:</a:t>
+            </a:r>
+          </a:p>
+          <a:p>
+            <a:pPr marL="342900" indent="-342900">
+              <a:buAutoNum type="arabicPeriod"/>
+            </a:pPr>
+            <a:r>
+              <a:rPr lang="it-IT" dirty="0" smtClean="0">
+                <a:latin typeface="Arial" pitchFamily="34" charset="0"/>
+                <a:cs typeface="Arial" pitchFamily="34" charset="0"/>
+              </a:rPr>
+              <a:t>Data la mancanza di tempo necessario tutti i contratti sono stati definiti solo dove necessario senza l’incapsulamento di contratti simili in separati metodi (o classi) . </a:t>
+            </a:r>
+          </a:p>
+          <a:p>
+            <a:pPr marL="342900" indent="-342900">
+              <a:buAutoNum type="arabicPeriod"/>
+            </a:pPr>
+            <a:r>
+              <a:rPr lang="it-IT" dirty="0" smtClean="0">
+                <a:latin typeface="Arial" pitchFamily="34" charset="0"/>
+                <a:cs typeface="Arial" pitchFamily="34" charset="0"/>
+              </a:rPr>
+              <a:t>Dato il punto 2 l’identificazione degli OCL è stata definita una sola volta per i contratti simili.</a:t>
+            </a:r>
           </a:p>
         </p:txBody>
       </p:sp>
@@ -11459,8 +11476,8 @@
         </p:nvSpPr>
         <p:spPr>
           <a:xfrm>
-            <a:off x="-15776" y="5492948"/>
-            <a:ext cx="7288405" cy="461665"/>
+            <a:off x="144446" y="5229200"/>
+            <a:ext cx="9005992" cy="1200329"/>
           </a:xfrm>
           <a:prstGeom prst="rect">
             <a:avLst/>
@@ -11481,7 +11498,31 @@
                 <a:latin typeface="Arial" pitchFamily="34" charset="0"/>
                 <a:cs typeface="Arial" pitchFamily="34" charset="0"/>
               </a:rPr>
-              <a:t>Mettete un esempio di OCL della vostra gestione</a:t>
+              <a:t>Parlate di problemi inerenti prettamente al vostro sotto team</a:t>
+            </a:r>
+          </a:p>
+          <a:p>
+            <a:r>
+              <a:rPr lang="it-IT" sz="2400" b="1" dirty="0" smtClean="0">
+                <a:solidFill>
+                  <a:srgbClr val="FF0000"/>
+                </a:solidFill>
+                <a:latin typeface="Arial" pitchFamily="34" charset="0"/>
+                <a:cs typeface="Arial" pitchFamily="34" charset="0"/>
+              </a:rPr>
+              <a:t>Dite anche cose positive</a:t>
+            </a:r>
+          </a:p>
+          <a:p>
+            <a:r>
+              <a:rPr lang="it-IT" sz="2400" b="1" dirty="0" smtClean="0">
+                <a:solidFill>
+                  <a:srgbClr val="FF0000"/>
+                </a:solidFill>
+                <a:latin typeface="Arial" pitchFamily="34" charset="0"/>
+                <a:cs typeface="Arial" pitchFamily="34" charset="0"/>
+              </a:rPr>
+              <a:t>Fatevi aiutare dal questionario</a:t>
             </a:r>
             <a:endParaRPr lang="it-IT" sz="2400" b="1" dirty="0">
               <a:solidFill>
@@ -11533,8 +11574,8 @@
         </p:nvSpPr>
         <p:spPr>
           <a:xfrm>
-            <a:off x="214282" y="285728"/>
-            <a:ext cx="2146742" cy="400110"/>
+            <a:off x="3143240" y="0"/>
+            <a:ext cx="2398926" cy="369332"/>
           </a:xfrm>
           <a:prstGeom prst="rect">
             <a:avLst/>
@@ -11548,12 +11589,16 @@
           <a:lstStyle/>
           <a:p>
             <a:r>
-              <a:rPr lang="it-IT" sz="2000" b="1" dirty="0" smtClean="0">
-                <a:latin typeface="Arial" pitchFamily="34" charset="0"/>
-                <a:cs typeface="Arial" pitchFamily="34" charset="0"/>
-              </a:rPr>
-              <a:t>Difetti dell’ODD:</a:t>
-            </a:r>
+              <a:rPr lang="it-IT" b="1" dirty="0" smtClean="0">
+                <a:latin typeface="Arial" pitchFamily="34" charset="0"/>
+                <a:cs typeface="Arial" pitchFamily="34" charset="0"/>
+              </a:rPr>
+              <a:t>IMPLEMENTAZIONE</a:t>
+            </a:r>
+            <a:endParaRPr lang="it-IT" b="1" dirty="0">
+              <a:latin typeface="Arial" pitchFamily="34" charset="0"/>
+              <a:cs typeface="Arial" pitchFamily="34" charset="0"/>
+            </a:endParaRPr>
           </a:p>
         </p:txBody>
       </p:sp>
@@ -11565,8 +11610,8 @@
         </p:nvSpPr>
         <p:spPr>
           <a:xfrm>
-            <a:off x="142844" y="714357"/>
-            <a:ext cx="8429716" cy="646331"/>
+            <a:off x="0" y="642918"/>
+            <a:ext cx="8802474" cy="2585323"/>
           </a:xfrm>
           <a:prstGeom prst="rect">
             <a:avLst/>
@@ -11574,46 +11619,108 @@
           <a:noFill/>
         </p:spPr>
         <p:txBody>
-          <a:bodyPr wrap="square" rtlCol="0">
+          <a:bodyPr wrap="none" rtlCol="0">
             <a:spAutoFit/>
           </a:bodyPr>
           <a:lstStyle/>
           <a:p>
-            <a:pPr marL="342900" indent="-342900">
-              <a:buAutoNum type="arabicPeriod"/>
-            </a:pPr>
+            <a:r>
+              <a:rPr lang="it-IT" i="1" dirty="0" smtClean="0">
+                <a:latin typeface="Arial" pitchFamily="34" charset="0"/>
+                <a:cs typeface="Arial" pitchFamily="34" charset="0"/>
+              </a:rPr>
+              <a:t>Funzionalità implementate:</a:t>
+            </a:r>
+          </a:p>
+          <a:p>
             <a:r>
               <a:rPr lang="it-IT" dirty="0" smtClean="0">
                 <a:latin typeface="Arial" pitchFamily="34" charset="0"/>
                 <a:cs typeface="Arial" pitchFamily="34" charset="0"/>
               </a:rPr>
-              <a:t>Mancanza dell’incapsulamento dei contratti in metodi adatti.</a:t>
-            </a:r>
-          </a:p>
-          <a:p>
-            <a:pPr marL="342900" indent="-342900">
-              <a:buAutoNum type="arabicPeriod"/>
-            </a:pPr>
+              <a:t>-Tutte le funzionalità per il Cliente</a:t>
+            </a:r>
+          </a:p>
+          <a:p>
             <a:r>
               <a:rPr lang="it-IT" dirty="0" smtClean="0">
                 <a:latin typeface="Arial" pitchFamily="34" charset="0"/>
                 <a:cs typeface="Arial" pitchFamily="34" charset="0"/>
               </a:rPr>
-              <a:t>Mancanza per alcuni metodi dell’identificazione dell’OCL</a:t>
-            </a:r>
-          </a:p>
-        </p:txBody>
-      </p:sp>
-      <p:sp>
-        <p:nvSpPr>
-          <p:cNvPr id="4" name="CasellaDiTesto 3"/>
+              <a:t>-Tutte le funzionalità per l’addetto ai servizi al pubblico</a:t>
+            </a:r>
+          </a:p>
+          <a:p>
+            <a:r>
+              <a:rPr lang="it-IT" dirty="0" smtClean="0">
+                <a:latin typeface="Arial" pitchFamily="34" charset="0"/>
+                <a:cs typeface="Arial" pitchFamily="34" charset="0"/>
+              </a:rPr>
+              <a:t>-Visualizzazione delle richieste dei Clienti da parte dell’addetto ai servizi agli ordini.</a:t>
+            </a:r>
+          </a:p>
+          <a:p>
+            <a:r>
+              <a:rPr lang="it-IT" dirty="0" smtClean="0">
+                <a:latin typeface="Arial" pitchFamily="34" charset="0"/>
+                <a:cs typeface="Arial" pitchFamily="34" charset="0"/>
+              </a:rPr>
+              <a:t>L’implementazione del sistema </a:t>
+            </a:r>
+            <a:r>
+              <a:rPr lang="it-IT" dirty="0" err="1" smtClean="0">
+                <a:latin typeface="Arial" pitchFamily="34" charset="0"/>
+                <a:cs typeface="Arial" pitchFamily="34" charset="0"/>
+              </a:rPr>
+              <a:t>CBUnisa</a:t>
+            </a:r>
+            <a:r>
+              <a:rPr lang="it-IT" dirty="0" smtClean="0">
+                <a:latin typeface="Arial" pitchFamily="34" charset="0"/>
+                <a:cs typeface="Arial" pitchFamily="34" charset="0"/>
+              </a:rPr>
+              <a:t> ha seguito perfettamente la definizione dell’</a:t>
+            </a:r>
+          </a:p>
+          <a:p>
+            <a:r>
+              <a:rPr lang="it-IT" dirty="0" smtClean="0">
+                <a:latin typeface="Arial" pitchFamily="34" charset="0"/>
+                <a:cs typeface="Arial" pitchFamily="34" charset="0"/>
+              </a:rPr>
+              <a:t>Architettura documentata nell’SDD e di conseguenza nell’ODD</a:t>
+            </a:r>
+          </a:p>
+          <a:p>
+            <a:endParaRPr lang="it-IT" dirty="0" smtClean="0">
+              <a:latin typeface="Arial" pitchFamily="34" charset="0"/>
+              <a:cs typeface="Arial" pitchFamily="34" charset="0"/>
+            </a:endParaRPr>
+          </a:p>
+          <a:p>
+            <a:endParaRPr lang="it-IT" dirty="0">
+              <a:latin typeface="Arial" pitchFamily="34" charset="0"/>
+              <a:cs typeface="Arial" pitchFamily="34" charset="0"/>
+            </a:endParaRPr>
+          </a:p>
+          <a:p>
+            <a:endParaRPr lang="it-IT" dirty="0">
+              <a:latin typeface="Arial" pitchFamily="34" charset="0"/>
+              <a:cs typeface="Arial" pitchFamily="34" charset="0"/>
+            </a:endParaRPr>
+          </a:p>
+        </p:txBody>
+      </p:sp>
+      <p:sp>
+        <p:nvSpPr>
+          <p:cNvPr id="9" name="CasellaDiTesto 8"/>
           <p:cNvSpPr txBox="1"/>
           <p:nvPr/>
         </p:nvSpPr>
         <p:spPr>
           <a:xfrm>
-            <a:off x="0" y="2000240"/>
-            <a:ext cx="8572560" cy="1754326"/>
+            <a:off x="285720" y="2714620"/>
+            <a:ext cx="3655168" cy="400110"/>
           </a:xfrm>
           <a:prstGeom prst="rect">
             <a:avLst/>
@@ -11621,20 +11728,43 @@
           <a:noFill/>
         </p:spPr>
         <p:txBody>
+          <a:bodyPr wrap="none" rtlCol="0">
+            <a:spAutoFit/>
+          </a:bodyPr>
+          <a:lstStyle/>
+          <a:p>
+            <a:r>
+              <a:rPr lang="it-IT" sz="2000" b="1" dirty="0" smtClean="0">
+                <a:latin typeface="Arial" pitchFamily="34" charset="0"/>
+                <a:cs typeface="Arial" pitchFamily="34" charset="0"/>
+              </a:rPr>
+              <a:t>Difetti dell’implementazione:</a:t>
+            </a:r>
+          </a:p>
+        </p:txBody>
+      </p:sp>
+      <p:sp>
+        <p:nvSpPr>
+          <p:cNvPr id="10" name="CasellaDiTesto 9"/>
+          <p:cNvSpPr txBox="1"/>
+          <p:nvPr/>
+        </p:nvSpPr>
+        <p:spPr>
+          <a:xfrm>
+            <a:off x="285720" y="3071810"/>
+            <a:ext cx="8429716" cy="646331"/>
+          </a:xfrm>
+          <a:prstGeom prst="rect">
+            <a:avLst/>
+          </a:prstGeom>
+          <a:noFill/>
+        </p:spPr>
+        <p:txBody>
           <a:bodyPr wrap="square" rtlCol="0">
             <a:spAutoFit/>
           </a:bodyPr>
           <a:lstStyle/>
           <a:p>
-            <a:r>
-              <a:rPr lang="it-IT" b="1" dirty="0" smtClean="0">
-                <a:latin typeface="Arial" pitchFamily="34" charset="0"/>
-                <a:cs typeface="Arial" pitchFamily="34" charset="0"/>
-              </a:rPr>
-              <a:t>Motivazioni problemi riscontrati:</a:t>
-            </a:r>
-          </a:p>
-          <a:p>
             <a:pPr marL="342900" indent="-342900">
               <a:buAutoNum type="arabicPeriod"/>
             </a:pPr>
@@ -11643,26 +11773,71 @@
                 <a:latin typeface="Arial" pitchFamily="34" charset="0"/>
                 <a:cs typeface="Arial" pitchFamily="34" charset="0"/>
               </a:rPr>
-              <a:t>Data la mancanza di tempo necessario tutti i contratti sono stati definiti solo dove necessario senza l’incapsulamento di contratti simili in separati metodi (o classi) . </a:t>
+              <a:t>E’ stata implementata un’unica eccezione.</a:t>
             </a:r>
           </a:p>
           <a:p>
             <a:pPr marL="342900" indent="-342900">
               <a:buAutoNum type="arabicPeriod"/>
             </a:pPr>
+            <a:endParaRPr lang="it-IT" dirty="0">
+              <a:latin typeface="Arial" pitchFamily="34" charset="0"/>
+              <a:cs typeface="Arial" pitchFamily="34" charset="0"/>
+            </a:endParaRPr>
+          </a:p>
+        </p:txBody>
+      </p:sp>
+      <p:sp>
+        <p:nvSpPr>
+          <p:cNvPr id="11" name="CasellaDiTesto 10"/>
+          <p:cNvSpPr txBox="1"/>
+          <p:nvPr/>
+        </p:nvSpPr>
+        <p:spPr>
+          <a:xfrm>
+            <a:off x="214282" y="4214818"/>
+            <a:ext cx="8572560" cy="646331"/>
+          </a:xfrm>
+          <a:prstGeom prst="rect">
+            <a:avLst/>
+          </a:prstGeom>
+          <a:noFill/>
+        </p:spPr>
+        <p:txBody>
+          <a:bodyPr wrap="square" rtlCol="0">
+            <a:spAutoFit/>
+          </a:bodyPr>
+          <a:lstStyle/>
+          <a:p>
+            <a:r>
+              <a:rPr lang="it-IT" b="1" dirty="0" smtClean="0">
+                <a:latin typeface="Arial" pitchFamily="34" charset="0"/>
+                <a:cs typeface="Arial" pitchFamily="34" charset="0"/>
+              </a:rPr>
+              <a:t>Motivazioni problemi riscontrati:</a:t>
+            </a:r>
+          </a:p>
+          <a:p>
+            <a:r>
+              <a:rPr lang="it-IT" b="1" dirty="0" smtClean="0">
+                <a:latin typeface="Arial" pitchFamily="34" charset="0"/>
+                <a:cs typeface="Arial" pitchFamily="34" charset="0"/>
+              </a:rPr>
+              <a:t>1. </a:t>
+            </a:r>
             <a:r>
               <a:rPr lang="it-IT" dirty="0" smtClean="0">
                 <a:latin typeface="Arial" pitchFamily="34" charset="0"/>
                 <a:cs typeface="Arial" pitchFamily="34" charset="0"/>
               </a:rPr>
-              <a:t>Dato il punto 2 l’identificazione degli OCL è stata definita una sola volta per i contratti simili.</a:t>
-            </a:r>
-          </a:p>
-        </p:txBody>
-      </p:sp>
-      <p:sp>
-        <p:nvSpPr>
-          <p:cNvPr id="5" name="CasellaDiTesto 4"/>
+              <a:t>Data la mancanza di tempo necessario è stata definita un’unica eccezione . </a:t>
+            </a:r>
+          </a:p>
+        </p:txBody>
+      </p:sp>
+      <p:sp>
+        <p:nvSpPr>
+          <p:cNvPr id="7" name="CasellaDiTesto 6"/>
           <p:cNvSpPr txBox="1"/>
           <p:nvPr/>
         </p:nvSpPr>
@@ -11766,373 +11941,6 @@
         </p:nvSpPr>
         <p:spPr>
           <a:xfrm>
-            <a:off x="3143240" y="0"/>
-            <a:ext cx="2398926" cy="369332"/>
-          </a:xfrm>
-          <a:prstGeom prst="rect">
-            <a:avLst/>
-          </a:prstGeom>
-          <a:noFill/>
-        </p:spPr>
-        <p:txBody>
-          <a:bodyPr wrap="none" rtlCol="0">
-            <a:spAutoFit/>
-          </a:bodyPr>
-          <a:lstStyle/>
-          <a:p>
-            <a:r>
-              <a:rPr lang="it-IT" b="1" dirty="0" smtClean="0">
-                <a:latin typeface="Arial" pitchFamily="34" charset="0"/>
-                <a:cs typeface="Arial" pitchFamily="34" charset="0"/>
-              </a:rPr>
-              <a:t>IMPLEMENTAZIONE</a:t>
-            </a:r>
-            <a:endParaRPr lang="it-IT" b="1" dirty="0">
-              <a:latin typeface="Arial" pitchFamily="34" charset="0"/>
-              <a:cs typeface="Arial" pitchFamily="34" charset="0"/>
-            </a:endParaRPr>
-          </a:p>
-        </p:txBody>
-      </p:sp>
-      <p:sp>
-        <p:nvSpPr>
-          <p:cNvPr id="3" name="CasellaDiTesto 2"/>
-          <p:cNvSpPr txBox="1"/>
-          <p:nvPr/>
-        </p:nvSpPr>
-        <p:spPr>
-          <a:xfrm>
-            <a:off x="0" y="642918"/>
-            <a:ext cx="8802474" cy="2585323"/>
-          </a:xfrm>
-          <a:prstGeom prst="rect">
-            <a:avLst/>
-          </a:prstGeom>
-          <a:noFill/>
-        </p:spPr>
-        <p:txBody>
-          <a:bodyPr wrap="none" rtlCol="0">
-            <a:spAutoFit/>
-          </a:bodyPr>
-          <a:lstStyle/>
-          <a:p>
-            <a:r>
-              <a:rPr lang="it-IT" i="1" dirty="0" smtClean="0">
-                <a:latin typeface="Arial" pitchFamily="34" charset="0"/>
-                <a:cs typeface="Arial" pitchFamily="34" charset="0"/>
-              </a:rPr>
-              <a:t>Funzionalità implementate:</a:t>
-            </a:r>
-          </a:p>
-          <a:p>
-            <a:r>
-              <a:rPr lang="it-IT" dirty="0" smtClean="0">
-                <a:latin typeface="Arial" pitchFamily="34" charset="0"/>
-                <a:cs typeface="Arial" pitchFamily="34" charset="0"/>
-              </a:rPr>
-              <a:t>-Tutte le funzionalità per il Cliente</a:t>
-            </a:r>
-          </a:p>
-          <a:p>
-            <a:r>
-              <a:rPr lang="it-IT" dirty="0" smtClean="0">
-                <a:latin typeface="Arial" pitchFamily="34" charset="0"/>
-                <a:cs typeface="Arial" pitchFamily="34" charset="0"/>
-              </a:rPr>
-              <a:t>-Tutte le funzionalità per l’addetto ai servizi al pubblico</a:t>
-            </a:r>
-          </a:p>
-          <a:p>
-            <a:r>
-              <a:rPr lang="it-IT" dirty="0" smtClean="0">
-                <a:latin typeface="Arial" pitchFamily="34" charset="0"/>
-                <a:cs typeface="Arial" pitchFamily="34" charset="0"/>
-              </a:rPr>
-              <a:t>-Visualizzazione delle richieste dei Clienti da parte dell’addetto ai servizi agli ordini.</a:t>
-            </a:r>
-          </a:p>
-          <a:p>
-            <a:r>
-              <a:rPr lang="it-IT" dirty="0" smtClean="0">
-                <a:latin typeface="Arial" pitchFamily="34" charset="0"/>
-                <a:cs typeface="Arial" pitchFamily="34" charset="0"/>
-              </a:rPr>
-              <a:t>L’implementazione del sistema </a:t>
-            </a:r>
-            <a:r>
-              <a:rPr lang="it-IT" dirty="0" err="1" smtClean="0">
-                <a:latin typeface="Arial" pitchFamily="34" charset="0"/>
-                <a:cs typeface="Arial" pitchFamily="34" charset="0"/>
-              </a:rPr>
-              <a:t>CBUnisa</a:t>
-            </a:r>
-            <a:r>
-              <a:rPr lang="it-IT" dirty="0" smtClean="0">
-                <a:latin typeface="Arial" pitchFamily="34" charset="0"/>
-                <a:cs typeface="Arial" pitchFamily="34" charset="0"/>
-              </a:rPr>
-              <a:t> ha seguito perfettamente la definizione dell’</a:t>
-            </a:r>
-          </a:p>
-          <a:p>
-            <a:r>
-              <a:rPr lang="it-IT" dirty="0" smtClean="0">
-                <a:latin typeface="Arial" pitchFamily="34" charset="0"/>
-                <a:cs typeface="Arial" pitchFamily="34" charset="0"/>
-              </a:rPr>
-              <a:t>Architettura documentata nell’SDD e di conseguenza nell’ODD</a:t>
-            </a:r>
-          </a:p>
-          <a:p>
-            <a:endParaRPr lang="it-IT" dirty="0" smtClean="0">
-              <a:latin typeface="Arial" pitchFamily="34" charset="0"/>
-              <a:cs typeface="Arial" pitchFamily="34" charset="0"/>
-            </a:endParaRPr>
-          </a:p>
-          <a:p>
-            <a:endParaRPr lang="it-IT" dirty="0">
-              <a:latin typeface="Arial" pitchFamily="34" charset="0"/>
-              <a:cs typeface="Arial" pitchFamily="34" charset="0"/>
-            </a:endParaRPr>
-          </a:p>
-          <a:p>
-            <a:endParaRPr lang="it-IT" dirty="0">
-              <a:latin typeface="Arial" pitchFamily="34" charset="0"/>
-              <a:cs typeface="Arial" pitchFamily="34" charset="0"/>
-            </a:endParaRPr>
-          </a:p>
-        </p:txBody>
-      </p:sp>
-      <p:sp>
-        <p:nvSpPr>
-          <p:cNvPr id="9" name="CasellaDiTesto 8"/>
-          <p:cNvSpPr txBox="1"/>
-          <p:nvPr/>
-        </p:nvSpPr>
-        <p:spPr>
-          <a:xfrm>
-            <a:off x="285720" y="2714620"/>
-            <a:ext cx="3655168" cy="400110"/>
-          </a:xfrm>
-          <a:prstGeom prst="rect">
-            <a:avLst/>
-          </a:prstGeom>
-          <a:noFill/>
-        </p:spPr>
-        <p:txBody>
-          <a:bodyPr wrap="none" rtlCol="0">
-            <a:spAutoFit/>
-          </a:bodyPr>
-          <a:lstStyle/>
-          <a:p>
-            <a:r>
-              <a:rPr lang="it-IT" sz="2000" b="1" dirty="0" smtClean="0">
-                <a:latin typeface="Arial" pitchFamily="34" charset="0"/>
-                <a:cs typeface="Arial" pitchFamily="34" charset="0"/>
-              </a:rPr>
-              <a:t>Difetti dell’implementazione:</a:t>
-            </a:r>
-          </a:p>
-        </p:txBody>
-      </p:sp>
-      <p:sp>
-        <p:nvSpPr>
-          <p:cNvPr id="10" name="CasellaDiTesto 9"/>
-          <p:cNvSpPr txBox="1"/>
-          <p:nvPr/>
-        </p:nvSpPr>
-        <p:spPr>
-          <a:xfrm>
-            <a:off x="285720" y="3071810"/>
-            <a:ext cx="8429716" cy="646331"/>
-          </a:xfrm>
-          <a:prstGeom prst="rect">
-            <a:avLst/>
-          </a:prstGeom>
-          <a:noFill/>
-        </p:spPr>
-        <p:txBody>
-          <a:bodyPr wrap="square" rtlCol="0">
-            <a:spAutoFit/>
-          </a:bodyPr>
-          <a:lstStyle/>
-          <a:p>
-            <a:pPr marL="342900" indent="-342900">
-              <a:buAutoNum type="arabicPeriod"/>
-            </a:pPr>
-            <a:r>
-              <a:rPr lang="it-IT" dirty="0" smtClean="0">
-                <a:latin typeface="Arial" pitchFamily="34" charset="0"/>
-                <a:cs typeface="Arial" pitchFamily="34" charset="0"/>
-              </a:rPr>
-              <a:t>E’ stata implementata un’unica eccezione.</a:t>
-            </a:r>
-          </a:p>
-          <a:p>
-            <a:pPr marL="342900" indent="-342900">
-              <a:buAutoNum type="arabicPeriod"/>
-            </a:pPr>
-            <a:endParaRPr lang="it-IT" dirty="0">
-              <a:latin typeface="Arial" pitchFamily="34" charset="0"/>
-              <a:cs typeface="Arial" pitchFamily="34" charset="0"/>
-            </a:endParaRPr>
-          </a:p>
-        </p:txBody>
-      </p:sp>
-      <p:sp>
-        <p:nvSpPr>
-          <p:cNvPr id="11" name="CasellaDiTesto 10"/>
-          <p:cNvSpPr txBox="1"/>
-          <p:nvPr/>
-        </p:nvSpPr>
-        <p:spPr>
-          <a:xfrm>
-            <a:off x="214282" y="4214818"/>
-            <a:ext cx="8572560" cy="646331"/>
-          </a:xfrm>
-          <a:prstGeom prst="rect">
-            <a:avLst/>
-          </a:prstGeom>
-          <a:noFill/>
-        </p:spPr>
-        <p:txBody>
-          <a:bodyPr wrap="square" rtlCol="0">
-            <a:spAutoFit/>
-          </a:bodyPr>
-          <a:lstStyle/>
-          <a:p>
-            <a:r>
-              <a:rPr lang="it-IT" b="1" dirty="0" smtClean="0">
-                <a:latin typeface="Arial" pitchFamily="34" charset="0"/>
-                <a:cs typeface="Arial" pitchFamily="34" charset="0"/>
-              </a:rPr>
-              <a:t>Motivazioni problemi riscontrati:</a:t>
-            </a:r>
-          </a:p>
-          <a:p>
-            <a:r>
-              <a:rPr lang="it-IT" b="1" dirty="0" smtClean="0">
-                <a:latin typeface="Arial" pitchFamily="34" charset="0"/>
-                <a:cs typeface="Arial" pitchFamily="34" charset="0"/>
-              </a:rPr>
-              <a:t>1. </a:t>
-            </a:r>
-            <a:r>
-              <a:rPr lang="it-IT" dirty="0" smtClean="0">
-                <a:latin typeface="Arial" pitchFamily="34" charset="0"/>
-                <a:cs typeface="Arial" pitchFamily="34" charset="0"/>
-              </a:rPr>
-              <a:t>Data la mancanza di tempo necessario è stata definita un’unica eccezione . </a:t>
-            </a:r>
-          </a:p>
-        </p:txBody>
-      </p:sp>
-      <p:sp>
-        <p:nvSpPr>
-          <p:cNvPr id="7" name="CasellaDiTesto 6"/>
-          <p:cNvSpPr txBox="1"/>
-          <p:nvPr/>
-        </p:nvSpPr>
-        <p:spPr>
-          <a:xfrm>
-            <a:off x="144446" y="5229200"/>
-            <a:ext cx="9005992" cy="1200329"/>
-          </a:xfrm>
-          <a:prstGeom prst="rect">
-            <a:avLst/>
-          </a:prstGeom>
-          <a:noFill/>
-        </p:spPr>
-        <p:txBody>
-          <a:bodyPr wrap="none" rtlCol="0">
-            <a:spAutoFit/>
-          </a:bodyPr>
-          <a:lstStyle/>
-          <a:p>
-            <a:r>
-              <a:rPr lang="it-IT" sz="2400" b="1" dirty="0" smtClean="0">
-                <a:solidFill>
-                  <a:srgbClr val="FF0000"/>
-                </a:solidFill>
-                <a:latin typeface="Arial" pitchFamily="34" charset="0"/>
-                <a:cs typeface="Arial" pitchFamily="34" charset="0"/>
-              </a:rPr>
-              <a:t>Parlate di problemi inerenti prettamente al vostro sotto team</a:t>
-            </a:r>
-          </a:p>
-          <a:p>
-            <a:r>
-              <a:rPr lang="it-IT" sz="2400" b="1" dirty="0" smtClean="0">
-                <a:solidFill>
-                  <a:srgbClr val="FF0000"/>
-                </a:solidFill>
-                <a:latin typeface="Arial" pitchFamily="34" charset="0"/>
-                <a:cs typeface="Arial" pitchFamily="34" charset="0"/>
-              </a:rPr>
-              <a:t>Dite anche cose positive</a:t>
-            </a:r>
-          </a:p>
-          <a:p>
-            <a:r>
-              <a:rPr lang="it-IT" sz="2400" b="1" dirty="0" smtClean="0">
-                <a:solidFill>
-                  <a:srgbClr val="FF0000"/>
-                </a:solidFill>
-                <a:latin typeface="Arial" pitchFamily="34" charset="0"/>
-                <a:cs typeface="Arial" pitchFamily="34" charset="0"/>
-              </a:rPr>
-              <a:t>Fatevi aiutare dal questionario</a:t>
-            </a:r>
-            <a:endParaRPr lang="it-IT" sz="2400" b="1" dirty="0">
-              <a:solidFill>
-                <a:srgbClr val="FF0000"/>
-              </a:solidFill>
-              <a:latin typeface="Arial" pitchFamily="34" charset="0"/>
-              <a:cs typeface="Arial" pitchFamily="34" charset="0"/>
-            </a:endParaRPr>
-          </a:p>
-        </p:txBody>
-      </p:sp>
-    </p:spTree>
-  </p:cSld>
-  <p:clrMapOvr>
-    <a:masterClrMapping/>
-  </p:clrMapOvr>
-  <p:timing>
-    <p:tnLst>
-      <p:par>
-        <p:cTn id="1" dur="indefinite" restart="never" nodeType="tmRoot"/>
-      </p:par>
-    </p:tnLst>
-  </p:timing>
-</p:sld>
-</file>
-
-<file path=ppt/slides/slide29.xml><?xml version="1.0" encoding="utf-8"?>
-<p:sld xmlns:a="http://schemas.openxmlformats.org/drawingml/2006/main" xmlns:r="http://schemas.openxmlformats.org/officeDocument/2006/relationships" xmlns:p="http://schemas.openxmlformats.org/presentationml/2006/main">
-  <p:cSld>
-    <p:spTree>
-      <p:nvGrpSpPr>
-        <p:cNvPr id="1" name=""/>
-        <p:cNvGrpSpPr/>
-        <p:nvPr/>
-      </p:nvGrpSpPr>
-      <p:grpSpPr>
-        <a:xfrm>
-          <a:off x="0" y="0"/>
-          <a:ext cx="0" cy="0"/>
-          <a:chOff x="0" y="0"/>
-          <a:chExt cx="0" cy="0"/>
-        </a:xfrm>
-      </p:grpSpPr>
-      <p:sp>
-        <p:nvSpPr>
-          <p:cNvPr id="2" name="CasellaDiTesto 1"/>
-          <p:cNvSpPr txBox="1"/>
-          <p:nvPr/>
-        </p:nvSpPr>
-        <p:spPr>
-          <a:xfrm>
             <a:off x="3929058" y="285728"/>
             <a:ext cx="1107996" cy="461665"/>
           </a:xfrm>
@@ -12341,496 +12149,7 @@
 </p:sld>
 </file>
 
-<file path=ppt/slides/slide3.xml><?xml version="1.0" encoding="utf-8"?>
-<p:sld xmlns:a="http://schemas.openxmlformats.org/drawingml/2006/main" xmlns:r="http://schemas.openxmlformats.org/officeDocument/2006/relationships" xmlns:p="http://schemas.openxmlformats.org/presentationml/2006/main">
-  <p:cSld>
-    <p:spTree>
-      <p:nvGrpSpPr>
-        <p:cNvPr id="1" name=""/>
-        <p:cNvGrpSpPr/>
-        <p:nvPr/>
-      </p:nvGrpSpPr>
-      <p:grpSpPr>
-        <a:xfrm>
-          <a:off x="0" y="0"/>
-          <a:ext cx="0" cy="0"/>
-          <a:chOff x="0" y="0"/>
-          <a:chExt cx="0" cy="0"/>
-        </a:xfrm>
-      </p:grpSpPr>
-      <p:sp>
-        <p:nvSpPr>
-          <p:cNvPr id="2" name="CasellaDiTesto 1"/>
-          <p:cNvSpPr txBox="1"/>
-          <p:nvPr/>
-        </p:nvSpPr>
-        <p:spPr>
-          <a:xfrm>
-            <a:off x="1928794" y="1"/>
-            <a:ext cx="5310043" cy="369332"/>
-          </a:xfrm>
-          <a:prstGeom prst="rect">
-            <a:avLst/>
-          </a:prstGeom>
-          <a:noFill/>
-        </p:spPr>
-        <p:txBody>
-          <a:bodyPr wrap="square" rtlCol="0">
-            <a:spAutoFit/>
-          </a:bodyPr>
-          <a:lstStyle/>
-          <a:p>
-            <a:r>
-              <a:rPr lang="it-IT" b="1" dirty="0" smtClean="0">
-                <a:latin typeface="Arial" pitchFamily="34" charset="0"/>
-                <a:cs typeface="Arial" pitchFamily="34" charset="0"/>
-              </a:rPr>
-              <a:t>SCENARIO IDENTIFICATIVO PER IL SISTEMA :</a:t>
-            </a:r>
-          </a:p>
-        </p:txBody>
-      </p:sp>
-      <p:graphicFrame>
-        <p:nvGraphicFramePr>
-          <p:cNvPr id="3" name="Tabella 2"/>
-          <p:cNvGraphicFramePr>
-            <a:graphicFrameLocks noGrp="1"/>
-          </p:cNvGraphicFramePr>
-          <p:nvPr/>
-        </p:nvGraphicFramePr>
-        <p:xfrm>
-          <a:off x="285720" y="642918"/>
-          <a:ext cx="8572560" cy="5881945"/>
-        </p:xfrm>
-        <a:graphic>
-          <a:graphicData uri="http://schemas.openxmlformats.org/drawingml/2006/table">
-            <a:tbl>
-              <a:tblPr firstRow="1" bandRow="1">
-                <a:tableStyleId>{5C22544A-7EE6-4342-B048-85BDC9FD1C3A}</a:tableStyleId>
-              </a:tblPr>
-              <a:tblGrid>
-                <a:gridCol w="1921968"/>
-                <a:gridCol w="6650592"/>
-              </a:tblGrid>
-              <a:tr h="401705">
-                <a:tc>
-                  <a:txBody>
-                    <a:bodyPr/>
-                    <a:lstStyle/>
-                    <a:p>
-                      <a:r>
-                        <a:rPr lang="it-IT" dirty="0" smtClean="0"/>
-                        <a:t>Nome</a:t>
-                      </a:r>
-                      <a:r>
-                        <a:rPr lang="it-IT" baseline="0" dirty="0" smtClean="0"/>
-                        <a:t> dello scenario</a:t>
-                      </a:r>
-                      <a:endParaRPr lang="it-IT" dirty="0"/>
-                    </a:p>
-                  </a:txBody>
-                  <a:tcPr/>
-                </a:tc>
-                <a:tc>
-                  <a:txBody>
-                    <a:bodyPr/>
-                    <a:lstStyle/>
-                    <a:p>
-                      <a:r>
-                        <a:rPr lang="it-IT" dirty="0" smtClean="0"/>
-                        <a:t>Prenotazione libro</a:t>
-                      </a:r>
-                      <a:r>
-                        <a:rPr lang="it-IT" baseline="0" dirty="0" smtClean="0"/>
-                        <a:t> non disponibile</a:t>
-                      </a:r>
-                      <a:endParaRPr lang="it-IT" dirty="0"/>
-                    </a:p>
-                  </a:txBody>
-                  <a:tcPr/>
-                </a:tc>
-              </a:tr>
-              <a:tr h="669865">
-                <a:tc>
-                  <a:txBody>
-                    <a:bodyPr/>
-                    <a:lstStyle/>
-                    <a:p>
-                      <a:r>
-                        <a:rPr lang="it-IT" dirty="0" smtClean="0"/>
-                        <a:t>Attori Partecipanti</a:t>
-                      </a:r>
-                      <a:endParaRPr lang="it-IT" dirty="0"/>
-                    </a:p>
-                  </a:txBody>
-                  <a:tcPr/>
-                </a:tc>
-                <a:tc>
-                  <a:txBody>
-                    <a:bodyPr/>
-                    <a:lstStyle/>
-                    <a:p>
-                      <a:r>
-                        <a:rPr lang="it-IT" sz="1200" dirty="0" smtClean="0">
-                          <a:latin typeface="Arial" pitchFamily="34" charset="0"/>
-                          <a:cs typeface="Arial" pitchFamily="34" charset="0"/>
-                        </a:rPr>
-                        <a:t>Paolo</a:t>
-                      </a:r>
-                      <a:r>
-                        <a:rPr lang="it-IT" sz="1200" baseline="0" dirty="0" smtClean="0">
-                          <a:latin typeface="Arial" pitchFamily="34" charset="0"/>
-                          <a:cs typeface="Arial" pitchFamily="34" charset="0"/>
-                        </a:rPr>
-                        <a:t> Bianchi : Cliente</a:t>
-                      </a:r>
-                      <a:endParaRPr lang="it-IT" sz="1200" dirty="0">
-                        <a:latin typeface="Arial" pitchFamily="34" charset="0"/>
-                        <a:cs typeface="Arial" pitchFamily="34" charset="0"/>
-                      </a:endParaRPr>
-                    </a:p>
-                  </a:txBody>
-                  <a:tcPr/>
-                </a:tc>
-              </a:tr>
-              <a:tr h="4469084">
-                <a:tc>
-                  <a:txBody>
-                    <a:bodyPr/>
-                    <a:lstStyle/>
-                    <a:p>
-                      <a:endParaRPr lang="it-IT"/>
-                    </a:p>
-                  </a:txBody>
-                  <a:tcPr/>
-                </a:tc>
-                <a:tc>
-                  <a:txBody>
-                    <a:bodyPr/>
-                    <a:lstStyle/>
-                    <a:p>
-                      <a:r>
-                        <a:rPr lang="it-IT" sz="1200" b="1" dirty="0" smtClean="0">
-                          <a:latin typeface="Arial" pitchFamily="34" charset="0"/>
-                          <a:cs typeface="Arial" pitchFamily="34" charset="0"/>
-                        </a:rPr>
-                        <a:t>1. </a:t>
-                      </a:r>
-                      <a:r>
-                        <a:rPr lang="it-IT" sz="1200" dirty="0" smtClean="0">
-                          <a:latin typeface="Arial" pitchFamily="34" charset="0"/>
-                          <a:cs typeface="Arial" pitchFamily="34" charset="0"/>
-                        </a:rPr>
-                        <a:t>Paolo è uno studente che frequenta il corso di laurea in Matematica presso l'Università degli Studi di Salerno. Per il corso di “Fisica” vuole prenotare un libro di supporto per esercizi.</a:t>
-                      </a:r>
-                    </a:p>
-                    <a:p>
-                      <a:r>
-                        <a:rPr lang="it-IT" sz="1200" b="1" dirty="0" smtClean="0">
-                          <a:latin typeface="Arial" pitchFamily="34" charset="0"/>
-                          <a:cs typeface="Arial" pitchFamily="34" charset="0"/>
-                        </a:rPr>
-                        <a:t>2. </a:t>
-                      </a:r>
-                      <a:r>
-                        <a:rPr lang="it-IT" sz="1200" dirty="0" smtClean="0">
-                          <a:latin typeface="Arial" pitchFamily="34" charset="0"/>
-                          <a:cs typeface="Arial" pitchFamily="34" charset="0"/>
-                        </a:rPr>
-                        <a:t>Paolo  accende il suo PC e si connette alla rete;</a:t>
-                      </a:r>
-                    </a:p>
-                    <a:p>
-                      <a:r>
-                        <a:rPr lang="it-IT" sz="1200" b="1" dirty="0" smtClean="0">
-                          <a:latin typeface="Arial" pitchFamily="34" charset="0"/>
-                          <a:cs typeface="Arial" pitchFamily="34" charset="0"/>
-                        </a:rPr>
-                        <a:t>3</a:t>
-                      </a:r>
-                      <a:r>
-                        <a:rPr lang="it-IT" sz="1200" dirty="0" smtClean="0">
-                          <a:latin typeface="Arial" pitchFamily="34" charset="0"/>
-                          <a:cs typeface="Arial" pitchFamily="34" charset="0"/>
-                        </a:rPr>
-                        <a:t>. Accede al sito della biblioteca di ateneo;</a:t>
-                      </a:r>
-                    </a:p>
-                    <a:p>
-                      <a:r>
-                        <a:rPr lang="it-IT" sz="1200" b="1" dirty="0" smtClean="0">
-                          <a:latin typeface="Arial" pitchFamily="34" charset="0"/>
-                          <a:cs typeface="Arial" pitchFamily="34" charset="0"/>
-                        </a:rPr>
-                        <a:t>4</a:t>
-                      </a:r>
-                      <a:r>
-                        <a:rPr lang="it-IT" sz="1200" dirty="0" smtClean="0">
-                          <a:latin typeface="Arial" pitchFamily="34" charset="0"/>
-                          <a:cs typeface="Arial" pitchFamily="34" charset="0"/>
-                        </a:rPr>
-                        <a:t>. Il sistema mostra i servizi messi a disposizione per i clienti;</a:t>
-                      </a:r>
-                    </a:p>
-                    <a:p>
-                      <a:r>
-                        <a:rPr lang="it-IT" sz="1200" b="1" dirty="0" smtClean="0">
-                          <a:latin typeface="Arial" pitchFamily="34" charset="0"/>
-                          <a:cs typeface="Arial" pitchFamily="34" charset="0"/>
-                        </a:rPr>
-                        <a:t>5</a:t>
-                      </a:r>
-                      <a:r>
-                        <a:rPr lang="it-IT" sz="1200" dirty="0" smtClean="0">
-                          <a:latin typeface="Arial" pitchFamily="34" charset="0"/>
-                          <a:cs typeface="Arial" pitchFamily="34" charset="0"/>
-                        </a:rPr>
-                        <a:t>. Paolo sceglie la funzionalità di ricerca tematica;</a:t>
-                      </a:r>
-                    </a:p>
-                    <a:p>
-                      <a:r>
-                        <a:rPr lang="it-IT" sz="1200" b="1" dirty="0" smtClean="0">
-                          <a:latin typeface="Arial" pitchFamily="34" charset="0"/>
-                          <a:cs typeface="Arial" pitchFamily="34" charset="0"/>
-                        </a:rPr>
-                        <a:t>6</a:t>
-                      </a:r>
-                      <a:r>
-                        <a:rPr lang="it-IT" sz="1200" dirty="0" smtClean="0">
-                          <a:latin typeface="Arial" pitchFamily="34" charset="0"/>
-                          <a:cs typeface="Arial" pitchFamily="34" charset="0"/>
-                        </a:rPr>
-                        <a:t>. Il sistema mostra un </a:t>
-                      </a:r>
-                      <a:r>
-                        <a:rPr lang="it-IT" sz="1200" dirty="0" err="1" smtClean="0">
-                          <a:latin typeface="Arial" pitchFamily="34" charset="0"/>
-                          <a:cs typeface="Arial" pitchFamily="34" charset="0"/>
-                        </a:rPr>
-                        <a:t>form</a:t>
-                      </a:r>
-                      <a:r>
-                        <a:rPr lang="it-IT" sz="1200" dirty="0" smtClean="0">
-                          <a:latin typeface="Arial" pitchFamily="34" charset="0"/>
-                          <a:cs typeface="Arial" pitchFamily="34" charset="0"/>
-                        </a:rPr>
-                        <a:t> con un campo da compilare, ossia il campo relativo all'argomento da ricercare.</a:t>
-                      </a:r>
-                    </a:p>
-                    <a:p>
-                      <a:r>
-                        <a:rPr lang="it-IT" sz="1200" b="1" dirty="0" smtClean="0">
-                          <a:latin typeface="Arial" pitchFamily="34" charset="0"/>
-                          <a:cs typeface="Arial" pitchFamily="34" charset="0"/>
-                        </a:rPr>
-                        <a:t>7</a:t>
-                      </a:r>
-                      <a:r>
-                        <a:rPr lang="it-IT" sz="1200" dirty="0" smtClean="0">
-                          <a:latin typeface="Arial" pitchFamily="34" charset="0"/>
-                          <a:cs typeface="Arial" pitchFamily="34" charset="0"/>
-                        </a:rPr>
-                        <a:t>. Paolo non conoscendo informazioni sul libro da ricercare, per restringere il campo, inserisce nell'apposito campo il seguente </a:t>
-                      </a:r>
-                      <a:r>
-                        <a:rPr lang="it-IT" sz="1200" dirty="0" err="1" smtClean="0">
-                          <a:latin typeface="Arial" pitchFamily="34" charset="0"/>
-                          <a:cs typeface="Arial" pitchFamily="34" charset="0"/>
-                        </a:rPr>
-                        <a:t>tag</a:t>
-                      </a:r>
-                      <a:r>
-                        <a:rPr lang="it-IT" sz="1200" dirty="0" smtClean="0">
-                          <a:latin typeface="Arial" pitchFamily="34" charset="0"/>
-                          <a:cs typeface="Arial" pitchFamily="34" charset="0"/>
-                        </a:rPr>
-                        <a:t>: “fisica teorica, Landau”. </a:t>
-                      </a:r>
-                    </a:p>
-                    <a:p>
-                      <a:r>
-                        <a:rPr lang="it-IT" sz="1200" b="1" dirty="0" smtClean="0">
-                          <a:latin typeface="Arial" pitchFamily="34" charset="0"/>
-                          <a:cs typeface="Arial" pitchFamily="34" charset="0"/>
-                        </a:rPr>
-                        <a:t>8</a:t>
-                      </a:r>
-                      <a:r>
-                        <a:rPr lang="it-IT" sz="1200" dirty="0" smtClean="0">
-                          <a:latin typeface="Arial" pitchFamily="34" charset="0"/>
-                          <a:cs typeface="Arial" pitchFamily="34" charset="0"/>
-                        </a:rPr>
-                        <a:t>. Il sistema mostra la lista dei libri corrispondenti al </a:t>
-                      </a:r>
-                      <a:r>
-                        <a:rPr lang="it-IT" sz="1200" dirty="0" err="1" smtClean="0">
-                          <a:latin typeface="Arial" pitchFamily="34" charset="0"/>
-                          <a:cs typeface="Arial" pitchFamily="34" charset="0"/>
-                        </a:rPr>
-                        <a:t>tag</a:t>
-                      </a:r>
-                      <a:r>
-                        <a:rPr lang="it-IT" sz="1200" dirty="0" smtClean="0">
-                          <a:latin typeface="Arial" pitchFamily="34" charset="0"/>
-                          <a:cs typeface="Arial" pitchFamily="34" charset="0"/>
-                        </a:rPr>
-                        <a:t> inserito.</a:t>
-                      </a:r>
-                    </a:p>
-                    <a:p>
-                      <a:r>
-                        <a:rPr lang="it-IT" sz="1200" b="1" dirty="0" smtClean="0">
-                          <a:latin typeface="Arial" pitchFamily="34" charset="0"/>
-                          <a:cs typeface="Arial" pitchFamily="34" charset="0"/>
-                        </a:rPr>
-                        <a:t>9</a:t>
-                      </a:r>
-                      <a:r>
-                        <a:rPr lang="it-IT" sz="1200" dirty="0" smtClean="0">
-                          <a:latin typeface="Arial" pitchFamily="34" charset="0"/>
-                          <a:cs typeface="Arial" pitchFamily="34" charset="0"/>
-                        </a:rPr>
-                        <a:t>. Paolo dopo aver visualizzato l'elenco dei libri corrispondenti alla sua ricerca clicca sul pulsante “Dettagli” in corrispondenza del volume di “Fisica teorica”;</a:t>
-                      </a:r>
-                    </a:p>
-                    <a:p>
-                      <a:r>
-                        <a:rPr lang="it-IT" sz="1200" b="1" dirty="0" smtClean="0">
-                          <a:latin typeface="Arial" pitchFamily="34" charset="0"/>
-                          <a:cs typeface="Arial" pitchFamily="34" charset="0"/>
-                        </a:rPr>
-                        <a:t>10</a:t>
-                      </a:r>
-                      <a:r>
-                        <a:rPr lang="it-IT" sz="1200" dirty="0" smtClean="0">
-                          <a:latin typeface="Arial" pitchFamily="34" charset="0"/>
-                          <a:cs typeface="Arial" pitchFamily="34" charset="0"/>
-                        </a:rPr>
-                        <a:t>. Il sistema mostra una scheda con i dettagli del libro;</a:t>
-                      </a:r>
-                    </a:p>
-                    <a:p>
-                      <a:r>
-                        <a:rPr lang="it-IT" sz="1200" b="1" dirty="0" smtClean="0">
-                          <a:latin typeface="Arial" pitchFamily="34" charset="0"/>
-                          <a:cs typeface="Arial" pitchFamily="34" charset="0"/>
-                        </a:rPr>
-                        <a:t>11</a:t>
-                      </a:r>
-                      <a:r>
-                        <a:rPr lang="it-IT" sz="1200" dirty="0" smtClean="0">
-                          <a:latin typeface="Arial" pitchFamily="34" charset="0"/>
-                          <a:cs typeface="Arial" pitchFamily="34" charset="0"/>
-                        </a:rPr>
-                        <a:t>. Paolo nota che il libro sarà disponibile fra due settimane ma decide in ogni caso di prenotarlo, clicca così sul pulsante “Prenota”.</a:t>
-                      </a:r>
-                    </a:p>
-                    <a:p>
-                      <a:r>
-                        <a:rPr lang="it-IT" sz="1200" b="1" dirty="0" smtClean="0">
-                          <a:latin typeface="Arial" pitchFamily="34" charset="0"/>
-                          <a:cs typeface="Arial" pitchFamily="34" charset="0"/>
-                        </a:rPr>
-                        <a:t>12</a:t>
-                      </a:r>
-                      <a:r>
-                        <a:rPr lang="it-IT" sz="1200" dirty="0" smtClean="0">
-                          <a:latin typeface="Arial" pitchFamily="34" charset="0"/>
-                          <a:cs typeface="Arial" pitchFamily="34" charset="0"/>
-                        </a:rPr>
-                        <a:t>. Il sistema mostra il </a:t>
-                      </a:r>
-                      <a:r>
-                        <a:rPr lang="it-IT" sz="1200" dirty="0" err="1" smtClean="0">
-                          <a:latin typeface="Arial" pitchFamily="34" charset="0"/>
-                          <a:cs typeface="Arial" pitchFamily="34" charset="0"/>
-                        </a:rPr>
-                        <a:t>form</a:t>
-                      </a:r>
-                      <a:r>
-                        <a:rPr lang="it-IT" sz="1200" dirty="0" smtClean="0">
-                          <a:latin typeface="Arial" pitchFamily="34" charset="0"/>
-                          <a:cs typeface="Arial" pitchFamily="34" charset="0"/>
-                        </a:rPr>
-                        <a:t> di autenticazione, in quanto Paolo non è ancora identificato al sistema.</a:t>
-                      </a:r>
-                    </a:p>
-                    <a:p>
-                      <a:r>
-                        <a:rPr lang="it-IT" sz="1200" b="1" dirty="0" smtClean="0">
-                          <a:latin typeface="Arial" pitchFamily="34" charset="0"/>
-                          <a:cs typeface="Arial" pitchFamily="34" charset="0"/>
-                        </a:rPr>
-                        <a:t>13</a:t>
-                      </a:r>
-                      <a:r>
-                        <a:rPr lang="it-IT" sz="1200" dirty="0" smtClean="0">
-                          <a:latin typeface="Arial" pitchFamily="34" charset="0"/>
-                          <a:cs typeface="Arial" pitchFamily="34" charset="0"/>
-                        </a:rPr>
-                        <a:t>. Dopo che Paolo si è loggato al sistema, quest'ultimo mostra una scheda riepilogativa dei dati riguardanti la prenotazione, dove è indicato anche il giorno in cui è possibile recarsi alla biblioteca per il ritiro del libro.</a:t>
-                      </a:r>
-                    </a:p>
-                    <a:p>
-                      <a:r>
-                        <a:rPr lang="it-IT" sz="1200" b="1" dirty="0" smtClean="0">
-                          <a:latin typeface="Arial" pitchFamily="34" charset="0"/>
-                          <a:cs typeface="Arial" pitchFamily="34" charset="0"/>
-                        </a:rPr>
-                        <a:t>14. </a:t>
-                      </a:r>
-                      <a:r>
-                        <a:rPr lang="it-IT" sz="1200" dirty="0" smtClean="0">
-                          <a:latin typeface="Arial" pitchFamily="34" charset="0"/>
-                          <a:cs typeface="Arial" pitchFamily="34" charset="0"/>
-                        </a:rPr>
-                        <a:t>Paolo clicca sul pulsante “Conferma”.</a:t>
-                      </a:r>
-                    </a:p>
-                    <a:p>
-                      <a:r>
-                        <a:rPr lang="it-IT" sz="1200" b="1" dirty="0" smtClean="0">
-                          <a:latin typeface="Arial" pitchFamily="34" charset="0"/>
-                          <a:cs typeface="Arial" pitchFamily="34" charset="0"/>
-                        </a:rPr>
-                        <a:t>15</a:t>
-                      </a:r>
-                      <a:r>
-                        <a:rPr lang="it-IT" sz="1200" dirty="0" smtClean="0">
-                          <a:latin typeface="Arial" pitchFamily="34" charset="0"/>
-                          <a:cs typeface="Arial" pitchFamily="34" charset="0"/>
-                        </a:rPr>
-                        <a:t>. Il sistema mostra il messaggio di conferma prenotazione.</a:t>
-                      </a:r>
-                    </a:p>
-                    <a:p>
-                      <a:endParaRPr lang="it-IT" dirty="0"/>
-                    </a:p>
-                  </a:txBody>
-                  <a:tcPr/>
-                </a:tc>
-              </a:tr>
-            </a:tbl>
-          </a:graphicData>
-        </a:graphic>
-      </p:graphicFrame>
-    </p:spTree>
-  </p:cSld>
-  <p:clrMapOvr>
-    <a:masterClrMapping/>
-  </p:clrMapOvr>
-  <p:timing>
-    <p:tnLst>
-      <p:par>
-        <p:cTn id="1" dur="indefinite" restart="never" nodeType="tmRoot"/>
-      </p:par>
-    </p:tnLst>
-  </p:timing>
-</p:sld>
-</file>
-
-<file path=ppt/slides/slide30.xml><?xml version="1.0" encoding="utf-8"?>
+<file path=ppt/slides/slide29.xml><?xml version="1.0" encoding="utf-8"?>
 <p:sld xmlns:a="http://schemas.openxmlformats.org/drawingml/2006/main" xmlns:r="http://schemas.openxmlformats.org/officeDocument/2006/relationships" xmlns:p="http://schemas.openxmlformats.org/presentationml/2006/main">
   <p:cSld>
     <p:spTree>
@@ -13769,7 +13088,538 @@
 </p:sld>
 </file>
 
-<file path=ppt/slides/slide31.xml><?xml version="1.0" encoding="utf-8"?>
+<file path=ppt/slides/slide3.xml><?xml version="1.0" encoding="utf-8"?>
+<p:sld xmlns:a="http://schemas.openxmlformats.org/drawingml/2006/main" xmlns:r="http://schemas.openxmlformats.org/officeDocument/2006/relationships" xmlns:p="http://schemas.openxmlformats.org/presentationml/2006/main">
+  <p:cSld>
+    <p:spTree>
+      <p:nvGrpSpPr>
+        <p:cNvPr id="1" name=""/>
+        <p:cNvGrpSpPr/>
+        <p:nvPr/>
+      </p:nvGrpSpPr>
+      <p:grpSpPr>
+        <a:xfrm>
+          <a:off x="0" y="0"/>
+          <a:ext cx="0" cy="0"/>
+          <a:chOff x="0" y="0"/>
+          <a:chExt cx="0" cy="0"/>
+        </a:xfrm>
+      </p:grpSpPr>
+      <p:sp>
+        <p:nvSpPr>
+          <p:cNvPr id="2" name="CasellaDiTesto 1"/>
+          <p:cNvSpPr txBox="1"/>
+          <p:nvPr/>
+        </p:nvSpPr>
+        <p:spPr>
+          <a:xfrm>
+            <a:off x="1928794" y="1"/>
+            <a:ext cx="5310043" cy="369332"/>
+          </a:xfrm>
+          <a:prstGeom prst="rect">
+            <a:avLst/>
+          </a:prstGeom>
+          <a:noFill/>
+        </p:spPr>
+        <p:txBody>
+          <a:bodyPr wrap="square" rtlCol="0">
+            <a:spAutoFit/>
+          </a:bodyPr>
+          <a:lstStyle/>
+          <a:p>
+            <a:r>
+              <a:rPr lang="it-IT" b="1" dirty="0" smtClean="0">
+                <a:latin typeface="Arial" pitchFamily="34" charset="0"/>
+                <a:cs typeface="Arial" pitchFamily="34" charset="0"/>
+              </a:rPr>
+              <a:t>SCENARIO IDENTIFICATIVO PER IL SISTEMA :</a:t>
+            </a:r>
+          </a:p>
+        </p:txBody>
+      </p:sp>
+      <p:graphicFrame>
+        <p:nvGraphicFramePr>
+          <p:cNvPr id="3" name="Tabella 2"/>
+          <p:cNvGraphicFramePr>
+            <a:graphicFrameLocks noGrp="1"/>
+          </p:cNvGraphicFramePr>
+          <p:nvPr/>
+        </p:nvGraphicFramePr>
+        <p:xfrm>
+          <a:off x="285720" y="642918"/>
+          <a:ext cx="8572560" cy="5881945"/>
+        </p:xfrm>
+        <a:graphic>
+          <a:graphicData uri="http://schemas.openxmlformats.org/drawingml/2006/table">
+            <a:tbl>
+              <a:tblPr firstRow="1" bandRow="1">
+                <a:tableStyleId>{5C22544A-7EE6-4342-B048-85BDC9FD1C3A}</a:tableStyleId>
+              </a:tblPr>
+              <a:tblGrid>
+                <a:gridCol w="1921968"/>
+                <a:gridCol w="6650592"/>
+              </a:tblGrid>
+              <a:tr h="401705">
+                <a:tc>
+                  <a:txBody>
+                    <a:bodyPr/>
+                    <a:lstStyle/>
+                    <a:p>
+                      <a:r>
+                        <a:rPr lang="it-IT" dirty="0" smtClean="0"/>
+                        <a:t>Nome</a:t>
+                      </a:r>
+                      <a:r>
+                        <a:rPr lang="it-IT" baseline="0" dirty="0" smtClean="0"/>
+                        <a:t> dello scenario</a:t>
+                      </a:r>
+                      <a:endParaRPr lang="it-IT" dirty="0"/>
+                    </a:p>
+                  </a:txBody>
+                  <a:tcPr/>
+                </a:tc>
+                <a:tc>
+                  <a:txBody>
+                    <a:bodyPr/>
+                    <a:lstStyle/>
+                    <a:p>
+                      <a:r>
+                        <a:rPr lang="it-IT" dirty="0" smtClean="0"/>
+                        <a:t>Prenotazione libro</a:t>
+                      </a:r>
+                      <a:r>
+                        <a:rPr lang="it-IT" baseline="0" dirty="0" smtClean="0"/>
+                        <a:t> non disponibile</a:t>
+                      </a:r>
+                      <a:endParaRPr lang="it-IT" dirty="0"/>
+                    </a:p>
+                  </a:txBody>
+                  <a:tcPr/>
+                </a:tc>
+              </a:tr>
+              <a:tr h="669865">
+                <a:tc>
+                  <a:txBody>
+                    <a:bodyPr/>
+                    <a:lstStyle/>
+                    <a:p>
+                      <a:r>
+                        <a:rPr lang="it-IT" dirty="0" smtClean="0"/>
+                        <a:t>Attori Partecipanti</a:t>
+                      </a:r>
+                      <a:endParaRPr lang="it-IT" dirty="0"/>
+                    </a:p>
+                  </a:txBody>
+                  <a:tcPr/>
+                </a:tc>
+                <a:tc>
+                  <a:txBody>
+                    <a:bodyPr/>
+                    <a:lstStyle/>
+                    <a:p>
+                      <a:r>
+                        <a:rPr lang="it-IT" sz="1200" dirty="0" smtClean="0">
+                          <a:latin typeface="Arial" pitchFamily="34" charset="0"/>
+                          <a:cs typeface="Arial" pitchFamily="34" charset="0"/>
+                        </a:rPr>
+                        <a:t>Paolo</a:t>
+                      </a:r>
+                      <a:r>
+                        <a:rPr lang="it-IT" sz="1200" baseline="0" dirty="0" smtClean="0">
+                          <a:latin typeface="Arial" pitchFamily="34" charset="0"/>
+                          <a:cs typeface="Arial" pitchFamily="34" charset="0"/>
+                        </a:rPr>
+                        <a:t> Bianchi : Cliente</a:t>
+                      </a:r>
+                      <a:endParaRPr lang="it-IT" sz="1200" dirty="0">
+                        <a:latin typeface="Arial" pitchFamily="34" charset="0"/>
+                        <a:cs typeface="Arial" pitchFamily="34" charset="0"/>
+                      </a:endParaRPr>
+                    </a:p>
+                  </a:txBody>
+                  <a:tcPr/>
+                </a:tc>
+              </a:tr>
+              <a:tr h="4469084">
+                <a:tc>
+                  <a:txBody>
+                    <a:bodyPr/>
+                    <a:lstStyle/>
+                    <a:p>
+                      <a:endParaRPr lang="it-IT"/>
+                    </a:p>
+                  </a:txBody>
+                  <a:tcPr/>
+                </a:tc>
+                <a:tc>
+                  <a:txBody>
+                    <a:bodyPr/>
+                    <a:lstStyle/>
+                    <a:p>
+                      <a:r>
+                        <a:rPr lang="it-IT" sz="1200" b="1" dirty="0" smtClean="0">
+                          <a:latin typeface="Arial" pitchFamily="34" charset="0"/>
+                          <a:cs typeface="Arial" pitchFamily="34" charset="0"/>
+                        </a:rPr>
+                        <a:t>1. </a:t>
+                      </a:r>
+                      <a:r>
+                        <a:rPr lang="it-IT" sz="1200" dirty="0" smtClean="0">
+                          <a:latin typeface="Arial" pitchFamily="34" charset="0"/>
+                          <a:cs typeface="Arial" pitchFamily="34" charset="0"/>
+                        </a:rPr>
+                        <a:t>Paolo è uno studente che frequenta il corso di laurea in Matematica presso l'Università degli Studi di Salerno. Per il corso di “Fisica” vuole prenotare un libro di supporto per esercizi.</a:t>
+                      </a:r>
+                    </a:p>
+                    <a:p>
+                      <a:r>
+                        <a:rPr lang="it-IT" sz="1200" b="1" dirty="0" smtClean="0">
+                          <a:latin typeface="Arial" pitchFamily="34" charset="0"/>
+                          <a:cs typeface="Arial" pitchFamily="34" charset="0"/>
+                        </a:rPr>
+                        <a:t>2. </a:t>
+                      </a:r>
+                      <a:r>
+                        <a:rPr lang="it-IT" sz="1200" dirty="0" smtClean="0">
+                          <a:latin typeface="Arial" pitchFamily="34" charset="0"/>
+                          <a:cs typeface="Arial" pitchFamily="34" charset="0"/>
+                        </a:rPr>
+                        <a:t>Paolo  accende il suo PC e si connette alla rete;</a:t>
+                      </a:r>
+                    </a:p>
+                    <a:p>
+                      <a:r>
+                        <a:rPr lang="it-IT" sz="1200" b="1" dirty="0" smtClean="0">
+                          <a:latin typeface="Arial" pitchFamily="34" charset="0"/>
+                          <a:cs typeface="Arial" pitchFamily="34" charset="0"/>
+                        </a:rPr>
+                        <a:t>3</a:t>
+                      </a:r>
+                      <a:r>
+                        <a:rPr lang="it-IT" sz="1200" dirty="0" smtClean="0">
+                          <a:latin typeface="Arial" pitchFamily="34" charset="0"/>
+                          <a:cs typeface="Arial" pitchFamily="34" charset="0"/>
+                        </a:rPr>
+                        <a:t>. Accede al sito della biblioteca di ateneo;</a:t>
+                      </a:r>
+                    </a:p>
+                    <a:p>
+                      <a:r>
+                        <a:rPr lang="it-IT" sz="1200" b="1" dirty="0" smtClean="0">
+                          <a:latin typeface="Arial" pitchFamily="34" charset="0"/>
+                          <a:cs typeface="Arial" pitchFamily="34" charset="0"/>
+                        </a:rPr>
+                        <a:t>4</a:t>
+                      </a:r>
+                      <a:r>
+                        <a:rPr lang="it-IT" sz="1200" dirty="0" smtClean="0">
+                          <a:latin typeface="Arial" pitchFamily="34" charset="0"/>
+                          <a:cs typeface="Arial" pitchFamily="34" charset="0"/>
+                        </a:rPr>
+                        <a:t>. Il sistema mostra i servizi messi a disposizione per i clienti;</a:t>
+                      </a:r>
+                    </a:p>
+                    <a:p>
+                      <a:r>
+                        <a:rPr lang="it-IT" sz="1200" b="1" dirty="0" smtClean="0">
+                          <a:latin typeface="Arial" pitchFamily="34" charset="0"/>
+                          <a:cs typeface="Arial" pitchFamily="34" charset="0"/>
+                        </a:rPr>
+                        <a:t>5</a:t>
+                      </a:r>
+                      <a:r>
+                        <a:rPr lang="it-IT" sz="1200" dirty="0" smtClean="0">
+                          <a:latin typeface="Arial" pitchFamily="34" charset="0"/>
+                          <a:cs typeface="Arial" pitchFamily="34" charset="0"/>
+                        </a:rPr>
+                        <a:t>. Paolo sceglie la funzionalità di ricerca tematica;</a:t>
+                      </a:r>
+                    </a:p>
+                    <a:p>
+                      <a:r>
+                        <a:rPr lang="it-IT" sz="1200" b="1" dirty="0" smtClean="0">
+                          <a:latin typeface="Arial" pitchFamily="34" charset="0"/>
+                          <a:cs typeface="Arial" pitchFamily="34" charset="0"/>
+                        </a:rPr>
+                        <a:t>6</a:t>
+                      </a:r>
+                      <a:r>
+                        <a:rPr lang="it-IT" sz="1200" dirty="0" smtClean="0">
+                          <a:latin typeface="Arial" pitchFamily="34" charset="0"/>
+                          <a:cs typeface="Arial" pitchFamily="34" charset="0"/>
+                        </a:rPr>
+                        <a:t>. Il sistema mostra un </a:t>
+                      </a:r>
+                      <a:r>
+                        <a:rPr lang="it-IT" sz="1200" dirty="0" err="1" smtClean="0">
+                          <a:latin typeface="Arial" pitchFamily="34" charset="0"/>
+                          <a:cs typeface="Arial" pitchFamily="34" charset="0"/>
+                        </a:rPr>
+                        <a:t>form</a:t>
+                      </a:r>
+                      <a:r>
+                        <a:rPr lang="it-IT" sz="1200" dirty="0" smtClean="0">
+                          <a:latin typeface="Arial" pitchFamily="34" charset="0"/>
+                          <a:cs typeface="Arial" pitchFamily="34" charset="0"/>
+                        </a:rPr>
+                        <a:t> con un campo da compilare, ossia il campo relativo all'argomento da ricercare.</a:t>
+                      </a:r>
+                    </a:p>
+                    <a:p>
+                      <a:r>
+                        <a:rPr lang="it-IT" sz="1200" b="1" dirty="0" smtClean="0">
+                          <a:latin typeface="Arial" pitchFamily="34" charset="0"/>
+                          <a:cs typeface="Arial" pitchFamily="34" charset="0"/>
+                        </a:rPr>
+                        <a:t>7</a:t>
+                      </a:r>
+                      <a:r>
+                        <a:rPr lang="it-IT" sz="1200" dirty="0" smtClean="0">
+                          <a:latin typeface="Arial" pitchFamily="34" charset="0"/>
+                          <a:cs typeface="Arial" pitchFamily="34" charset="0"/>
+                        </a:rPr>
+                        <a:t>. Paolo non conoscendo informazioni sul libro da ricercare, per restringere il campo, inserisce nell'apposito campo il seguente </a:t>
+                      </a:r>
+                      <a:r>
+                        <a:rPr lang="it-IT" sz="1200" dirty="0" err="1" smtClean="0">
+                          <a:latin typeface="Arial" pitchFamily="34" charset="0"/>
+                          <a:cs typeface="Arial" pitchFamily="34" charset="0"/>
+                        </a:rPr>
+                        <a:t>tag</a:t>
+                      </a:r>
+                      <a:r>
+                        <a:rPr lang="it-IT" sz="1200" dirty="0" smtClean="0">
+                          <a:latin typeface="Arial" pitchFamily="34" charset="0"/>
+                          <a:cs typeface="Arial" pitchFamily="34" charset="0"/>
+                        </a:rPr>
+                        <a:t>: “fisica teorica, Landau”. </a:t>
+                      </a:r>
+                    </a:p>
+                    <a:p>
+                      <a:r>
+                        <a:rPr lang="it-IT" sz="1200" b="1" dirty="0" smtClean="0">
+                          <a:latin typeface="Arial" pitchFamily="34" charset="0"/>
+                          <a:cs typeface="Arial" pitchFamily="34" charset="0"/>
+                        </a:rPr>
+                        <a:t>8</a:t>
+                      </a:r>
+                      <a:r>
+                        <a:rPr lang="it-IT" sz="1200" dirty="0" smtClean="0">
+                          <a:latin typeface="Arial" pitchFamily="34" charset="0"/>
+                          <a:cs typeface="Arial" pitchFamily="34" charset="0"/>
+                        </a:rPr>
+                        <a:t>. Il sistema mostra la lista dei libri corrispondenti al </a:t>
+                      </a:r>
+                      <a:r>
+                        <a:rPr lang="it-IT" sz="1200" dirty="0" err="1" smtClean="0">
+                          <a:latin typeface="Arial" pitchFamily="34" charset="0"/>
+                          <a:cs typeface="Arial" pitchFamily="34" charset="0"/>
+                        </a:rPr>
+                        <a:t>tag</a:t>
+                      </a:r>
+                      <a:r>
+                        <a:rPr lang="it-IT" sz="1200" dirty="0" smtClean="0">
+                          <a:latin typeface="Arial" pitchFamily="34" charset="0"/>
+                          <a:cs typeface="Arial" pitchFamily="34" charset="0"/>
+                        </a:rPr>
+                        <a:t> inserito.</a:t>
+                      </a:r>
+                    </a:p>
+                    <a:p>
+                      <a:r>
+                        <a:rPr lang="it-IT" sz="1200" b="1" dirty="0" smtClean="0">
+                          <a:latin typeface="Arial" pitchFamily="34" charset="0"/>
+                          <a:cs typeface="Arial" pitchFamily="34" charset="0"/>
+                        </a:rPr>
+                        <a:t>9</a:t>
+                      </a:r>
+                      <a:r>
+                        <a:rPr lang="it-IT" sz="1200" dirty="0" smtClean="0">
+                          <a:latin typeface="Arial" pitchFamily="34" charset="0"/>
+                          <a:cs typeface="Arial" pitchFamily="34" charset="0"/>
+                        </a:rPr>
+                        <a:t>. Paolo dopo aver visualizzato l'elenco dei libri corrispondenti alla sua ricerca clicca sul pulsante “Dettagli” in corrispondenza del volume di “Fisica teorica”;</a:t>
+                      </a:r>
+                    </a:p>
+                    <a:p>
+                      <a:r>
+                        <a:rPr lang="it-IT" sz="1200" b="1" dirty="0" smtClean="0">
+                          <a:latin typeface="Arial" pitchFamily="34" charset="0"/>
+                          <a:cs typeface="Arial" pitchFamily="34" charset="0"/>
+                        </a:rPr>
+                        <a:t>10</a:t>
+                      </a:r>
+                      <a:r>
+                        <a:rPr lang="it-IT" sz="1200" dirty="0" smtClean="0">
+                          <a:latin typeface="Arial" pitchFamily="34" charset="0"/>
+                          <a:cs typeface="Arial" pitchFamily="34" charset="0"/>
+                        </a:rPr>
+                        <a:t>. Il sistema mostra una scheda con i dettagli del libro;</a:t>
+                      </a:r>
+                    </a:p>
+                    <a:p>
+                      <a:r>
+                        <a:rPr lang="it-IT" sz="1200" b="1" dirty="0" smtClean="0">
+                          <a:latin typeface="Arial" pitchFamily="34" charset="0"/>
+                          <a:cs typeface="Arial" pitchFamily="34" charset="0"/>
+                        </a:rPr>
+                        <a:t>11</a:t>
+                      </a:r>
+                      <a:r>
+                        <a:rPr lang="it-IT" sz="1200" dirty="0" smtClean="0">
+                          <a:latin typeface="Arial" pitchFamily="34" charset="0"/>
+                          <a:cs typeface="Arial" pitchFamily="34" charset="0"/>
+                        </a:rPr>
+                        <a:t>. Paolo nota che il libro sarà disponibile fra due settimane ma decide in ogni caso di prenotarlo, clicca così sul pulsante “Prenota”.</a:t>
+                      </a:r>
+                    </a:p>
+                    <a:p>
+                      <a:r>
+                        <a:rPr lang="it-IT" sz="1200" b="1" dirty="0" smtClean="0">
+                          <a:latin typeface="Arial" pitchFamily="34" charset="0"/>
+                          <a:cs typeface="Arial" pitchFamily="34" charset="0"/>
+                        </a:rPr>
+                        <a:t>12</a:t>
+                      </a:r>
+                      <a:r>
+                        <a:rPr lang="it-IT" sz="1200" dirty="0" smtClean="0">
+                          <a:latin typeface="Arial" pitchFamily="34" charset="0"/>
+                          <a:cs typeface="Arial" pitchFamily="34" charset="0"/>
+                        </a:rPr>
+                        <a:t>. Il sistema mostra il </a:t>
+                      </a:r>
+                      <a:r>
+                        <a:rPr lang="it-IT" sz="1200" dirty="0" err="1" smtClean="0">
+                          <a:latin typeface="Arial" pitchFamily="34" charset="0"/>
+                          <a:cs typeface="Arial" pitchFamily="34" charset="0"/>
+                        </a:rPr>
+                        <a:t>form</a:t>
+                      </a:r>
+                      <a:r>
+                        <a:rPr lang="it-IT" sz="1200" dirty="0" smtClean="0">
+                          <a:latin typeface="Arial" pitchFamily="34" charset="0"/>
+                          <a:cs typeface="Arial" pitchFamily="34" charset="0"/>
+                        </a:rPr>
+                        <a:t> di autenticazione, in quanto Paolo non è ancora identificato al sistema.</a:t>
+                      </a:r>
+                    </a:p>
+                    <a:p>
+                      <a:r>
+                        <a:rPr lang="it-IT" sz="1200" b="1" dirty="0" smtClean="0">
+                          <a:latin typeface="Arial" pitchFamily="34" charset="0"/>
+                          <a:cs typeface="Arial" pitchFamily="34" charset="0"/>
+                        </a:rPr>
+                        <a:t>13</a:t>
+                      </a:r>
+                      <a:r>
+                        <a:rPr lang="it-IT" sz="1200" dirty="0" smtClean="0">
+                          <a:latin typeface="Arial" pitchFamily="34" charset="0"/>
+                          <a:cs typeface="Arial" pitchFamily="34" charset="0"/>
+                        </a:rPr>
+                        <a:t>. Dopo che Paolo si è loggato al sistema, quest'ultimo mostra una scheda riepilogativa dei dati riguardanti la prenotazione, dove è indicato anche il giorno in cui è possibile recarsi alla biblioteca per il ritiro del libro.</a:t>
+                      </a:r>
+                    </a:p>
+                    <a:p>
+                      <a:r>
+                        <a:rPr lang="it-IT" sz="1200" b="1" dirty="0" smtClean="0">
+                          <a:latin typeface="Arial" pitchFamily="34" charset="0"/>
+                          <a:cs typeface="Arial" pitchFamily="34" charset="0"/>
+                        </a:rPr>
+                        <a:t>14. </a:t>
+                      </a:r>
+                      <a:r>
+                        <a:rPr lang="it-IT" sz="1200" dirty="0" smtClean="0">
+                          <a:latin typeface="Arial" pitchFamily="34" charset="0"/>
+                          <a:cs typeface="Arial" pitchFamily="34" charset="0"/>
+                        </a:rPr>
+                        <a:t>Paolo clicca sul pulsante “Conferma”.</a:t>
+                      </a:r>
+                    </a:p>
+                    <a:p>
+                      <a:r>
+                        <a:rPr lang="it-IT" sz="1200" b="1" dirty="0" smtClean="0">
+                          <a:latin typeface="Arial" pitchFamily="34" charset="0"/>
+                          <a:cs typeface="Arial" pitchFamily="34" charset="0"/>
+                        </a:rPr>
+                        <a:t>15</a:t>
+                      </a:r>
+                      <a:r>
+                        <a:rPr lang="it-IT" sz="1200" dirty="0" smtClean="0">
+                          <a:latin typeface="Arial" pitchFamily="34" charset="0"/>
+                          <a:cs typeface="Arial" pitchFamily="34" charset="0"/>
+                        </a:rPr>
+                        <a:t>. Il sistema mostra il messaggio di conferma prenotazione.</a:t>
+                      </a:r>
+                    </a:p>
+                    <a:p>
+                      <a:endParaRPr lang="it-IT" dirty="0"/>
+                    </a:p>
+                  </a:txBody>
+                  <a:tcPr/>
+                </a:tc>
+              </a:tr>
+            </a:tbl>
+          </a:graphicData>
+        </a:graphic>
+      </p:graphicFrame>
+      <p:sp>
+        <p:nvSpPr>
+          <p:cNvPr id="4" name="CasellaDiTesto 3"/>
+          <p:cNvSpPr txBox="1"/>
+          <p:nvPr/>
+        </p:nvSpPr>
+        <p:spPr>
+          <a:xfrm>
+            <a:off x="611560" y="6516190"/>
+            <a:ext cx="4285725" cy="307777"/>
+          </a:xfrm>
+          <a:prstGeom prst="rect">
+            <a:avLst/>
+          </a:prstGeom>
+          <a:noFill/>
+        </p:spPr>
+        <p:txBody>
+          <a:bodyPr wrap="none" rtlCol="0">
+            <a:spAutoFit/>
+          </a:bodyPr>
+          <a:lstStyle/>
+          <a:p>
+            <a:r>
+              <a:rPr lang="it-IT" sz="1400" b="1" dirty="0" smtClean="0">
+                <a:solidFill>
+                  <a:srgbClr val="FF0000"/>
+                </a:solidFill>
+                <a:latin typeface="Arial" pitchFamily="34" charset="0"/>
+                <a:cs typeface="Arial" pitchFamily="34" charset="0"/>
+              </a:rPr>
+              <a:t>TRACCIABILITA’ Nome File: SC_H_54_NomeSC </a:t>
+            </a:r>
+            <a:endParaRPr lang="it-IT" sz="1400" b="1" dirty="0">
+              <a:solidFill>
+                <a:srgbClr val="FF0000"/>
+              </a:solidFill>
+              <a:latin typeface="Arial" pitchFamily="34" charset="0"/>
+              <a:cs typeface="Arial" pitchFamily="34" charset="0"/>
+            </a:endParaRPr>
+          </a:p>
+        </p:txBody>
+      </p:sp>
+    </p:spTree>
+  </p:cSld>
+  <p:clrMapOvr>
+    <a:masterClrMapping/>
+  </p:clrMapOvr>
+  <p:timing>
+    <p:tnLst>
+      <p:par>
+        <p:cTn id="1" dur="indefinite" restart="never" nodeType="tmRoot"/>
+      </p:par>
+    </p:tnLst>
+  </p:timing>
+</p:sld>
+</file>
+
+<file path=ppt/slides/slide30.xml><?xml version="1.0" encoding="utf-8"?>
 <p:sld xmlns:a="http://schemas.openxmlformats.org/drawingml/2006/main" xmlns:r="http://schemas.openxmlformats.org/officeDocument/2006/relationships" xmlns:p="http://schemas.openxmlformats.org/presentationml/2006/main">
   <p:cSld>
     <p:spTree>
@@ -15185,7 +15035,7 @@
 </p:sld>
 </file>
 
-<file path=ppt/slides/slide32.xml><?xml version="1.0" encoding="utf-8"?>
+<file path=ppt/slides/slide31.xml><?xml version="1.0" encoding="utf-8"?>
 <p:sld xmlns:a="http://schemas.openxmlformats.org/drawingml/2006/main" xmlns:r="http://schemas.openxmlformats.org/officeDocument/2006/relationships" xmlns:p="http://schemas.openxmlformats.org/presentationml/2006/main">
   <p:cSld>
     <p:spTree>
@@ -15764,6 +15614,432 @@
 </p:sld>
 </file>
 
+<file path=ppt/slides/slide32.xml><?xml version="1.0" encoding="utf-8"?>
+<p:sld xmlns:a="http://schemas.openxmlformats.org/drawingml/2006/main" xmlns:r="http://schemas.openxmlformats.org/officeDocument/2006/relationships" xmlns:p="http://schemas.openxmlformats.org/presentationml/2006/main">
+  <p:cSld>
+    <p:spTree>
+      <p:nvGrpSpPr>
+        <p:cNvPr id="1" name=""/>
+        <p:cNvGrpSpPr/>
+        <p:nvPr/>
+      </p:nvGrpSpPr>
+      <p:grpSpPr>
+        <a:xfrm>
+          <a:off x="0" y="0"/>
+          <a:ext cx="0" cy="0"/>
+          <a:chOff x="0" y="0"/>
+          <a:chExt cx="0" cy="0"/>
+        </a:xfrm>
+      </p:grpSpPr>
+      <p:sp>
+        <p:nvSpPr>
+          <p:cNvPr id="2" name="CasellaDiTesto 1"/>
+          <p:cNvSpPr txBox="1"/>
+          <p:nvPr/>
+        </p:nvSpPr>
+        <p:spPr>
+          <a:xfrm>
+            <a:off x="3357554" y="214290"/>
+            <a:ext cx="1800493" cy="369332"/>
+          </a:xfrm>
+          <a:prstGeom prst="rect">
+            <a:avLst/>
+          </a:prstGeom>
+          <a:noFill/>
+        </p:spPr>
+        <p:txBody>
+          <a:bodyPr wrap="none" rtlCol="0">
+            <a:spAutoFit/>
+          </a:bodyPr>
+          <a:lstStyle/>
+          <a:p>
+            <a:r>
+              <a:rPr lang="it-IT" b="1" dirty="0" smtClean="0">
+                <a:latin typeface="Arial" pitchFamily="34" charset="0"/>
+                <a:cs typeface="Arial" pitchFamily="34" charset="0"/>
+              </a:rPr>
+              <a:t>CONCLUSIONI</a:t>
+            </a:r>
+            <a:endParaRPr lang="it-IT" b="1" dirty="0">
+              <a:latin typeface="Arial" pitchFamily="34" charset="0"/>
+              <a:cs typeface="Arial" pitchFamily="34" charset="0"/>
+            </a:endParaRPr>
+          </a:p>
+        </p:txBody>
+      </p:sp>
+      <p:sp>
+        <p:nvSpPr>
+          <p:cNvPr id="3" name="CasellaDiTesto 2"/>
+          <p:cNvSpPr txBox="1"/>
+          <p:nvPr/>
+        </p:nvSpPr>
+        <p:spPr>
+          <a:xfrm>
+            <a:off x="0" y="857232"/>
+            <a:ext cx="8340745" cy="1754326"/>
+          </a:xfrm>
+          <a:prstGeom prst="rect">
+            <a:avLst/>
+          </a:prstGeom>
+          <a:noFill/>
+        </p:spPr>
+        <p:txBody>
+          <a:bodyPr wrap="none" rtlCol="0">
+            <a:spAutoFit/>
+          </a:bodyPr>
+          <a:lstStyle/>
+          <a:p>
+            <a:r>
+              <a:rPr lang="it-IT" b="1" dirty="0" smtClean="0">
+                <a:latin typeface="Arial" pitchFamily="34" charset="0"/>
+                <a:cs typeface="Arial" pitchFamily="34" charset="0"/>
+              </a:rPr>
+              <a:t>Cosa è andato per il verso giusto</a:t>
+            </a:r>
+          </a:p>
+          <a:p>
+            <a:pPr>
+              <a:buFontTx/>
+              <a:buChar char="-"/>
+            </a:pPr>
+            <a:r>
+              <a:rPr lang="it-IT" dirty="0" smtClean="0">
+                <a:latin typeface="Arial" pitchFamily="34" charset="0"/>
+                <a:cs typeface="Arial" pitchFamily="34" charset="0"/>
+              </a:rPr>
+              <a:t>La stesura del RAD e dell’SDD in tutte le loro versioni non ha creato molti </a:t>
+            </a:r>
+          </a:p>
+          <a:p>
+            <a:r>
+              <a:rPr lang="it-IT" dirty="0" smtClean="0">
+                <a:latin typeface="Arial" pitchFamily="34" charset="0"/>
+                <a:cs typeface="Arial" pitchFamily="34" charset="0"/>
+              </a:rPr>
+              <a:t>Problemi al team che ha da subito capito i </a:t>
+            </a:r>
+            <a:r>
+              <a:rPr lang="it-IT" dirty="0" err="1" smtClean="0">
+                <a:latin typeface="Arial" pitchFamily="34" charset="0"/>
+                <a:cs typeface="Arial" pitchFamily="34" charset="0"/>
+              </a:rPr>
+              <a:t>goals</a:t>
+            </a:r>
+            <a:r>
+              <a:rPr lang="it-IT" dirty="0" smtClean="0">
+                <a:latin typeface="Arial" pitchFamily="34" charset="0"/>
+                <a:cs typeface="Arial" pitchFamily="34" charset="0"/>
+              </a:rPr>
+              <a:t> su cui si focalizzava il sistema .</a:t>
+            </a:r>
+          </a:p>
+          <a:p>
+            <a:r>
+              <a:rPr lang="it-IT" dirty="0" smtClean="0">
+                <a:latin typeface="Arial" pitchFamily="34" charset="0"/>
+                <a:cs typeface="Arial" pitchFamily="34" charset="0"/>
+              </a:rPr>
+              <a:t>Entrambi i due documenti sono stati raffinati al crescere della conoscenza della </a:t>
+            </a:r>
+          </a:p>
+          <a:p>
+            <a:r>
+              <a:rPr lang="it-IT" dirty="0" smtClean="0">
+                <a:latin typeface="Arial" pitchFamily="34" charset="0"/>
+                <a:cs typeface="Arial" pitchFamily="34" charset="0"/>
+              </a:rPr>
+              <a:t>Materia e non è stato difficile comunicare con il team per suddividere il lavoro.</a:t>
+            </a:r>
+          </a:p>
+          <a:p>
+            <a:endParaRPr lang="it-IT" dirty="0" smtClean="0"/>
+          </a:p>
+        </p:txBody>
+      </p:sp>
+      <p:sp>
+        <p:nvSpPr>
+          <p:cNvPr id="4" name="CasellaDiTesto 3"/>
+          <p:cNvSpPr txBox="1"/>
+          <p:nvPr/>
+        </p:nvSpPr>
+        <p:spPr>
+          <a:xfrm>
+            <a:off x="0" y="2285992"/>
+            <a:ext cx="9123010" cy="3693319"/>
+          </a:xfrm>
+          <a:prstGeom prst="rect">
+            <a:avLst/>
+          </a:prstGeom>
+          <a:noFill/>
+        </p:spPr>
+        <p:txBody>
+          <a:bodyPr wrap="none" rtlCol="0">
+            <a:spAutoFit/>
+          </a:bodyPr>
+          <a:lstStyle/>
+          <a:p>
+            <a:r>
+              <a:rPr lang="it-IT" b="1" dirty="0" smtClean="0">
+                <a:latin typeface="Arial" pitchFamily="34" charset="0"/>
+                <a:cs typeface="Arial" pitchFamily="34" charset="0"/>
+              </a:rPr>
+              <a:t>Cosa è andato per il verso sbagliato</a:t>
+            </a:r>
+          </a:p>
+          <a:p>
+            <a:pPr>
+              <a:buFontTx/>
+              <a:buChar char="-"/>
+            </a:pPr>
+            <a:r>
+              <a:rPr lang="it-IT" dirty="0" smtClean="0">
+                <a:latin typeface="Arial" pitchFamily="34" charset="0"/>
+                <a:cs typeface="Arial" pitchFamily="34" charset="0"/>
+              </a:rPr>
+              <a:t>La </a:t>
+            </a:r>
+            <a:r>
+              <a:rPr lang="it-IT" dirty="0" err="1" smtClean="0">
+                <a:latin typeface="Arial" pitchFamily="34" charset="0"/>
+                <a:cs typeface="Arial" pitchFamily="34" charset="0"/>
+              </a:rPr>
+              <a:t>stesusa</a:t>
+            </a:r>
+            <a:r>
+              <a:rPr lang="it-IT" dirty="0" smtClean="0">
+                <a:latin typeface="Arial" pitchFamily="34" charset="0"/>
+                <a:cs typeface="Arial" pitchFamily="34" charset="0"/>
+              </a:rPr>
+              <a:t> dell’ODD e parte dell’implementazione ha portato qualche problema</a:t>
+            </a:r>
+          </a:p>
+          <a:p>
+            <a:r>
+              <a:rPr lang="it-IT" dirty="0" smtClean="0">
+                <a:latin typeface="Arial" pitchFamily="34" charset="0"/>
+                <a:cs typeface="Arial" pitchFamily="34" charset="0"/>
+              </a:rPr>
+              <a:t>All’intero gruppo per varie motivazioni:</a:t>
+            </a:r>
+          </a:p>
+          <a:p>
+            <a:r>
+              <a:rPr lang="it-IT" dirty="0">
+                <a:latin typeface="Arial" pitchFamily="34" charset="0"/>
+                <a:cs typeface="Arial" pitchFamily="34" charset="0"/>
+              </a:rPr>
+              <a:t> </a:t>
+            </a:r>
+            <a:r>
+              <a:rPr lang="it-IT" dirty="0" smtClean="0">
+                <a:latin typeface="Arial" pitchFamily="34" charset="0"/>
+                <a:cs typeface="Arial" pitchFamily="34" charset="0"/>
+              </a:rPr>
+              <a:t>  1. L’intero gruppo di lavoro ha appreso due nuovi linguaggi di programmazione</a:t>
+            </a:r>
+          </a:p>
+          <a:p>
+            <a:r>
+              <a:rPr lang="it-IT" dirty="0" smtClean="0">
+                <a:latin typeface="Arial" pitchFamily="34" charset="0"/>
+                <a:cs typeface="Arial" pitchFamily="34" charset="0"/>
+              </a:rPr>
+              <a:t>       per l’implementazione di conseguenza il tempo per costruire il sistema è stato</a:t>
+            </a:r>
+          </a:p>
+          <a:p>
+            <a:r>
+              <a:rPr lang="it-IT" dirty="0" smtClean="0">
+                <a:latin typeface="Arial" pitchFamily="34" charset="0"/>
+                <a:cs typeface="Arial" pitchFamily="34" charset="0"/>
+              </a:rPr>
+              <a:t>       ridotto per poter apprendere JSP/</a:t>
+            </a:r>
+            <a:r>
+              <a:rPr lang="it-IT" dirty="0" err="1" smtClean="0">
+                <a:latin typeface="Arial" pitchFamily="34" charset="0"/>
+                <a:cs typeface="Arial" pitchFamily="34" charset="0"/>
+              </a:rPr>
+              <a:t>Servlet</a:t>
+            </a:r>
+            <a:r>
+              <a:rPr lang="it-IT" dirty="0" smtClean="0">
+                <a:latin typeface="Arial" pitchFamily="34" charset="0"/>
+                <a:cs typeface="Arial" pitchFamily="34" charset="0"/>
+              </a:rPr>
+              <a:t> e RMI.</a:t>
+            </a:r>
+          </a:p>
+          <a:p>
+            <a:r>
+              <a:rPr lang="it-IT" dirty="0">
+                <a:latin typeface="Arial" pitchFamily="34" charset="0"/>
+                <a:cs typeface="Arial" pitchFamily="34" charset="0"/>
+              </a:rPr>
+              <a:t> </a:t>
+            </a:r>
+            <a:r>
+              <a:rPr lang="it-IT" dirty="0" smtClean="0">
+                <a:latin typeface="Arial" pitchFamily="34" charset="0"/>
+                <a:cs typeface="Arial" pitchFamily="34" charset="0"/>
+              </a:rPr>
+              <a:t>      In ogni caso tutte le funzionalità richieste sono state implementate e testate.</a:t>
+            </a:r>
+          </a:p>
+          <a:p>
+            <a:r>
+              <a:rPr lang="it-IT" dirty="0">
+                <a:latin typeface="Arial" pitchFamily="34" charset="0"/>
+                <a:cs typeface="Arial" pitchFamily="34" charset="0"/>
+              </a:rPr>
+              <a:t> </a:t>
+            </a:r>
+            <a:r>
+              <a:rPr lang="it-IT" dirty="0" smtClean="0">
+                <a:latin typeface="Arial" pitchFamily="34" charset="0"/>
+                <a:cs typeface="Arial" pitchFamily="34" charset="0"/>
+              </a:rPr>
+              <a:t>   2. Non abituati ad implementare un sistema più corposo di un semplice programma</a:t>
+            </a:r>
+          </a:p>
+          <a:p>
+            <a:r>
+              <a:rPr lang="it-IT" dirty="0">
+                <a:latin typeface="Arial" pitchFamily="34" charset="0"/>
+                <a:cs typeface="Arial" pitchFamily="34" charset="0"/>
+              </a:rPr>
+              <a:t> </a:t>
+            </a:r>
+            <a:r>
+              <a:rPr lang="it-IT" dirty="0" smtClean="0">
+                <a:latin typeface="Arial" pitchFamily="34" charset="0"/>
+                <a:cs typeface="Arial" pitchFamily="34" charset="0"/>
+              </a:rPr>
+              <a:t>      a scopo didattico e non avendo implementato mai parallelamente ad altre persone</a:t>
+            </a:r>
+          </a:p>
+          <a:p>
+            <a:r>
+              <a:rPr lang="it-IT" dirty="0" smtClean="0">
+                <a:latin typeface="Arial" pitchFamily="34" charset="0"/>
+                <a:cs typeface="Arial" pitchFamily="34" charset="0"/>
+              </a:rPr>
+              <a:t>       Non è stato semplice gestire ogni versione dell’implementazione per poi riutilizzarla</a:t>
+            </a:r>
+          </a:p>
+          <a:p>
+            <a:r>
+              <a:rPr lang="it-IT" dirty="0">
+                <a:latin typeface="Arial" pitchFamily="34" charset="0"/>
+                <a:cs typeface="Arial" pitchFamily="34" charset="0"/>
+              </a:rPr>
+              <a:t> </a:t>
+            </a:r>
+            <a:r>
+              <a:rPr lang="it-IT" dirty="0" smtClean="0">
+                <a:latin typeface="Arial" pitchFamily="34" charset="0"/>
+                <a:cs typeface="Arial" pitchFamily="34" charset="0"/>
+              </a:rPr>
+              <a:t>      nel proprio sottosistema</a:t>
+            </a:r>
+          </a:p>
+          <a:p>
+            <a:endParaRPr lang="it-IT" dirty="0" smtClean="0">
+              <a:latin typeface="Arial" pitchFamily="34" charset="0"/>
+              <a:cs typeface="Arial" pitchFamily="34" charset="0"/>
+            </a:endParaRPr>
+          </a:p>
+          <a:p>
+            <a:r>
+              <a:rPr lang="it-IT" dirty="0"/>
+              <a:t> </a:t>
+            </a:r>
+            <a:r>
+              <a:rPr lang="it-IT" dirty="0" smtClean="0"/>
+              <a:t>     </a:t>
+            </a:r>
+            <a:endParaRPr lang="it-IT" dirty="0"/>
+          </a:p>
+        </p:txBody>
+      </p:sp>
+      <p:sp>
+        <p:nvSpPr>
+          <p:cNvPr id="5" name="CasellaDiTesto 4"/>
+          <p:cNvSpPr txBox="1"/>
+          <p:nvPr/>
+        </p:nvSpPr>
+        <p:spPr>
+          <a:xfrm>
+            <a:off x="0" y="5429264"/>
+            <a:ext cx="8917826" cy="1200329"/>
+          </a:xfrm>
+          <a:prstGeom prst="rect">
+            <a:avLst/>
+          </a:prstGeom>
+          <a:noFill/>
+        </p:spPr>
+        <p:txBody>
+          <a:bodyPr wrap="none" rtlCol="0">
+            <a:spAutoFit/>
+          </a:bodyPr>
+          <a:lstStyle/>
+          <a:p>
+            <a:r>
+              <a:rPr lang="it-IT" b="1" dirty="0" smtClean="0">
+                <a:latin typeface="Arial" pitchFamily="34" charset="0"/>
+                <a:cs typeface="Arial" pitchFamily="34" charset="0"/>
+              </a:rPr>
+              <a:t>Cosa poteva essere fatto diversamente:</a:t>
+            </a:r>
+          </a:p>
+          <a:p>
+            <a:r>
+              <a:rPr lang="it-IT" dirty="0" smtClean="0">
+                <a:latin typeface="Arial" pitchFamily="34" charset="0"/>
+                <a:cs typeface="Arial" pitchFamily="34" charset="0"/>
+              </a:rPr>
+              <a:t>Per le problematiche già spiegate precedentemente e per la mancanza di </a:t>
+            </a:r>
+          </a:p>
+          <a:p>
+            <a:r>
+              <a:rPr lang="it-IT" dirty="0" smtClean="0">
+                <a:latin typeface="Arial" pitchFamily="34" charset="0"/>
+                <a:cs typeface="Arial" pitchFamily="34" charset="0"/>
+              </a:rPr>
+              <a:t>tempo necessario: l’implementazione a livello di leggibilità poteva sicuramente essere</a:t>
+            </a:r>
+          </a:p>
+          <a:p>
+            <a:r>
+              <a:rPr lang="it-IT" dirty="0" smtClean="0">
+                <a:latin typeface="Arial" pitchFamily="34" charset="0"/>
+                <a:cs typeface="Arial" pitchFamily="34" charset="0"/>
+              </a:rPr>
+              <a:t> migliorata </a:t>
+            </a:r>
+            <a:endParaRPr lang="it-IT" dirty="0">
+              <a:latin typeface="Arial" pitchFamily="34" charset="0"/>
+              <a:cs typeface="Arial" pitchFamily="34" charset="0"/>
+            </a:endParaRPr>
+          </a:p>
+        </p:txBody>
+      </p:sp>
+    </p:spTree>
+  </p:cSld>
+  <p:clrMapOvr>
+    <a:masterClrMapping/>
+  </p:clrMapOvr>
+  <p:timing>
+    <p:tnLst>
+      <p:par>
+        <p:cTn id="1" dur="indefinite" restart="never" nodeType="tmRoot"/>
+      </p:par>
+    </p:tnLst>
+  </p:timing>
+</p:sld>
+</file>
+
 <file path=ppt/slides/slide33.xml><?xml version="1.0" encoding="utf-8"?>
 <p:sld xmlns:a="http://schemas.openxmlformats.org/drawingml/2006/main" xmlns:r="http://schemas.openxmlformats.org/officeDocument/2006/relationships" xmlns:p="http://schemas.openxmlformats.org/presentationml/2006/main">
   <p:cSld>
@@ -15825,8 +16101,8 @@
         </p:nvSpPr>
         <p:spPr>
           <a:xfrm>
-            <a:off x="0" y="857232"/>
-            <a:ext cx="8340745" cy="1754326"/>
+            <a:off x="142844" y="785794"/>
+            <a:ext cx="4083169" cy="369332"/>
           </a:xfrm>
           <a:prstGeom prst="rect">
             <a:avLst/>
@@ -15844,65 +16120,12 @@
                 <a:latin typeface="Arial" pitchFamily="34" charset="0"/>
                 <a:cs typeface="Arial" pitchFamily="34" charset="0"/>
               </a:rPr>
-              <a:t>Cosa è andato per il verso giusto</a:t>
-            </a:r>
-          </a:p>
-          <a:p>
-            <a:pPr>
-              <a:buFontTx/>
-              <a:buChar char="-"/>
-            </a:pPr>
-            <a:r>
-              <a:rPr lang="it-IT" dirty="0" smtClean="0">
-                <a:latin typeface="Arial" pitchFamily="34" charset="0"/>
-                <a:cs typeface="Arial" pitchFamily="34" charset="0"/>
-              </a:rPr>
-              <a:t>La stesura del RAD e dell’SDD in tutte le loro versioni non ha creato molti </a:t>
-            </a:r>
-          </a:p>
-          <a:p>
-            <a:r>
-              <a:rPr lang="it-IT" dirty="0" smtClean="0">
-                <a:latin typeface="Arial" pitchFamily="34" charset="0"/>
-                <a:cs typeface="Arial" pitchFamily="34" charset="0"/>
-              </a:rPr>
-              <a:t>Problemi al team che ha da subito capito i </a:t>
-            </a:r>
-            <a:r>
-              <a:rPr lang="it-IT" dirty="0" err="1" smtClean="0">
-                <a:latin typeface="Arial" pitchFamily="34" charset="0"/>
-                <a:cs typeface="Arial" pitchFamily="34" charset="0"/>
-              </a:rPr>
-              <a:t>goals</a:t>
-            </a:r>
-            <a:r>
-              <a:rPr lang="it-IT" dirty="0" smtClean="0">
-                <a:latin typeface="Arial" pitchFamily="34" charset="0"/>
-                <a:cs typeface="Arial" pitchFamily="34" charset="0"/>
-              </a:rPr>
-              <a:t> su cui si focalizzava il sistema .</a:t>
-            </a:r>
-          </a:p>
-          <a:p>
-            <a:r>
-              <a:rPr lang="it-IT" dirty="0" smtClean="0">
-                <a:latin typeface="Arial" pitchFamily="34" charset="0"/>
-                <a:cs typeface="Arial" pitchFamily="34" charset="0"/>
-              </a:rPr>
-              <a:t>Entrambi i due documenti sono stati raffinati al crescere della conoscenza della </a:t>
-            </a:r>
-          </a:p>
-          <a:p>
-            <a:r>
-              <a:rPr lang="it-IT" dirty="0" smtClean="0">
-                <a:latin typeface="Arial" pitchFamily="34" charset="0"/>
-                <a:cs typeface="Arial" pitchFamily="34" charset="0"/>
-              </a:rPr>
-              <a:t>Materia e non è stato difficile comunicare con il team per suddividere il lavoro.</a:t>
-            </a:r>
-          </a:p>
-          <a:p>
-            <a:endParaRPr lang="it-IT" dirty="0" smtClean="0"/>
+              <a:t>Quanto è “buono” il nostro sistema</a:t>
+            </a:r>
+            <a:endParaRPr lang="it-IT" b="1" dirty="0">
+              <a:latin typeface="Arial" pitchFamily="34" charset="0"/>
+              <a:cs typeface="Arial" pitchFamily="34" charset="0"/>
+            </a:endParaRPr>
           </a:p>
         </p:txBody>
       </p:sp>
@@ -15914,8 +16137,8 @@
         </p:nvSpPr>
         <p:spPr>
           <a:xfrm>
-            <a:off x="0" y="2285992"/>
-            <a:ext cx="9123010" cy="3693319"/>
+            <a:off x="142844" y="1214422"/>
+            <a:ext cx="8957413" cy="2031325"/>
           </a:xfrm>
           <a:prstGeom prst="rect">
             <a:avLst/>
@@ -15923,191 +16146,87 @@
           <a:noFill/>
         </p:spPr>
         <p:txBody>
-          <a:bodyPr wrap="none" rtlCol="0">
+          <a:bodyPr wrap="square" rtlCol="0">
             <a:spAutoFit/>
           </a:bodyPr>
           <a:lstStyle/>
           <a:p>
             <a:r>
-              <a:rPr lang="it-IT" b="1" dirty="0" smtClean="0">
-                <a:latin typeface="Arial" pitchFamily="34" charset="0"/>
-                <a:cs typeface="Arial" pitchFamily="34" charset="0"/>
-              </a:rPr>
-              <a:t>Cosa è andato per il verso sbagliato</a:t>
-            </a:r>
-          </a:p>
-          <a:p>
-            <a:pPr>
-              <a:buFontTx/>
-              <a:buChar char="-"/>
-            </a:pPr>
-            <a:r>
-              <a:rPr lang="it-IT" dirty="0" smtClean="0">
-                <a:latin typeface="Arial" pitchFamily="34" charset="0"/>
-                <a:cs typeface="Arial" pitchFamily="34" charset="0"/>
-              </a:rPr>
-              <a:t>La </a:t>
-            </a:r>
-            <a:r>
-              <a:rPr lang="it-IT" dirty="0" err="1" smtClean="0">
-                <a:latin typeface="Arial" pitchFamily="34" charset="0"/>
-                <a:cs typeface="Arial" pitchFamily="34" charset="0"/>
-              </a:rPr>
-              <a:t>stesusa</a:t>
-            </a:r>
-            <a:r>
-              <a:rPr lang="it-IT" dirty="0" smtClean="0">
-                <a:latin typeface="Arial" pitchFamily="34" charset="0"/>
-                <a:cs typeface="Arial" pitchFamily="34" charset="0"/>
-              </a:rPr>
-              <a:t> dell’ODD e parte dell’implementazione ha portato qualche problema</a:t>
-            </a:r>
-          </a:p>
-          <a:p>
-            <a:r>
-              <a:rPr lang="it-IT" dirty="0" smtClean="0">
-                <a:latin typeface="Arial" pitchFamily="34" charset="0"/>
-                <a:cs typeface="Arial" pitchFamily="34" charset="0"/>
-              </a:rPr>
-              <a:t>All’intero gruppo per varie motivazioni:</a:t>
-            </a:r>
-          </a:p>
-          <a:p>
-            <a:r>
-              <a:rPr lang="it-IT" dirty="0">
-                <a:latin typeface="Arial" pitchFamily="34" charset="0"/>
-                <a:cs typeface="Arial" pitchFamily="34" charset="0"/>
-              </a:rPr>
+              <a:rPr lang="it-IT" dirty="0" smtClean="0"/>
+              <a:t>Ogni requisito funzionale </a:t>
+            </a:r>
+            <a:r>
+              <a:rPr lang="it-IT" dirty="0" err="1" smtClean="0"/>
+              <a:t>use</a:t>
+            </a:r>
+            <a:r>
+              <a:rPr lang="it-IT" dirty="0" smtClean="0"/>
               <a:t> </a:t>
             </a:r>
             <a:r>
-              <a:rPr lang="it-IT" dirty="0" smtClean="0">
-                <a:latin typeface="Arial" pitchFamily="34" charset="0"/>
-                <a:cs typeface="Arial" pitchFamily="34" charset="0"/>
-              </a:rPr>
-              <a:t>  1. L’intero gruppo di lavoro ha appreso due nuovi linguaggi di programmazione</a:t>
-            </a:r>
-          </a:p>
-          <a:p>
-            <a:r>
-              <a:rPr lang="it-IT" dirty="0" smtClean="0">
-                <a:latin typeface="Arial" pitchFamily="34" charset="0"/>
-                <a:cs typeface="Arial" pitchFamily="34" charset="0"/>
-              </a:rPr>
-              <a:t>       per l’implementazione di conseguenza il tempo per costruire il sistema è stato</a:t>
-            </a:r>
-          </a:p>
-          <a:p>
-            <a:r>
-              <a:rPr lang="it-IT" dirty="0" smtClean="0">
-                <a:latin typeface="Arial" pitchFamily="34" charset="0"/>
-                <a:cs typeface="Arial" pitchFamily="34" charset="0"/>
-              </a:rPr>
-              <a:t>       ridotto per poter apprendere JSP/</a:t>
-            </a:r>
-            <a:r>
-              <a:rPr lang="it-IT" dirty="0" err="1" smtClean="0">
-                <a:latin typeface="Arial" pitchFamily="34" charset="0"/>
-                <a:cs typeface="Arial" pitchFamily="34" charset="0"/>
-              </a:rPr>
-              <a:t>Servlet</a:t>
-            </a:r>
-            <a:r>
-              <a:rPr lang="it-IT" dirty="0" smtClean="0">
-                <a:latin typeface="Arial" pitchFamily="34" charset="0"/>
-                <a:cs typeface="Arial" pitchFamily="34" charset="0"/>
-              </a:rPr>
-              <a:t> e RMI.</a:t>
-            </a:r>
-          </a:p>
-          <a:p>
-            <a:r>
-              <a:rPr lang="it-IT" dirty="0">
-                <a:latin typeface="Arial" pitchFamily="34" charset="0"/>
-                <a:cs typeface="Arial" pitchFamily="34" charset="0"/>
-              </a:rPr>
+              <a:rPr lang="it-IT" dirty="0" err="1" smtClean="0"/>
+              <a:t>cases</a:t>
+            </a:r>
+            <a:r>
+              <a:rPr lang="it-IT" dirty="0" smtClean="0"/>
+              <a:t> e scenario è tracciabile .</a:t>
+            </a:r>
+          </a:p>
+          <a:p>
+            <a:r>
+              <a:rPr lang="it-IT" dirty="0" smtClean="0"/>
+              <a:t>A parte i problemi  elencati precedentemente a livello di implementazione il</a:t>
+            </a:r>
+          </a:p>
+          <a:p>
+            <a:r>
+              <a:rPr lang="it-IT" dirty="0" smtClean="0"/>
+              <a:t>Sistema </a:t>
+            </a:r>
+            <a:r>
+              <a:rPr lang="it-IT" dirty="0" err="1" smtClean="0"/>
+              <a:t>CBUnisa</a:t>
+            </a:r>
+            <a:r>
+              <a:rPr lang="it-IT" dirty="0" smtClean="0"/>
+              <a:t> rispecchia tutti i requisiti funzionali  e non funzionali</a:t>
+            </a:r>
+          </a:p>
+          <a:p>
+            <a:r>
+              <a:rPr lang="it-IT" dirty="0" smtClean="0"/>
+              <a:t>(già commentato nel </a:t>
+            </a:r>
+            <a:r>
+              <a:rPr lang="it-IT" dirty="0" err="1" smtClean="0"/>
+              <a:t>finish</a:t>
+            </a:r>
+            <a:r>
+              <a:rPr lang="it-IT" dirty="0" smtClean="0"/>
               <a:t> </a:t>
             </a:r>
             <a:r>
-              <a:rPr lang="it-IT" dirty="0" smtClean="0">
-                <a:latin typeface="Arial" pitchFamily="34" charset="0"/>
-                <a:cs typeface="Arial" pitchFamily="34" charset="0"/>
-              </a:rPr>
-              <a:t>      In ogni caso tutte le funzionalità richieste sono state implementate e testate.</a:t>
-            </a:r>
-          </a:p>
-          <a:p>
-            <a:r>
-              <a:rPr lang="it-IT" dirty="0">
-                <a:latin typeface="Arial" pitchFamily="34" charset="0"/>
-                <a:cs typeface="Arial" pitchFamily="34" charset="0"/>
-              </a:rPr>
-              <a:t> </a:t>
-            </a:r>
-            <a:r>
-              <a:rPr lang="it-IT" dirty="0" smtClean="0">
-                <a:latin typeface="Arial" pitchFamily="34" charset="0"/>
-                <a:cs typeface="Arial" pitchFamily="34" charset="0"/>
-              </a:rPr>
-              <a:t>   2. Non abituati ad implementare un sistema più corposo di un semplice programma</a:t>
-            </a:r>
-          </a:p>
-          <a:p>
-            <a:r>
-              <a:rPr lang="it-IT" dirty="0">
-                <a:latin typeface="Arial" pitchFamily="34" charset="0"/>
-                <a:cs typeface="Arial" pitchFamily="34" charset="0"/>
-              </a:rPr>
-              <a:t> </a:t>
-            </a:r>
-            <a:r>
-              <a:rPr lang="it-IT" dirty="0" smtClean="0">
-                <a:latin typeface="Arial" pitchFamily="34" charset="0"/>
-                <a:cs typeface="Arial" pitchFamily="34" charset="0"/>
-              </a:rPr>
-              <a:t>      a scopo didattico e non avendo implementato mai parallelamente ad altre persone</a:t>
-            </a:r>
-          </a:p>
-          <a:p>
-            <a:r>
-              <a:rPr lang="it-IT" dirty="0" smtClean="0">
-                <a:latin typeface="Arial" pitchFamily="34" charset="0"/>
-                <a:cs typeface="Arial" pitchFamily="34" charset="0"/>
-              </a:rPr>
-              <a:t>       Non è stato semplice gestire ogni versione dell’implementazione per poi riutilizzarla</a:t>
-            </a:r>
-          </a:p>
-          <a:p>
-            <a:r>
-              <a:rPr lang="it-IT" dirty="0">
-                <a:latin typeface="Arial" pitchFamily="34" charset="0"/>
-                <a:cs typeface="Arial" pitchFamily="34" charset="0"/>
-              </a:rPr>
-              <a:t> </a:t>
-            </a:r>
-            <a:r>
-              <a:rPr lang="it-IT" dirty="0" smtClean="0">
-                <a:latin typeface="Arial" pitchFamily="34" charset="0"/>
-                <a:cs typeface="Arial" pitchFamily="34" charset="0"/>
-              </a:rPr>
-              <a:t>      nel proprio sottosistema</a:t>
-            </a:r>
-          </a:p>
-          <a:p>
-            <a:endParaRPr lang="it-IT" dirty="0" smtClean="0">
-              <a:latin typeface="Arial" pitchFamily="34" charset="0"/>
-              <a:cs typeface="Arial" pitchFamily="34" charset="0"/>
-            </a:endParaRPr>
-          </a:p>
-          <a:p>
-            <a:r>
-              <a:rPr lang="it-IT" dirty="0"/>
-              <a:t> </a:t>
+              <a:rPr lang="it-IT" dirty="0" err="1" smtClean="0"/>
+              <a:t>product</a:t>
             </a:r>
             <a:r>
               <a:rPr lang="it-IT" dirty="0" smtClean="0"/>
-              <a:t>     </a:t>
-            </a:r>
+              <a:t>).</a:t>
+            </a:r>
+          </a:p>
+          <a:p>
+            <a:r>
+              <a:rPr lang="it-IT" dirty="0" smtClean="0"/>
+              <a:t>Il livello application (cioè l’intera logica applicativa del sistema) è stato più volte</a:t>
+            </a:r>
+          </a:p>
+          <a:p>
+            <a:r>
+              <a:rPr lang="it-IT" dirty="0" smtClean="0"/>
+              <a:t>Testato e revisionato da tutto il team.</a:t>
+            </a:r>
+          </a:p>
+          <a:p>
             <a:endParaRPr lang="it-IT" dirty="0"/>
           </a:p>
         </p:txBody>
@@ -16120,8 +16239,8 @@
         </p:nvSpPr>
         <p:spPr>
           <a:xfrm>
-            <a:off x="0" y="5429264"/>
-            <a:ext cx="8917826" cy="1200329"/>
+            <a:off x="0" y="5474096"/>
+            <a:ext cx="9005992" cy="1200329"/>
           </a:xfrm>
           <a:prstGeom prst="rect">
             <a:avLst/>
@@ -16135,40 +16254,43 @@
           <a:lstStyle/>
           <a:p>
             <a:r>
-              <a:rPr lang="it-IT" b="1" dirty="0" smtClean="0">
-                <a:latin typeface="Arial" pitchFamily="34" charset="0"/>
-                <a:cs typeface="Arial" pitchFamily="34" charset="0"/>
-              </a:rPr>
-              <a:t>Cosa poteva essere fatto diversamente:</a:t>
-            </a:r>
-          </a:p>
-          <a:p>
-            <a:r>
-              <a:rPr lang="it-IT" dirty="0" smtClean="0">
-                <a:latin typeface="Arial" pitchFamily="34" charset="0"/>
-                <a:cs typeface="Arial" pitchFamily="34" charset="0"/>
-              </a:rPr>
-              <a:t>Per le problematiche già spiegate precedentemente e per la mancanza di </a:t>
-            </a:r>
-          </a:p>
-          <a:p>
-            <a:r>
-              <a:rPr lang="it-IT" dirty="0" smtClean="0">
-                <a:latin typeface="Arial" pitchFamily="34" charset="0"/>
-                <a:cs typeface="Arial" pitchFamily="34" charset="0"/>
-              </a:rPr>
-              <a:t>tempo necessario: l’implementazione a livello di leggibilità poteva sicuramente essere</a:t>
-            </a:r>
-          </a:p>
-          <a:p>
-            <a:r>
-              <a:rPr lang="it-IT" dirty="0" smtClean="0">
-                <a:latin typeface="Arial" pitchFamily="34" charset="0"/>
-                <a:cs typeface="Arial" pitchFamily="34" charset="0"/>
-              </a:rPr>
-              <a:t> migliorata </a:t>
-            </a:r>
-            <a:endParaRPr lang="it-IT" dirty="0">
+              <a:rPr lang="it-IT" sz="2400" b="1" dirty="0" smtClean="0">
+                <a:solidFill>
+                  <a:srgbClr val="FF0000"/>
+                </a:solidFill>
+                <a:latin typeface="Arial" pitchFamily="34" charset="0"/>
+                <a:cs typeface="Arial" pitchFamily="34" charset="0"/>
+              </a:rPr>
+              <a:t>Parlate di problemi inerenti prettamente al vostro sotto team</a:t>
+            </a:r>
+          </a:p>
+          <a:p>
+            <a:r>
+              <a:rPr lang="it-IT" sz="2400" b="1" dirty="0" smtClean="0">
+                <a:solidFill>
+                  <a:srgbClr val="FF0000"/>
+                </a:solidFill>
+                <a:latin typeface="Arial" pitchFamily="34" charset="0"/>
+                <a:cs typeface="Arial" pitchFamily="34" charset="0"/>
+              </a:rPr>
+              <a:t>Dite anche cose positive</a:t>
+            </a:r>
+          </a:p>
+          <a:p>
+            <a:r>
+              <a:rPr lang="it-IT" sz="2400" b="1" dirty="0" smtClean="0">
+                <a:solidFill>
+                  <a:srgbClr val="FF0000"/>
+                </a:solidFill>
+                <a:latin typeface="Arial" pitchFamily="34" charset="0"/>
+                <a:cs typeface="Arial" pitchFamily="34" charset="0"/>
+              </a:rPr>
+              <a:t>Fatevi aiutare dal questionario</a:t>
+            </a:r>
+            <a:endParaRPr lang="it-IT" sz="2400" b="1" dirty="0">
+              <a:solidFill>
+                <a:srgbClr val="FF0000"/>
+              </a:solidFill>
               <a:latin typeface="Arial" pitchFamily="34" charset="0"/>
               <a:cs typeface="Arial" pitchFamily="34" charset="0"/>
             </a:endParaRPr>
@@ -16191,278 +16313,6 @@
 </file>
 
 <file path=ppt/slides/slide34.xml><?xml version="1.0" encoding="utf-8"?>
-<p:sld xmlns:a="http://schemas.openxmlformats.org/drawingml/2006/main" xmlns:r="http://schemas.openxmlformats.org/officeDocument/2006/relationships" xmlns:p="http://schemas.openxmlformats.org/presentationml/2006/main">
-  <p:cSld>
-    <p:spTree>
-      <p:nvGrpSpPr>
-        <p:cNvPr id="1" name=""/>
-        <p:cNvGrpSpPr/>
-        <p:nvPr/>
-      </p:nvGrpSpPr>
-      <p:grpSpPr>
-        <a:xfrm>
-          <a:off x="0" y="0"/>
-          <a:ext cx="0" cy="0"/>
-          <a:chOff x="0" y="0"/>
-          <a:chExt cx="0" cy="0"/>
-        </a:xfrm>
-      </p:grpSpPr>
-      <p:sp>
-        <p:nvSpPr>
-          <p:cNvPr id="2" name="CasellaDiTesto 1"/>
-          <p:cNvSpPr txBox="1"/>
-          <p:nvPr/>
-        </p:nvSpPr>
-        <p:spPr>
-          <a:xfrm>
-            <a:off x="3357554" y="214290"/>
-            <a:ext cx="1800493" cy="369332"/>
-          </a:xfrm>
-          <a:prstGeom prst="rect">
-            <a:avLst/>
-          </a:prstGeom>
-          <a:noFill/>
-        </p:spPr>
-        <p:txBody>
-          <a:bodyPr wrap="none" rtlCol="0">
-            <a:spAutoFit/>
-          </a:bodyPr>
-          <a:lstStyle/>
-          <a:p>
-            <a:r>
-              <a:rPr lang="it-IT" b="1" dirty="0" smtClean="0">
-                <a:latin typeface="Arial" pitchFamily="34" charset="0"/>
-                <a:cs typeface="Arial" pitchFamily="34" charset="0"/>
-              </a:rPr>
-              <a:t>CONCLUSIONI</a:t>
-            </a:r>
-            <a:endParaRPr lang="it-IT" b="1" dirty="0">
-              <a:latin typeface="Arial" pitchFamily="34" charset="0"/>
-              <a:cs typeface="Arial" pitchFamily="34" charset="0"/>
-            </a:endParaRPr>
-          </a:p>
-        </p:txBody>
-      </p:sp>
-      <p:sp>
-        <p:nvSpPr>
-          <p:cNvPr id="3" name="CasellaDiTesto 2"/>
-          <p:cNvSpPr txBox="1"/>
-          <p:nvPr/>
-        </p:nvSpPr>
-        <p:spPr>
-          <a:xfrm>
-            <a:off x="142844" y="785794"/>
-            <a:ext cx="4083169" cy="369332"/>
-          </a:xfrm>
-          <a:prstGeom prst="rect">
-            <a:avLst/>
-          </a:prstGeom>
-          <a:noFill/>
-        </p:spPr>
-        <p:txBody>
-          <a:bodyPr wrap="none" rtlCol="0">
-            <a:spAutoFit/>
-          </a:bodyPr>
-          <a:lstStyle/>
-          <a:p>
-            <a:r>
-              <a:rPr lang="it-IT" b="1" dirty="0" smtClean="0">
-                <a:latin typeface="Arial" pitchFamily="34" charset="0"/>
-                <a:cs typeface="Arial" pitchFamily="34" charset="0"/>
-              </a:rPr>
-              <a:t>Quanto è “buono” il nostro sistema</a:t>
-            </a:r>
-            <a:endParaRPr lang="it-IT" b="1" dirty="0">
-              <a:latin typeface="Arial" pitchFamily="34" charset="0"/>
-              <a:cs typeface="Arial" pitchFamily="34" charset="0"/>
-            </a:endParaRPr>
-          </a:p>
-        </p:txBody>
-      </p:sp>
-      <p:sp>
-        <p:nvSpPr>
-          <p:cNvPr id="4" name="CasellaDiTesto 3"/>
-          <p:cNvSpPr txBox="1"/>
-          <p:nvPr/>
-        </p:nvSpPr>
-        <p:spPr>
-          <a:xfrm>
-            <a:off x="142844" y="1214422"/>
-            <a:ext cx="8957413" cy="2031325"/>
-          </a:xfrm>
-          <a:prstGeom prst="rect">
-            <a:avLst/>
-          </a:prstGeom>
-          <a:noFill/>
-        </p:spPr>
-        <p:txBody>
-          <a:bodyPr wrap="square" rtlCol="0">
-            <a:spAutoFit/>
-          </a:bodyPr>
-          <a:lstStyle/>
-          <a:p>
-            <a:r>
-              <a:rPr lang="it-IT" dirty="0" smtClean="0"/>
-              <a:t>Ogni requisito funzionale </a:t>
-            </a:r>
-            <a:r>
-              <a:rPr lang="it-IT" dirty="0" err="1" smtClean="0"/>
-              <a:t>use</a:t>
-            </a:r>
-            <a:r>
-              <a:rPr lang="it-IT" dirty="0" smtClean="0"/>
-              <a:t> </a:t>
-            </a:r>
-            <a:r>
-              <a:rPr lang="it-IT" dirty="0" err="1" smtClean="0"/>
-              <a:t>cases</a:t>
-            </a:r>
-            <a:r>
-              <a:rPr lang="it-IT" dirty="0" smtClean="0"/>
-              <a:t> e scenario è tracciabile .</a:t>
-            </a:r>
-          </a:p>
-          <a:p>
-            <a:r>
-              <a:rPr lang="it-IT" dirty="0" smtClean="0"/>
-              <a:t>A parte i problemi  elencati precedentemente a livello di implementazione il</a:t>
-            </a:r>
-          </a:p>
-          <a:p>
-            <a:r>
-              <a:rPr lang="it-IT" dirty="0" smtClean="0"/>
-              <a:t>Sistema </a:t>
-            </a:r>
-            <a:r>
-              <a:rPr lang="it-IT" dirty="0" err="1" smtClean="0"/>
-              <a:t>CBUnisa</a:t>
-            </a:r>
-            <a:r>
-              <a:rPr lang="it-IT" dirty="0" smtClean="0"/>
-              <a:t> rispecchia tutti i requisiti funzionali  e non funzionali</a:t>
-            </a:r>
-          </a:p>
-          <a:p>
-            <a:r>
-              <a:rPr lang="it-IT" dirty="0" smtClean="0"/>
-              <a:t>(già commentato nel </a:t>
-            </a:r>
-            <a:r>
-              <a:rPr lang="it-IT" dirty="0" err="1" smtClean="0"/>
-              <a:t>finish</a:t>
-            </a:r>
-            <a:r>
-              <a:rPr lang="it-IT" dirty="0" smtClean="0"/>
-              <a:t> </a:t>
-            </a:r>
-            <a:r>
-              <a:rPr lang="it-IT" dirty="0" err="1" smtClean="0"/>
-              <a:t>product</a:t>
-            </a:r>
-            <a:r>
-              <a:rPr lang="it-IT" dirty="0" smtClean="0"/>
-              <a:t>).</a:t>
-            </a:r>
-          </a:p>
-          <a:p>
-            <a:r>
-              <a:rPr lang="it-IT" dirty="0" smtClean="0"/>
-              <a:t>Il livello application (cioè l’intera logica applicativa del sistema) è stato più volte</a:t>
-            </a:r>
-          </a:p>
-          <a:p>
-            <a:r>
-              <a:rPr lang="it-IT" dirty="0" smtClean="0"/>
-              <a:t>Testato e revisionato da tutto il team.</a:t>
-            </a:r>
-          </a:p>
-          <a:p>
-            <a:endParaRPr lang="it-IT" dirty="0"/>
-          </a:p>
-        </p:txBody>
-      </p:sp>
-      <p:sp>
-        <p:nvSpPr>
-          <p:cNvPr id="5" name="CasellaDiTesto 4"/>
-          <p:cNvSpPr txBox="1"/>
-          <p:nvPr/>
-        </p:nvSpPr>
-        <p:spPr>
-          <a:xfrm>
-            <a:off x="0" y="5474096"/>
-            <a:ext cx="9005992" cy="1200329"/>
-          </a:xfrm>
-          <a:prstGeom prst="rect">
-            <a:avLst/>
-          </a:prstGeom>
-          <a:noFill/>
-        </p:spPr>
-        <p:txBody>
-          <a:bodyPr wrap="none" rtlCol="0">
-            <a:spAutoFit/>
-          </a:bodyPr>
-          <a:lstStyle/>
-          <a:p>
-            <a:r>
-              <a:rPr lang="it-IT" sz="2400" b="1" dirty="0" smtClean="0">
-                <a:solidFill>
-                  <a:srgbClr val="FF0000"/>
-                </a:solidFill>
-                <a:latin typeface="Arial" pitchFamily="34" charset="0"/>
-                <a:cs typeface="Arial" pitchFamily="34" charset="0"/>
-              </a:rPr>
-              <a:t>Parlate di problemi inerenti prettamente al vostro sotto team</a:t>
-            </a:r>
-          </a:p>
-          <a:p>
-            <a:r>
-              <a:rPr lang="it-IT" sz="2400" b="1" dirty="0" smtClean="0">
-                <a:solidFill>
-                  <a:srgbClr val="FF0000"/>
-                </a:solidFill>
-                <a:latin typeface="Arial" pitchFamily="34" charset="0"/>
-                <a:cs typeface="Arial" pitchFamily="34" charset="0"/>
-              </a:rPr>
-              <a:t>Dite anche cose positive</a:t>
-            </a:r>
-          </a:p>
-          <a:p>
-            <a:r>
-              <a:rPr lang="it-IT" sz="2400" b="1" dirty="0" smtClean="0">
-                <a:solidFill>
-                  <a:srgbClr val="FF0000"/>
-                </a:solidFill>
-                <a:latin typeface="Arial" pitchFamily="34" charset="0"/>
-                <a:cs typeface="Arial" pitchFamily="34" charset="0"/>
-              </a:rPr>
-              <a:t>Fatevi aiutare dal questionario</a:t>
-            </a:r>
-            <a:endParaRPr lang="it-IT" sz="2400" b="1" dirty="0">
-              <a:solidFill>
-                <a:srgbClr val="FF0000"/>
-              </a:solidFill>
-              <a:latin typeface="Arial" pitchFamily="34" charset="0"/>
-              <a:cs typeface="Arial" pitchFamily="34" charset="0"/>
-            </a:endParaRPr>
-          </a:p>
-        </p:txBody>
-      </p:sp>
-    </p:spTree>
-  </p:cSld>
-  <p:clrMapOvr>
-    <a:masterClrMapping/>
-  </p:clrMapOvr>
-  <p:timing>
-    <p:tnLst>
-      <p:par>
-        <p:cTn id="1" dur="indefinite" restart="never" nodeType="tmRoot"/>
-      </p:par>
-    </p:tnLst>
-  </p:timing>
-</p:sld>
-</file>
-
-<file path=ppt/slides/slide35.xml><?xml version="1.0" encoding="utf-8"?>
 <p:sld xmlns:a="http://schemas.openxmlformats.org/drawingml/2006/main" xmlns:r="http://schemas.openxmlformats.org/officeDocument/2006/relationships" xmlns:p="http://schemas.openxmlformats.org/presentationml/2006/main">
   <p:cSld>
     <p:spTree>
@@ -18431,14 +18281,14 @@
       </p:sp>
       <p:sp>
         <p:nvSpPr>
-          <p:cNvPr id="6" name="CasellaDiTesto 5"/>
+          <p:cNvPr id="8" name="CasellaDiTesto 7"/>
           <p:cNvSpPr txBox="1"/>
           <p:nvPr/>
         </p:nvSpPr>
         <p:spPr>
           <a:xfrm>
             <a:off x="611560" y="6375201"/>
-            <a:ext cx="4285725" cy="307777"/>
+            <a:ext cx="4258986" cy="307777"/>
           </a:xfrm>
           <a:prstGeom prst="rect">
             <a:avLst/>
@@ -18459,7 +18309,7 @@
                 <a:latin typeface="Arial" pitchFamily="34" charset="0"/>
                 <a:cs typeface="Arial" pitchFamily="34" charset="0"/>
               </a:rPr>
-              <a:t>TRACCIABILITA’ Nome File: SC_H_54_NomeSC </a:t>
+              <a:t>TRACCIABILITA’ Nome File: UC_H_54_NomeUC </a:t>
             </a:r>
             <a:endParaRPr lang="it-IT" sz="1400" b="1" dirty="0">
               <a:solidFill>
